--- a/Fall 2015/Lectures/Lecture 7 Nonlinear programming/Lecture 7 NLP.pptx
+++ b/Fall 2015/Lectures/Lecture 7 Nonlinear programming/Lecture 7 NLP.pptx
@@ -5,41 +5,42 @@
     <p:sldMasterId id="2147483648" r:id="rId1"/>
   </p:sldMasterIdLst>
   <p:notesMasterIdLst>
-    <p:notesMasterId r:id="rId31"/>
+    <p:notesMasterId r:id="rId32"/>
   </p:notesMasterIdLst>
   <p:handoutMasterIdLst>
-    <p:handoutMasterId r:id="rId32"/>
+    <p:handoutMasterId r:id="rId33"/>
   </p:handoutMasterIdLst>
   <p:sldIdLst>
     <p:sldId id="256" r:id="rId2"/>
     <p:sldId id="258" r:id="rId3"/>
-    <p:sldId id="289" r:id="rId4"/>
-    <p:sldId id="270" r:id="rId5"/>
-    <p:sldId id="271" r:id="rId6"/>
-    <p:sldId id="260" r:id="rId7"/>
-    <p:sldId id="276" r:id="rId8"/>
-    <p:sldId id="283" r:id="rId9"/>
-    <p:sldId id="259" r:id="rId10"/>
-    <p:sldId id="261" r:id="rId11"/>
-    <p:sldId id="272" r:id="rId12"/>
-    <p:sldId id="287" r:id="rId13"/>
-    <p:sldId id="262" r:id="rId14"/>
-    <p:sldId id="264" r:id="rId15"/>
-    <p:sldId id="288" r:id="rId16"/>
-    <p:sldId id="265" r:id="rId17"/>
-    <p:sldId id="266" r:id="rId18"/>
-    <p:sldId id="268" r:id="rId19"/>
-    <p:sldId id="273" r:id="rId20"/>
-    <p:sldId id="275" r:id="rId21"/>
-    <p:sldId id="284" r:id="rId22"/>
-    <p:sldId id="285" r:id="rId23"/>
-    <p:sldId id="286" r:id="rId24"/>
-    <p:sldId id="277" r:id="rId25"/>
-    <p:sldId id="278" r:id="rId26"/>
-    <p:sldId id="279" r:id="rId27"/>
-    <p:sldId id="280" r:id="rId28"/>
-    <p:sldId id="281" r:id="rId29"/>
-    <p:sldId id="274" r:id="rId30"/>
+    <p:sldId id="290" r:id="rId4"/>
+    <p:sldId id="289" r:id="rId5"/>
+    <p:sldId id="270" r:id="rId6"/>
+    <p:sldId id="271" r:id="rId7"/>
+    <p:sldId id="260" r:id="rId8"/>
+    <p:sldId id="276" r:id="rId9"/>
+    <p:sldId id="283" r:id="rId10"/>
+    <p:sldId id="259" r:id="rId11"/>
+    <p:sldId id="261" r:id="rId12"/>
+    <p:sldId id="272" r:id="rId13"/>
+    <p:sldId id="287" r:id="rId14"/>
+    <p:sldId id="262" r:id="rId15"/>
+    <p:sldId id="264" r:id="rId16"/>
+    <p:sldId id="288" r:id="rId17"/>
+    <p:sldId id="265" r:id="rId18"/>
+    <p:sldId id="266" r:id="rId19"/>
+    <p:sldId id="268" r:id="rId20"/>
+    <p:sldId id="273" r:id="rId21"/>
+    <p:sldId id="275" r:id="rId22"/>
+    <p:sldId id="284" r:id="rId23"/>
+    <p:sldId id="285" r:id="rId24"/>
+    <p:sldId id="286" r:id="rId25"/>
+    <p:sldId id="277" r:id="rId26"/>
+    <p:sldId id="278" r:id="rId27"/>
+    <p:sldId id="279" r:id="rId28"/>
+    <p:sldId id="280" r:id="rId29"/>
+    <p:sldId id="281" r:id="rId30"/>
+    <p:sldId id="274" r:id="rId31"/>
   </p:sldIdLst>
   <p:sldSz cx="9144000" cy="6858000" type="screen4x3"/>
   <p:notesSz cx="7010400" cy="9296400"/>
@@ -988,14 +989,14 @@
             <a:noFill/>
           </a:ln>
           <a:extLst>
-            <a:ext uri="{909E8E84-426E-40DD-AFC4-6F175D3DCCD1}">
+            <a:ext uri="{909E8E84-426E-40dd-AFC4-6F175D3DCCD1}">
               <a14:hiddenFill xmlns:a14="http://schemas.microsoft.com/office/drawing/2010/main">
                 <a:solidFill>
                   <a:srgbClr val="FFFFFF"/>
                 </a:solidFill>
               </a14:hiddenFill>
             </a:ext>
-            <a:ext uri="{91240B29-F687-4F45-9708-019B960494DF}">
+            <a:ext uri="{91240B29-F687-4f45-9708-019B960494DF}">
               <a14:hiddenLine xmlns:a14="http://schemas.microsoft.com/office/drawing/2010/main" w="9525">
                 <a:solidFill>
                   <a:srgbClr val="000000"/>
@@ -1112,7 +1113,7 @@
             <a:fld id="{C30B0946-ECDA-4668-BC90-D4EE359B0F52}" type="slidenum">
               <a:rPr lang="zh-TW" altLang="en-US" sz="1200" b="0"/>
               <a:pPr algn="r"/>
-              <a:t>15</a:t>
+              <a:t>16</a:t>
             </a:fld>
             <a:endParaRPr lang="en-US" altLang="zh-TW" sz="1200" b="0"/>
           </a:p>
@@ -1146,14 +1147,14 @@
           <a:noFill/>
           <a:ln/>
           <a:extLst>
-            <a:ext uri="{909E8E84-426E-40DD-AFC4-6F175D3DCCD1}">
+            <a:ext uri="{909E8E84-426E-40dd-AFC4-6F175D3DCCD1}">
               <a14:hiddenFill xmlns:a14="http://schemas.microsoft.com/office/drawing/2010/main">
                 <a:solidFill>
                   <a:srgbClr val="FFFFFF"/>
                 </a:solidFill>
               </a14:hiddenFill>
             </a:ext>
-            <a:ext uri="{91240B29-F687-4F45-9708-019B960494DF}">
+            <a:ext uri="{91240B29-F687-4f45-9708-019B960494DF}">
               <a14:hiddenLine xmlns:a14="http://schemas.microsoft.com/office/drawing/2010/main" w="9525">
                 <a:solidFill>
                   <a:srgbClr val="000000"/>
@@ -1370,13 +1371,13 @@
   <p:clrMapOvr>
     <a:masterClrMapping/>
   </p:clrMapOvr>
-  <p:transition>
+  <p:transition xmlns:p14="http://schemas.microsoft.com/office/powerpoint/2010/main">
     <p:random/>
   </p:transition>
   <p:timing>
     <p:tnLst>
       <p:par>
-        <p:cTn id="1" dur="indefinite" restart="never" nodeType="tmRoot"/>
+        <p:cTn xmlns:p14="http://schemas.microsoft.com/office/powerpoint/2010/main" id="1" dur="indefinite" restart="never" nodeType="tmRoot"/>
       </p:par>
     </p:tnLst>
   </p:timing>
@@ -1554,13 +1555,13 @@
   <p:clrMapOvr>
     <a:masterClrMapping/>
   </p:clrMapOvr>
-  <p:transition>
+  <p:transition xmlns:p14="http://schemas.microsoft.com/office/powerpoint/2010/main">
     <p:random/>
   </p:transition>
   <p:timing>
     <p:tnLst>
       <p:par>
-        <p:cTn id="1" dur="indefinite" restart="never" nodeType="tmRoot"/>
+        <p:cTn xmlns:p14="http://schemas.microsoft.com/office/powerpoint/2010/main" id="1" dur="indefinite" restart="never" nodeType="tmRoot"/>
       </p:par>
     </p:tnLst>
   </p:timing>
@@ -1856,7 +1857,7 @@
   <p:clrMapOvr>
     <a:masterClrMapping/>
   </p:clrMapOvr>
-  <p:transition>
+  <p:transition xmlns:p14="http://schemas.microsoft.com/office/powerpoint/2010/main">
     <p:random/>
   </p:transition>
 </p:sldLayout>
@@ -1981,7 +1982,7 @@
   <p:clrMapOvr>
     <a:masterClrMapping/>
   </p:clrMapOvr>
-  <p:transition>
+  <p:transition xmlns:p14="http://schemas.microsoft.com/office/powerpoint/2010/main">
     <p:random/>
   </p:transition>
 </p:sldLayout>
@@ -2282,7 +2283,7 @@
   <p:clrMapOvr>
     <a:masterClrMapping/>
   </p:clrMapOvr>
-  <p:transition>
+  <p:transition xmlns:p14="http://schemas.microsoft.com/office/powerpoint/2010/main">
     <p:random/>
   </p:transition>
 </p:sldLayout>
@@ -2437,7 +2438,7 @@
   <p:clrMapOvr>
     <a:masterClrMapping/>
   </p:clrMapOvr>
-  <p:transition>
+  <p:transition xmlns:p14="http://schemas.microsoft.com/office/powerpoint/2010/main">
     <p:random/>
   </p:transition>
 </p:sldLayout>
@@ -2681,7 +2682,7 @@
   <p:clrMapOvr>
     <a:masterClrMapping/>
   </p:clrMapOvr>
-  <p:transition>
+  <p:transition xmlns:p14="http://schemas.microsoft.com/office/powerpoint/2010/main">
     <p:random/>
   </p:transition>
 </p:sldLayout>
@@ -2998,16 +2999,7 @@
                 </a:solidFill>
                 <a:latin typeface="Century Gothic" pitchFamily="34" charset="0"/>
               </a:rPr>
-              <a:t>Fall </a:t>
-            </a:r>
-            <a:r>
-              <a:rPr lang="en-US" sz="1200" b="0" dirty="0" smtClean="0">
-                <a:solidFill>
-                  <a:schemeClr val="tx1"/>
-                </a:solidFill>
-                <a:latin typeface="Century Gothic" pitchFamily="34" charset="0"/>
-              </a:rPr>
-              <a:t>2013</a:t>
+              <a:t>Fall 2013</a:t>
             </a:r>
             <a:endParaRPr lang="en-US" sz="1200" b="0" dirty="0">
               <a:solidFill>
@@ -3125,13 +3117,13 @@
     <p:sldLayoutId id="2147483661" r:id="rId6"/>
     <p:sldLayoutId id="2147483662" r:id="rId7"/>
   </p:sldLayoutIdLst>
-  <p:transition>
+  <p:transition xmlns:p14="http://schemas.microsoft.com/office/powerpoint/2010/main">
     <p:random/>
   </p:transition>
   <p:timing>
     <p:tnLst>
       <p:par>
-        <p:cTn id="1" dur="indefinite" restart="never" nodeType="tmRoot"/>
+        <p:cTn xmlns:p14="http://schemas.microsoft.com/office/powerpoint/2010/main" id="1" dur="indefinite" restart="never" nodeType="tmRoot"/>
       </p:par>
     </p:tnLst>
   </p:timing>
@@ -3592,8 +3584,16 @@
               <a:rPr lang="en-US" dirty="0"/>
             </a:br>
             <a:r>
+              <a:rPr lang="en-US" dirty="0" smtClean="0"/>
+              <a:t>Beyond Linear</a:t>
+            </a:r>
+            <a:r>
+              <a:rPr lang="en-US" dirty="0" smtClean="0"/>
+              <a:t> </a:t>
+            </a:r>
+            <a:r>
               <a:rPr lang="en-US" dirty="0"/>
-              <a:t>Nonlinear Programming</a:t>
+              <a:t>Programming</a:t>
             </a:r>
           </a:p>
         </p:txBody>
@@ -3688,13 +3688,13 @@
   <p:clrMapOvr>
     <a:masterClrMapping/>
   </p:clrMapOvr>
-  <p:transition>
+  <p:transition xmlns:p14="http://schemas.microsoft.com/office/powerpoint/2010/main">
     <p:random/>
   </p:transition>
   <p:timing>
     <p:tnLst>
       <p:par>
-        <p:cTn id="1" dur="indefinite" restart="never" nodeType="tmRoot"/>
+        <p:cTn xmlns:p14="http://schemas.microsoft.com/office/powerpoint/2010/main" id="1" dur="indefinite" restart="never" nodeType="tmRoot"/>
       </p:par>
     </p:tnLst>
   </p:timing>
@@ -3720,6 +3720,1019 @@
       </p:grpSpPr>
       <p:sp>
         <p:nvSpPr>
+          <p:cNvPr id="12291" name="Slide Number Placeholder 4"/>
+          <p:cNvSpPr>
+            <a:spLocks noGrp="1"/>
+          </p:cNvSpPr>
+          <p:nvPr>
+            <p:ph type="sldNum" sz="quarter" idx="11"/>
+          </p:nvPr>
+        </p:nvSpPr>
+        <p:spPr>
+          <a:noFill/>
+        </p:spPr>
+        <p:txBody>
+          <a:bodyPr/>
+          <a:lstStyle/>
+          <a:p>
+            <a:endParaRPr lang="en-US"/>
+          </a:p>
+          <a:p>
+            <a:fld id="{56495103-7B52-D240-B681-D92F4C90B338}" type="slidenum">
+              <a:rPr lang="en-US"/>
+              <a:pPr/>
+              <a:t>10</a:t>
+            </a:fld>
+            <a:endParaRPr lang="en-US"/>
+          </a:p>
+        </p:txBody>
+      </p:sp>
+      <p:pic>
+        <p:nvPicPr>
+          <p:cNvPr id="12292" name="Picture 12"/>
+          <p:cNvPicPr>
+            <a:picLocks noChangeAspect="1" noChangeArrowheads="1"/>
+          </p:cNvPicPr>
+          <p:nvPr/>
+        </p:nvPicPr>
+        <p:blipFill>
+          <a:blip r:embed="rId2" cstate="print"/>
+          <a:srcRect/>
+          <a:stretch>
+            <a:fillRect/>
+          </a:stretch>
+        </p:blipFill>
+        <p:spPr bwMode="auto">
+          <a:xfrm>
+            <a:off x="169863" y="4706938"/>
+            <a:ext cx="2867025" cy="2151062"/>
+          </a:xfrm>
+          <a:prstGeom prst="rect">
+            <a:avLst/>
+          </a:prstGeom>
+          <a:noFill/>
+          <a:ln w="9525">
+            <a:noFill/>
+            <a:miter lim="800000"/>
+            <a:headEnd/>
+            <a:tailEnd/>
+          </a:ln>
+        </p:spPr>
+      </p:pic>
+      <p:sp>
+        <p:nvSpPr>
+          <p:cNvPr id="12293" name="Rectangle 2"/>
+          <p:cNvSpPr>
+            <a:spLocks noGrp="1" noChangeArrowheads="1"/>
+          </p:cNvSpPr>
+          <p:nvPr>
+            <p:ph type="title"/>
+          </p:nvPr>
+        </p:nvSpPr>
+        <p:spPr/>
+        <p:txBody>
+          <a:bodyPr/>
+          <a:lstStyle/>
+          <a:p>
+            <a:r>
+              <a:rPr lang="en-US"/>
+              <a:t>Solution Strategies for NLP Problems</a:t>
+            </a:r>
+          </a:p>
+        </p:txBody>
+      </p:sp>
+      <p:sp>
+        <p:nvSpPr>
+          <p:cNvPr id="115715" name="Rectangle 3"/>
+          <p:cNvSpPr>
+            <a:spLocks noGrp="1" noChangeArrowheads="1"/>
+          </p:cNvSpPr>
+          <p:nvPr>
+            <p:ph type="body" idx="1"/>
+          </p:nvPr>
+        </p:nvSpPr>
+        <p:spPr/>
+        <p:txBody>
+          <a:bodyPr/>
+          <a:lstStyle/>
+          <a:p>
+            <a:pPr marL="457200" indent="-457200"/>
+            <a:r>
+              <a:rPr lang="en-US" sz="2000"/>
+              <a:t>Solver uses </a:t>
+            </a:r>
+            <a:r>
+              <a:rPr lang="en-US" sz="2000" b="1"/>
+              <a:t>generalized reduced gradient</a:t>
+            </a:r>
+            <a:r>
+              <a:rPr lang="en-US" sz="2000"/>
+              <a:t> (GRG) algorithm (</a:t>
+            </a:r>
+            <a:r>
+              <a:rPr lang="en-US" sz="2000" b="1"/>
+              <a:t>hill-climbing tactics</a:t>
+            </a:r>
+            <a:r>
+              <a:rPr lang="en-US" sz="2000"/>
+              <a:t>) to solve NLP problems</a:t>
+            </a:r>
+          </a:p>
+          <a:p>
+            <a:pPr marL="457200" indent="-457200"/>
+            <a:endParaRPr lang="en-US" sz="2000"/>
+          </a:p>
+          <a:p>
+            <a:pPr marL="838200" lvl="1" indent="-381000">
+              <a:buFontTx/>
+              <a:buAutoNum type="arabicPeriod"/>
+            </a:pPr>
+            <a:r>
+              <a:rPr lang="en-US" sz="1800"/>
+              <a:t>Begins at a feasible solution (starting point)</a:t>
+            </a:r>
+          </a:p>
+          <a:p>
+            <a:pPr marL="838200" lvl="1" indent="-381000">
+              <a:buFontTx/>
+              <a:buAutoNum type="arabicPeriod"/>
+            </a:pPr>
+            <a:r>
+              <a:rPr lang="en-US" sz="1800"/>
+              <a:t>Select direction in the feasible region that causes the objective function to improve</a:t>
+            </a:r>
+          </a:p>
+          <a:p>
+            <a:pPr marL="838200" lvl="1" indent="-381000">
+              <a:buFontTx/>
+              <a:buAutoNum type="arabicPeriod"/>
+            </a:pPr>
+            <a:r>
+              <a:rPr lang="en-US" sz="1800"/>
+              <a:t>Make some amount of movement (step size) in the selected direction</a:t>
+            </a:r>
+          </a:p>
+          <a:p>
+            <a:pPr marL="838200" lvl="1" indent="-381000">
+              <a:buFontTx/>
+              <a:buAutoNum type="arabicPeriod"/>
+            </a:pPr>
+            <a:r>
+              <a:rPr lang="en-US" sz="1800"/>
+              <a:t>Reach a </a:t>
+            </a:r>
+            <a:r>
+              <a:rPr lang="en-US" sz="1800" b="1"/>
+              <a:t>new</a:t>
+            </a:r>
+            <a:r>
+              <a:rPr lang="en-US" sz="1800"/>
+              <a:t>, and </a:t>
+            </a:r>
+            <a:r>
+              <a:rPr lang="en-US" sz="1800" b="1"/>
+              <a:t>better</a:t>
+            </a:r>
+            <a:r>
+              <a:rPr lang="en-US" sz="1800"/>
+              <a:t>, </a:t>
+            </a:r>
+            <a:r>
+              <a:rPr lang="en-US" sz="1800" b="1"/>
+              <a:t>feasible</a:t>
+            </a:r>
+            <a:r>
+              <a:rPr lang="en-US" sz="1800"/>
+              <a:t> solution</a:t>
+            </a:r>
+          </a:p>
+          <a:p>
+            <a:pPr marL="838200" lvl="1" indent="-381000">
+              <a:buFontTx/>
+              <a:buAutoNum type="arabicPeriod"/>
+            </a:pPr>
+            <a:r>
+              <a:rPr lang="en-US" sz="1800"/>
+              <a:t>Stops until there is no feasible direction in which to move that results in an improvement in the objective function.</a:t>
+            </a:r>
+          </a:p>
+          <a:p>
+            <a:pPr marL="838200" lvl="1" indent="-381000"/>
+            <a:endParaRPr lang="en-US" sz="1800"/>
+          </a:p>
+        </p:txBody>
+      </p:sp>
+      <p:grpSp>
+        <p:nvGrpSpPr>
+          <p:cNvPr id="2" name="Group 10"/>
+          <p:cNvGrpSpPr>
+            <a:grpSpLocks/>
+          </p:cNvGrpSpPr>
+          <p:nvPr/>
+        </p:nvGrpSpPr>
+        <p:grpSpPr bwMode="auto">
+          <a:xfrm>
+            <a:off x="685800" y="2895600"/>
+            <a:ext cx="609600" cy="1600200"/>
+            <a:chOff x="432" y="1824"/>
+            <a:chExt cx="384" cy="1008"/>
+          </a:xfrm>
+        </p:grpSpPr>
+        <p:sp>
+          <p:nvSpPr>
+            <p:cNvPr id="12297" name="Freeform 4"/>
+            <p:cNvSpPr>
+              <a:spLocks/>
+            </p:cNvSpPr>
+            <p:nvPr/>
+          </p:nvSpPr>
+          <p:spPr bwMode="auto">
+            <a:xfrm>
+              <a:off x="432" y="1824"/>
+              <a:ext cx="336" cy="1008"/>
+            </a:xfrm>
+            <a:custGeom>
+              <a:avLst/>
+              <a:gdLst>
+                <a:gd name="T0" fmla="*/ 334 w 336"/>
+                <a:gd name="T1" fmla="*/ 1008 h 1008"/>
+                <a:gd name="T2" fmla="*/ 96 w 336"/>
+                <a:gd name="T3" fmla="*/ 896 h 1008"/>
+                <a:gd name="T4" fmla="*/ 0 w 336"/>
+                <a:gd name="T5" fmla="*/ 480 h 1008"/>
+                <a:gd name="T6" fmla="*/ 96 w 336"/>
+                <a:gd name="T7" fmla="*/ 128 h 1008"/>
+                <a:gd name="T8" fmla="*/ 336 w 336"/>
+                <a:gd name="T9" fmla="*/ 0 h 1008"/>
+                <a:gd name="T10" fmla="*/ 0 60000 65536"/>
+                <a:gd name="T11" fmla="*/ 0 60000 65536"/>
+                <a:gd name="T12" fmla="*/ 0 60000 65536"/>
+                <a:gd name="T13" fmla="*/ 0 60000 65536"/>
+                <a:gd name="T14" fmla="*/ 0 60000 65536"/>
+                <a:gd name="T15" fmla="*/ 0 w 336"/>
+                <a:gd name="T16" fmla="*/ 0 h 1008"/>
+                <a:gd name="T17" fmla="*/ 336 w 336"/>
+                <a:gd name="T18" fmla="*/ 1008 h 1008"/>
+              </a:gdLst>
+              <a:ahLst/>
+              <a:cxnLst>
+                <a:cxn ang="T10">
+                  <a:pos x="T0" y="T1"/>
+                </a:cxn>
+                <a:cxn ang="T11">
+                  <a:pos x="T2" y="T3"/>
+                </a:cxn>
+                <a:cxn ang="T12">
+                  <a:pos x="T4" y="T5"/>
+                </a:cxn>
+                <a:cxn ang="T13">
+                  <a:pos x="T6" y="T7"/>
+                </a:cxn>
+                <a:cxn ang="T14">
+                  <a:pos x="T8" y="T9"/>
+                </a:cxn>
+              </a:cxnLst>
+              <a:rect l="T15" t="T16" r="T17" b="T18"/>
+              <a:pathLst>
+                <a:path w="336" h="1008">
+                  <a:moveTo>
+                    <a:pt x="334" y="1008"/>
+                  </a:moveTo>
+                  <a:cubicBezTo>
+                    <a:pt x="294" y="989"/>
+                    <a:pt x="152" y="984"/>
+                    <a:pt x="96" y="896"/>
+                  </a:cubicBezTo>
+                  <a:cubicBezTo>
+                    <a:pt x="40" y="808"/>
+                    <a:pt x="0" y="608"/>
+                    <a:pt x="0" y="480"/>
+                  </a:cubicBezTo>
+                  <a:cubicBezTo>
+                    <a:pt x="1" y="374"/>
+                    <a:pt x="40" y="208"/>
+                    <a:pt x="96" y="128"/>
+                  </a:cubicBezTo>
+                  <a:cubicBezTo>
+                    <a:pt x="152" y="48"/>
+                    <a:pt x="286" y="27"/>
+                    <a:pt x="336" y="0"/>
+                  </a:cubicBezTo>
+                </a:path>
+              </a:pathLst>
+            </a:custGeom>
+            <a:noFill/>
+            <a:ln w="38100">
+              <a:solidFill>
+                <a:srgbClr val="33CC33"/>
+              </a:solidFill>
+              <a:round/>
+              <a:headEnd/>
+              <a:tailEnd type="triangle" w="med" len="med"/>
+            </a:ln>
+          </p:spPr>
+          <p:txBody>
+            <a:bodyPr>
+              <a:prstTxWarp prst="textNoShape">
+                <a:avLst/>
+              </a:prstTxWarp>
+            </a:bodyPr>
+            <a:lstStyle/>
+            <a:p>
+              <a:endParaRPr lang="en-US"/>
+            </a:p>
+          </p:txBody>
+        </p:sp>
+        <p:sp>
+          <p:nvSpPr>
+            <p:cNvPr id="12298" name="Line 5"/>
+            <p:cNvSpPr>
+              <a:spLocks noChangeShapeType="1"/>
+            </p:cNvSpPr>
+            <p:nvPr/>
+          </p:nvSpPr>
+          <p:spPr bwMode="auto">
+            <a:xfrm>
+              <a:off x="816" y="1872"/>
+              <a:ext cx="0" cy="192"/>
+            </a:xfrm>
+            <a:prstGeom prst="line">
+              <a:avLst/>
+            </a:prstGeom>
+            <a:noFill/>
+            <a:ln w="28575">
+              <a:solidFill>
+                <a:srgbClr val="33CC33"/>
+              </a:solidFill>
+              <a:round/>
+              <a:headEnd/>
+              <a:tailEnd type="triangle" w="med" len="med"/>
+            </a:ln>
+          </p:spPr>
+          <p:txBody>
+            <a:bodyPr>
+              <a:prstTxWarp prst="textNoShape">
+                <a:avLst/>
+              </a:prstTxWarp>
+            </a:bodyPr>
+            <a:lstStyle/>
+            <a:p>
+              <a:endParaRPr lang="en-US"/>
+            </a:p>
+          </p:txBody>
+        </p:sp>
+        <p:sp>
+          <p:nvSpPr>
+            <p:cNvPr id="12299" name="Line 6"/>
+            <p:cNvSpPr>
+              <a:spLocks noChangeShapeType="1"/>
+            </p:cNvSpPr>
+            <p:nvPr/>
+          </p:nvSpPr>
+          <p:spPr bwMode="auto">
+            <a:xfrm>
+              <a:off x="816" y="2256"/>
+              <a:ext cx="0" cy="240"/>
+            </a:xfrm>
+            <a:prstGeom prst="line">
+              <a:avLst/>
+            </a:prstGeom>
+            <a:noFill/>
+            <a:ln w="28575">
+              <a:solidFill>
+                <a:srgbClr val="33CC33"/>
+              </a:solidFill>
+              <a:round/>
+              <a:headEnd/>
+              <a:tailEnd type="triangle" w="med" len="med"/>
+            </a:ln>
+          </p:spPr>
+          <p:txBody>
+            <a:bodyPr>
+              <a:prstTxWarp prst="textNoShape">
+                <a:avLst/>
+              </a:prstTxWarp>
+            </a:bodyPr>
+            <a:lstStyle/>
+            <a:p>
+              <a:endParaRPr lang="en-US"/>
+            </a:p>
+          </p:txBody>
+        </p:sp>
+        <p:sp>
+          <p:nvSpPr>
+            <p:cNvPr id="12300" name="Line 7"/>
+            <p:cNvSpPr>
+              <a:spLocks noChangeShapeType="1"/>
+            </p:cNvSpPr>
+            <p:nvPr/>
+          </p:nvSpPr>
+          <p:spPr bwMode="auto">
+            <a:xfrm>
+              <a:off x="816" y="2640"/>
+              <a:ext cx="0" cy="96"/>
+            </a:xfrm>
+            <a:prstGeom prst="line">
+              <a:avLst/>
+            </a:prstGeom>
+            <a:noFill/>
+            <a:ln w="28575">
+              <a:solidFill>
+                <a:srgbClr val="33CC33"/>
+              </a:solidFill>
+              <a:round/>
+              <a:headEnd/>
+              <a:tailEnd type="triangle" w="med" len="med"/>
+            </a:ln>
+          </p:spPr>
+          <p:txBody>
+            <a:bodyPr>
+              <a:prstTxWarp prst="textNoShape">
+                <a:avLst/>
+              </a:prstTxWarp>
+            </a:bodyPr>
+            <a:lstStyle/>
+            <a:p>
+              <a:endParaRPr lang="en-US"/>
+            </a:p>
+          </p:txBody>
+        </p:sp>
+      </p:grpSp>
+      <p:pic>
+        <p:nvPicPr>
+          <p:cNvPr id="12296" name="Picture 8" descr="j0121253[1]"/>
+          <p:cNvPicPr>
+            <a:picLocks noChangeAspect="1" noChangeArrowheads="1"/>
+          </p:cNvPicPr>
+          <p:nvPr/>
+        </p:nvPicPr>
+        <p:blipFill>
+          <a:blip r:embed="rId3" cstate="print"/>
+          <a:srcRect/>
+          <a:stretch>
+            <a:fillRect/>
+          </a:stretch>
+        </p:blipFill>
+        <p:spPr bwMode="auto">
+          <a:xfrm>
+            <a:off x="7315200" y="4724400"/>
+            <a:ext cx="1533525" cy="1687513"/>
+          </a:xfrm>
+          <a:prstGeom prst="rect">
+            <a:avLst/>
+          </a:prstGeom>
+          <a:noFill/>
+          <a:ln w="9525">
+            <a:noFill/>
+            <a:miter lim="800000"/>
+            <a:headEnd/>
+            <a:tailEnd/>
+          </a:ln>
+        </p:spPr>
+      </p:pic>
+      <p:sp>
+        <p:nvSpPr>
+          <p:cNvPr id="3" name="Date Placeholder 2"/>
+          <p:cNvSpPr>
+            <a:spLocks noGrp="1"/>
+          </p:cNvSpPr>
+          <p:nvPr>
+            <p:ph type="dt" sz="half" idx="10"/>
+          </p:nvPr>
+        </p:nvSpPr>
+        <p:spPr/>
+        <p:txBody>
+          <a:bodyPr/>
+          <a:lstStyle/>
+          <a:p>
+            <a:r>
+              <a:rPr lang="en-US" smtClean="0"/>
+              <a:t>10/2/2013,           10/9/2013</a:t>
+            </a:r>
+            <a:endParaRPr lang="en-US" dirty="0"/>
+          </a:p>
+        </p:txBody>
+      </p:sp>
+    </p:spTree>
+  </p:cSld>
+  <p:clrMapOvr>
+    <a:masterClrMapping/>
+  </p:clrMapOvr>
+  <p:transition xmlns:p14="http://schemas.microsoft.com/office/powerpoint/2010/main">
+    <p:random/>
+  </p:transition>
+  <p:timing>
+    <p:tnLst>
+      <p:par>
+        <p:cTn xmlns:p14="http://schemas.microsoft.com/office/powerpoint/2010/main" id="1" dur="indefinite" restart="never" nodeType="tmRoot">
+          <p:childTnLst>
+            <p:seq concurrent="1" nextAc="seek">
+              <p:cTn id="2" dur="indefinite" nodeType="mainSeq">
+                <p:childTnLst>
+                  <p:par>
+                    <p:cTn id="3" fill="hold">
+                      <p:stCondLst>
+                        <p:cond delay="indefinite"/>
+                      </p:stCondLst>
+                      <p:childTnLst>
+                        <p:par>
+                          <p:cTn id="4" fill="hold">
+                            <p:stCondLst>
+                              <p:cond delay="0"/>
+                            </p:stCondLst>
+                            <p:childTnLst>
+                              <p:par>
+                                <p:cTn id="5" presetID="22" presetClass="entr" presetSubtype="1" fill="hold" grpId="0" nodeType="clickEffect">
+                                  <p:stCondLst>
+                                    <p:cond delay="0"/>
+                                  </p:stCondLst>
+                                  <p:childTnLst>
+                                    <p:set>
+                                      <p:cBhvr>
+                                        <p:cTn id="6" dur="1" fill="hold">
+                                          <p:stCondLst>
+                                            <p:cond delay="0"/>
+                                          </p:stCondLst>
+                                        </p:cTn>
+                                        <p:tgtEl>
+                                          <p:spTgt spid="115715">
+                                            <p:txEl>
+                                              <p:pRg st="0" end="0"/>
+                                            </p:txEl>
+                                          </p:spTgt>
+                                        </p:tgtEl>
+                                        <p:attrNameLst>
+                                          <p:attrName>style.visibility</p:attrName>
+                                        </p:attrNameLst>
+                                      </p:cBhvr>
+                                      <p:to>
+                                        <p:strVal val="visible"/>
+                                      </p:to>
+                                    </p:set>
+                                    <p:animEffect transition="in" filter="wipe(up)">
+                                      <p:cBhvr>
+                                        <p:cTn id="7" dur="2000"/>
+                                        <p:tgtEl>
+                                          <p:spTgt spid="115715">
+                                            <p:txEl>
+                                              <p:pRg st="0" end="0"/>
+                                            </p:txEl>
+                                          </p:spTgt>
+                                        </p:tgtEl>
+                                      </p:cBhvr>
+                                    </p:animEffect>
+                                  </p:childTnLst>
+                                </p:cTn>
+                              </p:par>
+                            </p:childTnLst>
+                          </p:cTn>
+                        </p:par>
+                      </p:childTnLst>
+                    </p:cTn>
+                  </p:par>
+                  <p:par>
+                    <p:cTn id="8" fill="hold">
+                      <p:stCondLst>
+                        <p:cond delay="indefinite"/>
+                      </p:stCondLst>
+                      <p:childTnLst>
+                        <p:par>
+                          <p:cTn id="9" fill="hold">
+                            <p:stCondLst>
+                              <p:cond delay="0"/>
+                            </p:stCondLst>
+                            <p:childTnLst>
+                              <p:par>
+                                <p:cTn id="10" presetID="22" presetClass="entr" presetSubtype="1" fill="hold" grpId="0" nodeType="clickEffect">
+                                  <p:stCondLst>
+                                    <p:cond delay="0"/>
+                                  </p:stCondLst>
+                                  <p:childTnLst>
+                                    <p:set>
+                                      <p:cBhvr>
+                                        <p:cTn id="11" dur="1" fill="hold">
+                                          <p:stCondLst>
+                                            <p:cond delay="0"/>
+                                          </p:stCondLst>
+                                        </p:cTn>
+                                        <p:tgtEl>
+                                          <p:spTgt spid="115715">
+                                            <p:txEl>
+                                              <p:pRg st="2" end="2"/>
+                                            </p:txEl>
+                                          </p:spTgt>
+                                        </p:tgtEl>
+                                        <p:attrNameLst>
+                                          <p:attrName>style.visibility</p:attrName>
+                                        </p:attrNameLst>
+                                      </p:cBhvr>
+                                      <p:to>
+                                        <p:strVal val="visible"/>
+                                      </p:to>
+                                    </p:set>
+                                    <p:animEffect transition="in" filter="wipe(up)">
+                                      <p:cBhvr>
+                                        <p:cTn id="12" dur="2000"/>
+                                        <p:tgtEl>
+                                          <p:spTgt spid="115715">
+                                            <p:txEl>
+                                              <p:pRg st="2" end="2"/>
+                                            </p:txEl>
+                                          </p:spTgt>
+                                        </p:tgtEl>
+                                      </p:cBhvr>
+                                    </p:animEffect>
+                                  </p:childTnLst>
+                                </p:cTn>
+                              </p:par>
+                            </p:childTnLst>
+                          </p:cTn>
+                        </p:par>
+                      </p:childTnLst>
+                    </p:cTn>
+                  </p:par>
+                  <p:par>
+                    <p:cTn id="13" fill="hold">
+                      <p:stCondLst>
+                        <p:cond delay="indefinite"/>
+                      </p:stCondLst>
+                      <p:childTnLst>
+                        <p:par>
+                          <p:cTn id="14" fill="hold">
+                            <p:stCondLst>
+                              <p:cond delay="0"/>
+                            </p:stCondLst>
+                            <p:childTnLst>
+                              <p:par>
+                                <p:cTn id="15" presetID="22" presetClass="entr" presetSubtype="1" fill="hold" grpId="0" nodeType="clickEffect">
+                                  <p:stCondLst>
+                                    <p:cond delay="0"/>
+                                  </p:stCondLst>
+                                  <p:childTnLst>
+                                    <p:set>
+                                      <p:cBhvr>
+                                        <p:cTn id="16" dur="1" fill="hold">
+                                          <p:stCondLst>
+                                            <p:cond delay="0"/>
+                                          </p:stCondLst>
+                                        </p:cTn>
+                                        <p:tgtEl>
+                                          <p:spTgt spid="115715">
+                                            <p:txEl>
+                                              <p:pRg st="3" end="3"/>
+                                            </p:txEl>
+                                          </p:spTgt>
+                                        </p:tgtEl>
+                                        <p:attrNameLst>
+                                          <p:attrName>style.visibility</p:attrName>
+                                        </p:attrNameLst>
+                                      </p:cBhvr>
+                                      <p:to>
+                                        <p:strVal val="visible"/>
+                                      </p:to>
+                                    </p:set>
+                                    <p:animEffect transition="in" filter="wipe(up)">
+                                      <p:cBhvr>
+                                        <p:cTn id="17" dur="2000"/>
+                                        <p:tgtEl>
+                                          <p:spTgt spid="115715">
+                                            <p:txEl>
+                                              <p:pRg st="3" end="3"/>
+                                            </p:txEl>
+                                          </p:spTgt>
+                                        </p:tgtEl>
+                                      </p:cBhvr>
+                                    </p:animEffect>
+                                  </p:childTnLst>
+                                </p:cTn>
+                              </p:par>
+                            </p:childTnLst>
+                          </p:cTn>
+                        </p:par>
+                      </p:childTnLst>
+                    </p:cTn>
+                  </p:par>
+                  <p:par>
+                    <p:cTn id="18" fill="hold">
+                      <p:stCondLst>
+                        <p:cond delay="indefinite"/>
+                      </p:stCondLst>
+                      <p:childTnLst>
+                        <p:par>
+                          <p:cTn id="19" fill="hold">
+                            <p:stCondLst>
+                              <p:cond delay="0"/>
+                            </p:stCondLst>
+                            <p:childTnLst>
+                              <p:par>
+                                <p:cTn id="20" presetID="22" presetClass="entr" presetSubtype="1" fill="hold" grpId="0" nodeType="clickEffect">
+                                  <p:stCondLst>
+                                    <p:cond delay="0"/>
+                                  </p:stCondLst>
+                                  <p:childTnLst>
+                                    <p:set>
+                                      <p:cBhvr>
+                                        <p:cTn id="21" dur="1" fill="hold">
+                                          <p:stCondLst>
+                                            <p:cond delay="0"/>
+                                          </p:stCondLst>
+                                        </p:cTn>
+                                        <p:tgtEl>
+                                          <p:spTgt spid="115715">
+                                            <p:txEl>
+                                              <p:pRg st="4" end="4"/>
+                                            </p:txEl>
+                                          </p:spTgt>
+                                        </p:tgtEl>
+                                        <p:attrNameLst>
+                                          <p:attrName>style.visibility</p:attrName>
+                                        </p:attrNameLst>
+                                      </p:cBhvr>
+                                      <p:to>
+                                        <p:strVal val="visible"/>
+                                      </p:to>
+                                    </p:set>
+                                    <p:animEffect transition="in" filter="wipe(up)">
+                                      <p:cBhvr>
+                                        <p:cTn id="22" dur="2000"/>
+                                        <p:tgtEl>
+                                          <p:spTgt spid="115715">
+                                            <p:txEl>
+                                              <p:pRg st="4" end="4"/>
+                                            </p:txEl>
+                                          </p:spTgt>
+                                        </p:tgtEl>
+                                      </p:cBhvr>
+                                    </p:animEffect>
+                                  </p:childTnLst>
+                                </p:cTn>
+                              </p:par>
+                            </p:childTnLst>
+                          </p:cTn>
+                        </p:par>
+                      </p:childTnLst>
+                    </p:cTn>
+                  </p:par>
+                  <p:par>
+                    <p:cTn id="23" fill="hold">
+                      <p:stCondLst>
+                        <p:cond delay="indefinite"/>
+                      </p:stCondLst>
+                      <p:childTnLst>
+                        <p:par>
+                          <p:cTn id="24" fill="hold">
+                            <p:stCondLst>
+                              <p:cond delay="0"/>
+                            </p:stCondLst>
+                            <p:childTnLst>
+                              <p:par>
+                                <p:cTn id="25" presetID="22" presetClass="entr" presetSubtype="1" fill="hold" grpId="0" nodeType="clickEffect">
+                                  <p:stCondLst>
+                                    <p:cond delay="0"/>
+                                  </p:stCondLst>
+                                  <p:childTnLst>
+                                    <p:set>
+                                      <p:cBhvr>
+                                        <p:cTn id="26" dur="1" fill="hold">
+                                          <p:stCondLst>
+                                            <p:cond delay="0"/>
+                                          </p:stCondLst>
+                                        </p:cTn>
+                                        <p:tgtEl>
+                                          <p:spTgt spid="115715">
+                                            <p:txEl>
+                                              <p:pRg st="5" end="5"/>
+                                            </p:txEl>
+                                          </p:spTgt>
+                                        </p:tgtEl>
+                                        <p:attrNameLst>
+                                          <p:attrName>style.visibility</p:attrName>
+                                        </p:attrNameLst>
+                                      </p:cBhvr>
+                                      <p:to>
+                                        <p:strVal val="visible"/>
+                                      </p:to>
+                                    </p:set>
+                                    <p:animEffect transition="in" filter="wipe(up)">
+                                      <p:cBhvr>
+                                        <p:cTn id="27" dur="2000"/>
+                                        <p:tgtEl>
+                                          <p:spTgt spid="115715">
+                                            <p:txEl>
+                                              <p:pRg st="5" end="5"/>
+                                            </p:txEl>
+                                          </p:spTgt>
+                                        </p:tgtEl>
+                                      </p:cBhvr>
+                                    </p:animEffect>
+                                  </p:childTnLst>
+                                </p:cTn>
+                              </p:par>
+                            </p:childTnLst>
+                          </p:cTn>
+                        </p:par>
+                      </p:childTnLst>
+                    </p:cTn>
+                  </p:par>
+                  <p:par>
+                    <p:cTn id="28" fill="hold">
+                      <p:stCondLst>
+                        <p:cond delay="indefinite"/>
+                      </p:stCondLst>
+                      <p:childTnLst>
+                        <p:par>
+                          <p:cTn id="29" fill="hold">
+                            <p:stCondLst>
+                              <p:cond delay="0"/>
+                            </p:stCondLst>
+                            <p:childTnLst>
+                              <p:par>
+                                <p:cTn id="30" presetID="22" presetClass="entr" presetSubtype="1" fill="hold" grpId="0" nodeType="clickEffect">
+                                  <p:stCondLst>
+                                    <p:cond delay="0"/>
+                                  </p:stCondLst>
+                                  <p:childTnLst>
+                                    <p:set>
+                                      <p:cBhvr>
+                                        <p:cTn id="31" dur="1" fill="hold">
+                                          <p:stCondLst>
+                                            <p:cond delay="0"/>
+                                          </p:stCondLst>
+                                        </p:cTn>
+                                        <p:tgtEl>
+                                          <p:spTgt spid="115715">
+                                            <p:txEl>
+                                              <p:pRg st="6" end="6"/>
+                                            </p:txEl>
+                                          </p:spTgt>
+                                        </p:tgtEl>
+                                        <p:attrNameLst>
+                                          <p:attrName>style.visibility</p:attrName>
+                                        </p:attrNameLst>
+                                      </p:cBhvr>
+                                      <p:to>
+                                        <p:strVal val="visible"/>
+                                      </p:to>
+                                    </p:set>
+                                    <p:animEffect transition="in" filter="wipe(up)">
+                                      <p:cBhvr>
+                                        <p:cTn id="32" dur="2000"/>
+                                        <p:tgtEl>
+                                          <p:spTgt spid="115715">
+                                            <p:txEl>
+                                              <p:pRg st="6" end="6"/>
+                                            </p:txEl>
+                                          </p:spTgt>
+                                        </p:tgtEl>
+                                      </p:cBhvr>
+                                    </p:animEffect>
+                                  </p:childTnLst>
+                                </p:cTn>
+                              </p:par>
+                            </p:childTnLst>
+                          </p:cTn>
+                        </p:par>
+                      </p:childTnLst>
+                    </p:cTn>
+                  </p:par>
+                  <p:par>
+                    <p:cTn id="33" fill="hold">
+                      <p:stCondLst>
+                        <p:cond delay="indefinite"/>
+                      </p:stCondLst>
+                      <p:childTnLst>
+                        <p:par>
+                          <p:cTn id="34" fill="hold">
+                            <p:stCondLst>
+                              <p:cond delay="0"/>
+                            </p:stCondLst>
+                            <p:childTnLst>
+                              <p:par>
+                                <p:cTn id="35" presetID="23" presetClass="entr" presetSubtype="16" fill="hold" nodeType="clickEffect">
+                                  <p:stCondLst>
+                                    <p:cond delay="0"/>
+                                  </p:stCondLst>
+                                  <p:childTnLst>
+                                    <p:set>
+                                      <p:cBhvr>
+                                        <p:cTn id="36" dur="1" fill="hold">
+                                          <p:stCondLst>
+                                            <p:cond delay="0"/>
+                                          </p:stCondLst>
+                                        </p:cTn>
+                                        <p:tgtEl>
+                                          <p:spTgt spid="2"/>
+                                        </p:tgtEl>
+                                        <p:attrNameLst>
+                                          <p:attrName>style.visibility</p:attrName>
+                                        </p:attrNameLst>
+                                      </p:cBhvr>
+                                      <p:to>
+                                        <p:strVal val="visible"/>
+                                      </p:to>
+                                    </p:set>
+                                    <p:anim calcmode="lin" valueType="num">
+                                      <p:cBhvr>
+                                        <p:cTn id="37" dur="500" fill="hold"/>
+                                        <p:tgtEl>
+                                          <p:spTgt spid="2"/>
+                                        </p:tgtEl>
+                                        <p:attrNameLst>
+                                          <p:attrName>ppt_w</p:attrName>
+                                        </p:attrNameLst>
+                                      </p:cBhvr>
+                                      <p:tavLst>
+                                        <p:tav tm="0">
+                                          <p:val>
+                                            <p:fltVal val="0"/>
+                                          </p:val>
+                                        </p:tav>
+                                        <p:tav tm="100000">
+                                          <p:val>
+                                            <p:strVal val="#ppt_w"/>
+                                          </p:val>
+                                        </p:tav>
+                                      </p:tavLst>
+                                    </p:anim>
+                                    <p:anim calcmode="lin" valueType="num">
+                                      <p:cBhvr>
+                                        <p:cTn id="38" dur="500" fill="hold"/>
+                                        <p:tgtEl>
+                                          <p:spTgt spid="2"/>
+                                        </p:tgtEl>
+                                        <p:attrNameLst>
+                                          <p:attrName>ppt_h</p:attrName>
+                                        </p:attrNameLst>
+                                      </p:cBhvr>
+                                      <p:tavLst>
+                                        <p:tav tm="0">
+                                          <p:val>
+                                            <p:fltVal val="0"/>
+                                          </p:val>
+                                        </p:tav>
+                                        <p:tav tm="100000">
+                                          <p:val>
+                                            <p:strVal val="#ppt_h"/>
+                                          </p:val>
+                                        </p:tav>
+                                      </p:tavLst>
+                                    </p:anim>
+                                  </p:childTnLst>
+                                </p:cTn>
+                              </p:par>
+                            </p:childTnLst>
+                          </p:cTn>
+                        </p:par>
+                      </p:childTnLst>
+                    </p:cTn>
+                  </p:par>
+                </p:childTnLst>
+              </p:cTn>
+              <p:prevCondLst>
+                <p:cond evt="onPrev" delay="0">
+                  <p:tgtEl>
+                    <p:sldTgt/>
+                  </p:tgtEl>
+                </p:cond>
+              </p:prevCondLst>
+              <p:nextCondLst>
+                <p:cond evt="onNext" delay="0">
+                  <p:tgtEl>
+                    <p:sldTgt/>
+                  </p:tgtEl>
+                </p:cond>
+              </p:nextCondLst>
+            </p:seq>
+          </p:childTnLst>
+        </p:cTn>
+      </p:par>
+    </p:tnLst>
+    <p:bldLst>
+      <p:bldP spid="115715" grpId="0" build="p"/>
+    </p:bldLst>
+  </p:timing>
+</p:sld>
+</file>
+
+<file path=ppt/slides/slide11.xml><?xml version="1.0" encoding="utf-8"?>
+<p:sld xmlns:a="http://schemas.openxmlformats.org/drawingml/2006/main" xmlns:r="http://schemas.openxmlformats.org/officeDocument/2006/relationships" xmlns:p="http://schemas.openxmlformats.org/presentationml/2006/main">
+  <p:cSld>
+    <p:spTree>
+      <p:nvGrpSpPr>
+        <p:cNvPr id="1" name=""/>
+        <p:cNvGrpSpPr/>
+        <p:nvPr/>
+      </p:nvGrpSpPr>
+      <p:grpSpPr>
+        <a:xfrm>
+          <a:off x="0" y="0"/>
+          <a:ext cx="0" cy="0"/>
+          <a:chOff x="0" y="0"/>
+          <a:chExt cx="0" cy="0"/>
+        </a:xfrm>
+      </p:grpSpPr>
+      <p:sp>
+        <p:nvSpPr>
           <p:cNvPr id="13315" name="Slide Number Placeholder 4"/>
           <p:cNvSpPr>
             <a:spLocks noGrp="1"/>
@@ -3741,7 +4754,7 @@
             <a:fld id="{A539EB15-1F77-464E-9833-EF7D525FDC66}" type="slidenum">
               <a:rPr lang="en-US"/>
               <a:pPr/>
-              <a:t>10</a:t>
+              <a:t>11</a:t>
             </a:fld>
             <a:endParaRPr lang="en-US"/>
           </a:p>
@@ -4316,13 +5329,13 @@
   <p:clrMapOvr>
     <a:masterClrMapping/>
   </p:clrMapOvr>
-  <p:transition>
+  <p:transition xmlns:p14="http://schemas.microsoft.com/office/powerpoint/2010/main">
     <p:random/>
   </p:transition>
   <p:timing>
     <p:tnLst>
       <p:par>
-        <p:cTn id="1" dur="indefinite" restart="never" nodeType="tmRoot">
+        <p:cTn xmlns:p14="http://schemas.microsoft.com/office/powerpoint/2010/main" id="1" dur="indefinite" restart="never" nodeType="tmRoot">
           <p:childTnLst>
             <p:seq concurrent="1" nextAc="seek">
               <p:cTn id="2" dur="indefinite" nodeType="mainSeq">
@@ -4534,7 +5547,7 @@
 </p:sld>
 </file>
 
-<file path=ppt/slides/slide11.xml><?xml version="1.0" encoding="utf-8"?>
+<file path=ppt/slides/slide12.xml><?xml version="1.0" encoding="utf-8"?>
 <p:sld xmlns:a="http://schemas.openxmlformats.org/drawingml/2006/main" xmlns:r="http://schemas.openxmlformats.org/officeDocument/2006/relationships" xmlns:p="http://schemas.openxmlformats.org/presentationml/2006/main">
   <p:cSld>
     <p:spTree>
@@ -4574,7 +5587,7 @@
             <a:fld id="{785AD7BC-45A6-BE40-A27B-42FB832CC741}" type="slidenum">
               <a:rPr lang="en-US"/>
               <a:pPr/>
-              <a:t>11</a:t>
+              <a:t>12</a:t>
             </a:fld>
             <a:endParaRPr lang="en-US"/>
           </a:p>
@@ -4903,20 +5916,20 @@
   <p:clrMapOvr>
     <a:masterClrMapping/>
   </p:clrMapOvr>
-  <p:transition>
+  <p:transition xmlns:p14="http://schemas.microsoft.com/office/powerpoint/2010/main">
     <p:random/>
   </p:transition>
   <p:timing>
     <p:tnLst>
       <p:par>
-        <p:cTn id="1" dur="indefinite" restart="never" nodeType="tmRoot"/>
+        <p:cTn xmlns:p14="http://schemas.microsoft.com/office/powerpoint/2010/main" id="1" dur="indefinite" restart="never" nodeType="tmRoot"/>
       </p:par>
     </p:tnLst>
   </p:timing>
 </p:sld>
 </file>
 
-<file path=ppt/slides/slide12.xml><?xml version="1.0" encoding="utf-8"?>
+<file path=ppt/slides/slide13.xml><?xml version="1.0" encoding="utf-8"?>
 <p:sld xmlns:a="http://schemas.openxmlformats.org/drawingml/2006/main" xmlns:r="http://schemas.openxmlformats.org/officeDocument/2006/relationships" xmlns:p="http://schemas.openxmlformats.org/presentationml/2006/main">
   <p:cSld>
     <p:spTree>
@@ -4956,7 +5969,7 @@
             <a:fld id="{669A7BFE-FB63-A545-BA65-DF7BEEE47433}" type="slidenum">
               <a:rPr lang="en-US"/>
               <a:pPr/>
-              <a:t>12</a:t>
+              <a:t>13</a:t>
             </a:fld>
             <a:endParaRPr lang="en-US"/>
           </a:p>
@@ -5024,14 +6037,14 @@
           </a:ln>
           <a:effectLst/>
           <a:extLst>
-            <a:ext uri="{909E8E84-426E-40DD-AFC4-6F175D3DCCD1}">
+            <a:ext uri="{909E8E84-426E-40dd-AFC4-6F175D3DCCD1}">
               <a14:hiddenFill xmlns:a14="http://schemas.microsoft.com/office/drawing/2010/main">
                 <a:solidFill>
                   <a:schemeClr val="accent1"/>
                 </a:solidFill>
               </a14:hiddenFill>
             </a:ext>
-            <a:ext uri="{91240B29-F687-4F45-9708-019B960494DF}">
+            <a:ext uri="{91240B29-F687-4f45-9708-019B960494DF}">
               <a14:hiddenLine xmlns:a14="http://schemas.microsoft.com/office/drawing/2010/main" w="9525">
                 <a:solidFill>
                   <a:schemeClr val="tx1"/>
@@ -5041,7 +6054,7 @@
                 <a:tailEnd/>
               </a14:hiddenLine>
             </a:ext>
-            <a:ext uri="{AF507438-7753-43E0-B8FC-AC1667EBCBE1}">
+            <a:ext uri="{AF507438-7753-43e0-B8FC-AC1667EBCBE1}">
               <a14:hiddenEffects xmlns:a14="http://schemas.microsoft.com/office/drawing/2010/main">
                 <a:effectLst>
                   <a:outerShdw dist="35921" dir="2700000" algn="ctr" rotWithShape="0">
@@ -5088,14 +6101,14 @@
           </a:ln>
           <a:effectLst/>
           <a:extLst>
-            <a:ext uri="{909E8E84-426E-40DD-AFC4-6F175D3DCCD1}">
+            <a:ext uri="{909E8E84-426E-40dd-AFC4-6F175D3DCCD1}">
               <a14:hiddenFill xmlns:a14="http://schemas.microsoft.com/office/drawing/2010/main">
                 <a:solidFill>
                   <a:schemeClr val="accent1"/>
                 </a:solidFill>
               </a14:hiddenFill>
             </a:ext>
-            <a:ext uri="{91240B29-F687-4F45-9708-019B960494DF}">
+            <a:ext uri="{91240B29-F687-4f45-9708-019B960494DF}">
               <a14:hiddenLine xmlns:a14="http://schemas.microsoft.com/office/drawing/2010/main" w="9525">
                 <a:solidFill>
                   <a:schemeClr val="tx1"/>
@@ -5105,7 +6118,7 @@
                 <a:tailEnd/>
               </a14:hiddenLine>
             </a:ext>
-            <a:ext uri="{AF507438-7753-43E0-B8FC-AC1667EBCBE1}">
+            <a:ext uri="{AF507438-7753-43e0-B8FC-AC1667EBCBE1}">
               <a14:hiddenEffects xmlns:a14="http://schemas.microsoft.com/office/drawing/2010/main">
                 <a:effectLst>
                   <a:outerShdw dist="35921" dir="2700000" algn="ctr" rotWithShape="0">
@@ -5625,13 +6638,13 @@
   <p:clrMapOvr>
     <a:masterClrMapping/>
   </p:clrMapOvr>
-  <p:transition>
+  <p:transition xmlns:p14="http://schemas.microsoft.com/office/powerpoint/2010/main">
     <p:random/>
   </p:transition>
   <p:timing>
     <p:tnLst>
       <p:par>
-        <p:cTn id="1" dur="indefinite" restart="never" nodeType="tmRoot">
+        <p:cTn xmlns:p14="http://schemas.microsoft.com/office/powerpoint/2010/main" id="1" dur="indefinite" restart="never" nodeType="tmRoot">
           <p:childTnLst>
             <p:seq concurrent="1" nextAc="seek">
               <p:cTn id="2" dur="indefinite" nodeType="mainSeq">
@@ -5767,7 +6780,7 @@
 </p:sld>
 </file>
 
-<file path=ppt/slides/slide13.xml><?xml version="1.0" encoding="utf-8"?>
+<file path=ppt/slides/slide14.xml><?xml version="1.0" encoding="utf-8"?>
 <p:sld xmlns:a="http://schemas.openxmlformats.org/drawingml/2006/main" xmlns:r="http://schemas.openxmlformats.org/officeDocument/2006/relationships" xmlns:p="http://schemas.openxmlformats.org/presentationml/2006/main">
   <p:cSld>
     <p:spTree>
@@ -5807,7 +6820,7 @@
             <a:fld id="{93FA9C30-0451-8E42-B8FE-5ECC887324C8}" type="slidenum">
               <a:rPr lang="en-US"/>
               <a:pPr/>
-              <a:t>13</a:t>
+              <a:t>14</a:t>
             </a:fld>
             <a:endParaRPr lang="en-US"/>
           </a:p>
@@ -5847,7 +6860,7 @@
         </p:nvGraphicFramePr>
         <p:xfrm>
           <a:off x="685800" y="1371600"/>
-          <a:ext cx="7772400" cy="4015740"/>
+          <a:ext cx="7772400" cy="4015739"/>
         </p:xfrm>
         <a:graphic>
           <a:graphicData uri="http://schemas.openxmlformats.org/drawingml/2006/table">
@@ -7016,13 +8029,13 @@
   <p:clrMapOvr>
     <a:masterClrMapping/>
   </p:clrMapOvr>
-  <p:transition>
+  <p:transition xmlns:p14="http://schemas.microsoft.com/office/powerpoint/2010/main">
     <p:random/>
   </p:transition>
   <p:timing>
     <p:tnLst>
       <p:par>
-        <p:cTn id="1" dur="indefinite" restart="never" nodeType="tmRoot">
+        <p:cTn xmlns:p14="http://schemas.microsoft.com/office/powerpoint/2010/main" id="1" dur="indefinite" restart="never" nodeType="tmRoot">
           <p:childTnLst>
             <p:seq concurrent="1" nextAc="seek">
               <p:cTn id="2" dur="indefinite" nodeType="mainSeq">
@@ -7105,7 +8118,7 @@
 </p:sld>
 </file>
 
-<file path=ppt/slides/slide14.xml><?xml version="1.0" encoding="utf-8"?>
+<file path=ppt/slides/slide15.xml><?xml version="1.0" encoding="utf-8"?>
 <p:sld xmlns:a="http://schemas.openxmlformats.org/drawingml/2006/main" xmlns:r="http://schemas.openxmlformats.org/officeDocument/2006/relationships" xmlns:p="http://schemas.openxmlformats.org/presentationml/2006/main">
   <p:cSld>
     <p:spTree>
@@ -7145,7 +8158,7 @@
             <a:fld id="{6B6022C4-0DA9-AE4B-89A7-70DA2A886121}" type="slidenum">
               <a:rPr lang="en-US"/>
               <a:pPr/>
-              <a:t>14</a:t>
+              <a:t>15</a:t>
             </a:fld>
             <a:endParaRPr lang="en-US"/>
           </a:p>
@@ -7582,321 +8595,13 @@
   <p:clrMapOvr>
     <a:masterClrMapping/>
   </p:clrMapOvr>
-  <p:transition>
+  <p:transition xmlns:p14="http://schemas.microsoft.com/office/powerpoint/2010/main">
     <p:random/>
   </p:transition>
   <p:timing>
     <p:tnLst>
       <p:par>
-        <p:cTn id="1" dur="indefinite" restart="never" nodeType="tmRoot"/>
-      </p:par>
-    </p:tnLst>
-  </p:timing>
-</p:sld>
-</file>
-
-<file path=ppt/slides/slide15.xml><?xml version="1.0" encoding="utf-8"?>
-<p:sld xmlns:a="http://schemas.openxmlformats.org/drawingml/2006/main" xmlns:r="http://schemas.openxmlformats.org/officeDocument/2006/relationships" xmlns:p="http://schemas.openxmlformats.org/presentationml/2006/main">
-  <p:cSld>
-    <p:spTree>
-      <p:nvGrpSpPr>
-        <p:cNvPr id="1" name=""/>
-        <p:cNvGrpSpPr/>
-        <p:nvPr/>
-      </p:nvGrpSpPr>
-      <p:grpSpPr>
-        <a:xfrm>
-          <a:off x="0" y="0"/>
-          <a:ext cx="0" cy="0"/>
-          <a:chOff x="0" y="0"/>
-          <a:chExt cx="0" cy="0"/>
-        </a:xfrm>
-      </p:grpSpPr>
-      <p:sp>
-        <p:nvSpPr>
-          <p:cNvPr id="11267" name="Rectangle 2"/>
-          <p:cNvSpPr>
-            <a:spLocks noGrp="1" noChangeArrowheads="1"/>
-          </p:cNvSpPr>
-          <p:nvPr>
-            <p:ph type="title" idx="4294967295"/>
-          </p:nvPr>
-        </p:nvSpPr>
-        <p:spPr/>
-        <p:txBody>
-          <a:bodyPr/>
-          <a:lstStyle/>
-          <a:p>
-            <a:r>
-              <a:rPr lang="en-US" altLang="zh-CN" dirty="0" smtClean="0">
-                <a:ea typeface="SimSun" pitchFamily="2" charset="-122"/>
-              </a:rPr>
-              <a:t>Comments on Using Solver</a:t>
-            </a:r>
-            <a:endParaRPr lang="en-US" altLang="zh-TW" dirty="0" smtClean="0">
-              <a:ea typeface="SimSun" pitchFamily="2" charset="-122"/>
-            </a:endParaRPr>
-          </a:p>
-        </p:txBody>
-      </p:sp>
-      <p:sp>
-        <p:nvSpPr>
-          <p:cNvPr id="11268" name="Rectangle 3"/>
-          <p:cNvSpPr>
-            <a:spLocks noChangeArrowheads="1"/>
-          </p:cNvSpPr>
-          <p:nvPr/>
-        </p:nvSpPr>
-        <p:spPr bwMode="auto">
-          <a:xfrm>
-            <a:off x="406400" y="1428750"/>
-            <a:ext cx="8432800" cy="4629150"/>
-          </a:xfrm>
-          <a:prstGeom prst="rect">
-            <a:avLst/>
-          </a:prstGeom>
-          <a:noFill/>
-          <a:ln>
-            <a:noFill/>
-          </a:ln>
-          <a:extLst>
-            <a:ext uri="{909E8E84-426E-40DD-AFC4-6F175D3DCCD1}">
-              <a14:hiddenFill xmlns:a14="http://schemas.microsoft.com/office/drawing/2010/main">
-                <a:solidFill>
-                  <a:srgbClr val="FFFFFF"/>
-                </a:solidFill>
-              </a14:hiddenFill>
-            </a:ext>
-            <a:ext uri="{91240B29-F687-4F45-9708-019B960494DF}">
-              <a14:hiddenLine xmlns:a14="http://schemas.microsoft.com/office/drawing/2010/main" w="9525">
-                <a:solidFill>
-                  <a:srgbClr val="000000"/>
-                </a:solidFill>
-                <a:miter lim="800000"/>
-                <a:headEnd/>
-                <a:tailEnd/>
-              </a14:hiddenLine>
-            </a:ext>
-          </a:extLst>
-        </p:spPr>
-        <p:txBody>
-          <a:bodyPr/>
-          <a:lstStyle/>
-          <a:p>
-            <a:pPr marL="342900" indent="-342900" algn="l" eaLnBrk="0" hangingPunct="0">
-              <a:spcBef>
-                <a:spcPct val="20000"/>
-              </a:spcBef>
-              <a:buFontTx/>
-              <a:buChar char="•"/>
-            </a:pPr>
-            <a:r>
-              <a:rPr lang="en-US" altLang="zh-CN" sz="2400" b="0" dirty="0">
-                <a:solidFill>
-                  <a:schemeClr val="tx1"/>
-                </a:solidFill>
-                <a:latin typeface="Century Gothic" pitchFamily="34" charset="0"/>
-                <a:ea typeface="PMingLiU" pitchFamily="18" charset="-120"/>
-              </a:rPr>
-              <a:t>Due to the possibility of ending up with a local optimum (instead of a global optimum), it is recommended that we try several starting points when using Solver for a NLP </a:t>
-            </a:r>
-            <a:r>
-              <a:rPr lang="en-US" altLang="zh-CN" sz="2400" b="0" dirty="0" smtClean="0">
-                <a:solidFill>
-                  <a:schemeClr val="tx1"/>
-                </a:solidFill>
-                <a:latin typeface="Century Gothic" pitchFamily="34" charset="0"/>
-                <a:ea typeface="PMingLiU" pitchFamily="18" charset="-120"/>
-              </a:rPr>
-              <a:t>problem</a:t>
-            </a:r>
-          </a:p>
-          <a:p>
-            <a:pPr marL="342900" indent="-342900" algn="l" eaLnBrk="0" hangingPunct="0">
-              <a:spcBef>
-                <a:spcPct val="20000"/>
-              </a:spcBef>
-              <a:buFontTx/>
-              <a:buChar char="•"/>
-            </a:pPr>
-            <a:endParaRPr lang="en-US" altLang="zh-CN" sz="2400" b="0" dirty="0">
-              <a:solidFill>
-                <a:schemeClr val="tx1"/>
-              </a:solidFill>
-              <a:latin typeface="Century Gothic" pitchFamily="34" charset="0"/>
-              <a:ea typeface="PMingLiU" pitchFamily="18" charset="-120"/>
-            </a:endParaRPr>
-          </a:p>
-          <a:p>
-            <a:pPr marL="285750" indent="-285750" algn="l">
-              <a:spcBef>
-                <a:spcPct val="20000"/>
-              </a:spcBef>
-              <a:buFontTx/>
-              <a:buChar char="•"/>
-            </a:pPr>
-            <a:r>
-              <a:rPr lang="en-US" altLang="zh-CN" sz="2400" b="0" dirty="0">
-                <a:solidFill>
-                  <a:schemeClr val="tx1"/>
-                </a:solidFill>
-                <a:latin typeface="Century Gothic" pitchFamily="34" charset="0"/>
-                <a:ea typeface="PMingLiU" pitchFamily="18" charset="-120"/>
-              </a:rPr>
-              <a:t>Technically, there is a class of NLP problems called convex minimization /concave maximization, for which any local optimum is a global optimum as well. But verification a NLP problem belonging </a:t>
-            </a:r>
-            <a:r>
-              <a:rPr lang="en-US" altLang="zh-CN" sz="2400" b="0" dirty="0" smtClean="0">
-                <a:solidFill>
-                  <a:schemeClr val="tx1"/>
-                </a:solidFill>
-                <a:latin typeface="Century Gothic" pitchFamily="34" charset="0"/>
-                <a:ea typeface="PMingLiU" pitchFamily="18" charset="-120"/>
-              </a:rPr>
-              <a:t>to that </a:t>
-            </a:r>
-            <a:r>
-              <a:rPr lang="en-US" altLang="zh-CN" sz="2400" b="0" dirty="0">
-                <a:solidFill>
-                  <a:schemeClr val="tx1"/>
-                </a:solidFill>
-                <a:latin typeface="Century Gothic" pitchFamily="34" charset="0"/>
-                <a:ea typeface="PMingLiU" pitchFamily="18" charset="-120"/>
-              </a:rPr>
-              <a:t>class is challenging mathematically.</a:t>
-            </a:r>
-          </a:p>
-          <a:p>
-            <a:pPr algn="l" eaLnBrk="0" hangingPunct="0">
-              <a:spcBef>
-                <a:spcPct val="20000"/>
-              </a:spcBef>
-            </a:pPr>
-            <a:endParaRPr lang="en-US" altLang="zh-CN" sz="2400" b="0" dirty="0">
-              <a:solidFill>
-                <a:schemeClr val="tx1"/>
-              </a:solidFill>
-              <a:latin typeface="Century Gothic" pitchFamily="34" charset="0"/>
-              <a:ea typeface="PMingLiU" pitchFamily="18" charset="-120"/>
-            </a:endParaRPr>
-          </a:p>
-        </p:txBody>
-      </p:sp>
-      <p:sp>
-        <p:nvSpPr>
-          <p:cNvPr id="6" name="Date Placeholder 6"/>
-          <p:cNvSpPr>
-            <a:spLocks noGrp="1"/>
-          </p:cNvSpPr>
-          <p:nvPr>
-            <p:ph type="dt" sz="half" idx="10"/>
-          </p:nvPr>
-        </p:nvSpPr>
-        <p:spPr>
-          <a:xfrm>
-            <a:off x="685800" y="6248400"/>
-            <a:ext cx="1905000" cy="457200"/>
-          </a:xfrm>
-        </p:spPr>
-        <p:txBody>
-          <a:bodyPr/>
-          <a:lstStyle/>
-          <a:p>
-            <a:r>
-              <a:rPr lang="en-US" smtClean="0"/>
-              <a:t>10/2/2013,           10/9/2013</a:t>
-            </a:r>
-            <a:endParaRPr lang="en-US" dirty="0"/>
-          </a:p>
-        </p:txBody>
-      </p:sp>
-      <p:sp>
-        <p:nvSpPr>
-          <p:cNvPr id="7" name="Footer Placeholder 4"/>
-          <p:cNvSpPr txBox="1">
-            <a:spLocks noGrp="1"/>
-          </p:cNvSpPr>
-          <p:nvPr/>
-        </p:nvSpPr>
-        <p:spPr bwMode="auto">
-          <a:xfrm>
-            <a:off x="1981200" y="6264275"/>
-            <a:ext cx="5410200" cy="457200"/>
-          </a:xfrm>
-          <a:prstGeom prst="rect">
-            <a:avLst/>
-          </a:prstGeom>
-          <a:noFill/>
-          <a:ln w="9525">
-            <a:noFill/>
-            <a:miter lim="800000"/>
-            <a:headEnd/>
-            <a:tailEnd/>
-          </a:ln>
-        </p:spPr>
-        <p:txBody>
-          <a:bodyPr/>
-          <a:lstStyle/>
-          <a:p>
-            <a:pPr>
-              <a:defRPr/>
-            </a:pPr>
-            <a:r>
-              <a:rPr lang="en-US" sz="1400" b="0" dirty="0">
-                <a:solidFill>
-                  <a:schemeClr val="tx1"/>
-                </a:solidFill>
-                <a:latin typeface="Century Gothic" pitchFamily="34" charset="0"/>
-              </a:rPr>
-              <a:t>Professor Dong, Washington University in St. Louis, MO</a:t>
-            </a:r>
-          </a:p>
-        </p:txBody>
-      </p:sp>
-      <p:sp>
-        <p:nvSpPr>
-          <p:cNvPr id="2" name="Slide Number Placeholder 1"/>
-          <p:cNvSpPr>
-            <a:spLocks noGrp="1"/>
-          </p:cNvSpPr>
-          <p:nvPr>
-            <p:ph type="sldNum" sz="quarter" idx="11"/>
-          </p:nvPr>
-        </p:nvSpPr>
-        <p:spPr/>
-        <p:txBody>
-          <a:bodyPr/>
-          <a:lstStyle/>
-          <a:p>
-            <a:endParaRPr lang="en-US" smtClean="0"/>
-          </a:p>
-          <a:p>
-            <a:fld id="{67ADDDE4-64A1-4F4B-8B16-BDA7B4CFF9B9}" type="slidenum">
-              <a:rPr lang="en-US" smtClean="0"/>
-              <a:pPr/>
-              <a:t>15</a:t>
-            </a:fld>
-            <a:endParaRPr lang="en-US"/>
-          </a:p>
-        </p:txBody>
-      </p:sp>
-    </p:spTree>
-    <p:extLst>
-      <p:ext uri="{BB962C8B-B14F-4D97-AF65-F5344CB8AC3E}">
-        <p14:creationId xmlns:p14="http://schemas.microsoft.com/office/powerpoint/2010/main" val="2167968339"/>
-      </p:ext>
-    </p:extLst>
-  </p:cSld>
-  <p:clrMapOvr>
-    <a:masterClrMapping/>
-  </p:clrMapOvr>
-  <p:transition>
-    <p:random/>
-  </p:transition>
-  <p:timing>
-    <p:tnLst>
-      <p:par>
-        <p:cTn id="1" dur="indefinite" restart="never" nodeType="tmRoot"/>
+        <p:cTn xmlns:p14="http://schemas.microsoft.com/office/powerpoint/2010/main" id="1" dur="indefinite" restart="never" nodeType="tmRoot"/>
       </p:par>
     </p:tnLst>
   </p:timing>
@@ -7922,6 +8627,314 @@
       </p:grpSpPr>
       <p:sp>
         <p:nvSpPr>
+          <p:cNvPr id="11267" name="Rectangle 2"/>
+          <p:cNvSpPr>
+            <a:spLocks noGrp="1" noChangeArrowheads="1"/>
+          </p:cNvSpPr>
+          <p:nvPr>
+            <p:ph type="title" idx="4294967295"/>
+          </p:nvPr>
+        </p:nvSpPr>
+        <p:spPr/>
+        <p:txBody>
+          <a:bodyPr/>
+          <a:lstStyle/>
+          <a:p>
+            <a:r>
+              <a:rPr lang="en-US" altLang="zh-CN" dirty="0" smtClean="0">
+                <a:ea typeface="SimSun" pitchFamily="2" charset="-122"/>
+              </a:rPr>
+              <a:t>Comments on Using Solver</a:t>
+            </a:r>
+            <a:endParaRPr lang="en-US" altLang="zh-TW" dirty="0" smtClean="0">
+              <a:ea typeface="SimSun" pitchFamily="2" charset="-122"/>
+            </a:endParaRPr>
+          </a:p>
+        </p:txBody>
+      </p:sp>
+      <p:sp>
+        <p:nvSpPr>
+          <p:cNvPr id="11268" name="Rectangle 3"/>
+          <p:cNvSpPr>
+            <a:spLocks noChangeArrowheads="1"/>
+          </p:cNvSpPr>
+          <p:nvPr/>
+        </p:nvSpPr>
+        <p:spPr bwMode="auto">
+          <a:xfrm>
+            <a:off x="406400" y="1428750"/>
+            <a:ext cx="8432800" cy="4629150"/>
+          </a:xfrm>
+          <a:prstGeom prst="rect">
+            <a:avLst/>
+          </a:prstGeom>
+          <a:noFill/>
+          <a:ln>
+            <a:noFill/>
+          </a:ln>
+          <a:extLst>
+            <a:ext uri="{909E8E84-426E-40dd-AFC4-6F175D3DCCD1}">
+              <a14:hiddenFill xmlns:a14="http://schemas.microsoft.com/office/drawing/2010/main">
+                <a:solidFill>
+                  <a:srgbClr val="FFFFFF"/>
+                </a:solidFill>
+              </a14:hiddenFill>
+            </a:ext>
+            <a:ext uri="{91240B29-F687-4f45-9708-019B960494DF}">
+              <a14:hiddenLine xmlns:a14="http://schemas.microsoft.com/office/drawing/2010/main" w="9525">
+                <a:solidFill>
+                  <a:srgbClr val="000000"/>
+                </a:solidFill>
+                <a:miter lim="800000"/>
+                <a:headEnd/>
+                <a:tailEnd/>
+              </a14:hiddenLine>
+            </a:ext>
+          </a:extLst>
+        </p:spPr>
+        <p:txBody>
+          <a:bodyPr/>
+          <a:lstStyle/>
+          <a:p>
+            <a:pPr marL="342900" indent="-342900" algn="l" eaLnBrk="0" hangingPunct="0">
+              <a:spcBef>
+                <a:spcPct val="20000"/>
+              </a:spcBef>
+              <a:buFontTx/>
+              <a:buChar char="•"/>
+            </a:pPr>
+            <a:r>
+              <a:rPr lang="en-US" altLang="zh-CN" sz="2400" b="0" dirty="0">
+                <a:solidFill>
+                  <a:schemeClr val="tx1"/>
+                </a:solidFill>
+                <a:latin typeface="Century Gothic" pitchFamily="34" charset="0"/>
+                <a:ea typeface="PMingLiU" pitchFamily="18" charset="-120"/>
+              </a:rPr>
+              <a:t>Due to the possibility of ending up with a local optimum (instead of a global optimum), it is recommended that we try several starting points when using Solver for a NLP </a:t>
+            </a:r>
+            <a:r>
+              <a:rPr lang="en-US" altLang="zh-CN" sz="2400" b="0" dirty="0" smtClean="0">
+                <a:solidFill>
+                  <a:schemeClr val="tx1"/>
+                </a:solidFill>
+                <a:latin typeface="Century Gothic" pitchFamily="34" charset="0"/>
+                <a:ea typeface="PMingLiU" pitchFamily="18" charset="-120"/>
+              </a:rPr>
+              <a:t>problem</a:t>
+            </a:r>
+          </a:p>
+          <a:p>
+            <a:pPr marL="342900" indent="-342900" algn="l" eaLnBrk="0" hangingPunct="0">
+              <a:spcBef>
+                <a:spcPct val="20000"/>
+              </a:spcBef>
+              <a:buFontTx/>
+              <a:buChar char="•"/>
+            </a:pPr>
+            <a:endParaRPr lang="en-US" altLang="zh-CN" sz="2400" b="0" dirty="0">
+              <a:solidFill>
+                <a:schemeClr val="tx1"/>
+              </a:solidFill>
+              <a:latin typeface="Century Gothic" pitchFamily="34" charset="0"/>
+              <a:ea typeface="PMingLiU" pitchFamily="18" charset="-120"/>
+            </a:endParaRPr>
+          </a:p>
+          <a:p>
+            <a:pPr marL="285750" indent="-285750" algn="l">
+              <a:spcBef>
+                <a:spcPct val="20000"/>
+              </a:spcBef>
+              <a:buFontTx/>
+              <a:buChar char="•"/>
+            </a:pPr>
+            <a:r>
+              <a:rPr lang="en-US" altLang="zh-CN" sz="2400" b="0" dirty="0">
+                <a:solidFill>
+                  <a:schemeClr val="tx1"/>
+                </a:solidFill>
+                <a:latin typeface="Century Gothic" pitchFamily="34" charset="0"/>
+                <a:ea typeface="PMingLiU" pitchFamily="18" charset="-120"/>
+              </a:rPr>
+              <a:t>Technically, there is a class of NLP problems called convex minimization /concave maximization, for which any local optimum is a global optimum as well. But verification a NLP problem belonging </a:t>
+            </a:r>
+            <a:r>
+              <a:rPr lang="en-US" altLang="zh-CN" sz="2400" b="0" dirty="0" smtClean="0">
+                <a:solidFill>
+                  <a:schemeClr val="tx1"/>
+                </a:solidFill>
+                <a:latin typeface="Century Gothic" pitchFamily="34" charset="0"/>
+                <a:ea typeface="PMingLiU" pitchFamily="18" charset="-120"/>
+              </a:rPr>
+              <a:t>to that </a:t>
+            </a:r>
+            <a:r>
+              <a:rPr lang="en-US" altLang="zh-CN" sz="2400" b="0" dirty="0">
+                <a:solidFill>
+                  <a:schemeClr val="tx1"/>
+                </a:solidFill>
+                <a:latin typeface="Century Gothic" pitchFamily="34" charset="0"/>
+                <a:ea typeface="PMingLiU" pitchFamily="18" charset="-120"/>
+              </a:rPr>
+              <a:t>class is challenging mathematically.</a:t>
+            </a:r>
+          </a:p>
+          <a:p>
+            <a:pPr algn="l" eaLnBrk="0" hangingPunct="0">
+              <a:spcBef>
+                <a:spcPct val="20000"/>
+              </a:spcBef>
+            </a:pPr>
+            <a:endParaRPr lang="en-US" altLang="zh-CN" sz="2400" b="0" dirty="0">
+              <a:solidFill>
+                <a:schemeClr val="tx1"/>
+              </a:solidFill>
+              <a:latin typeface="Century Gothic" pitchFamily="34" charset="0"/>
+              <a:ea typeface="PMingLiU" pitchFamily="18" charset="-120"/>
+            </a:endParaRPr>
+          </a:p>
+        </p:txBody>
+      </p:sp>
+      <p:sp>
+        <p:nvSpPr>
+          <p:cNvPr id="6" name="Date Placeholder 6"/>
+          <p:cNvSpPr>
+            <a:spLocks noGrp="1"/>
+          </p:cNvSpPr>
+          <p:nvPr>
+            <p:ph type="dt" sz="half" idx="10"/>
+          </p:nvPr>
+        </p:nvSpPr>
+        <p:spPr>
+          <a:xfrm>
+            <a:off x="685800" y="6248400"/>
+            <a:ext cx="1905000" cy="457200"/>
+          </a:xfrm>
+        </p:spPr>
+        <p:txBody>
+          <a:bodyPr/>
+          <a:lstStyle/>
+          <a:p>
+            <a:r>
+              <a:rPr lang="en-US" smtClean="0"/>
+              <a:t>10/2/2013,           10/9/2013</a:t>
+            </a:r>
+            <a:endParaRPr lang="en-US" dirty="0"/>
+          </a:p>
+        </p:txBody>
+      </p:sp>
+      <p:sp>
+        <p:nvSpPr>
+          <p:cNvPr id="7" name="Footer Placeholder 4"/>
+          <p:cNvSpPr txBox="1">
+            <a:spLocks noGrp="1"/>
+          </p:cNvSpPr>
+          <p:nvPr/>
+        </p:nvSpPr>
+        <p:spPr bwMode="auto">
+          <a:xfrm>
+            <a:off x="1981200" y="6264275"/>
+            <a:ext cx="5410200" cy="457200"/>
+          </a:xfrm>
+          <a:prstGeom prst="rect">
+            <a:avLst/>
+          </a:prstGeom>
+          <a:noFill/>
+          <a:ln w="9525">
+            <a:noFill/>
+            <a:miter lim="800000"/>
+            <a:headEnd/>
+            <a:tailEnd/>
+          </a:ln>
+        </p:spPr>
+        <p:txBody>
+          <a:bodyPr/>
+          <a:lstStyle/>
+          <a:p>
+            <a:pPr>
+              <a:defRPr/>
+            </a:pPr>
+            <a:r>
+              <a:rPr lang="en-US" sz="1400" b="0" dirty="0">
+                <a:solidFill>
+                  <a:schemeClr val="tx1"/>
+                </a:solidFill>
+                <a:latin typeface="Century Gothic" pitchFamily="34" charset="0"/>
+              </a:rPr>
+              <a:t>Professor Dong, Washington University in St. Louis, MO</a:t>
+            </a:r>
+          </a:p>
+        </p:txBody>
+      </p:sp>
+      <p:sp>
+        <p:nvSpPr>
+          <p:cNvPr id="2" name="Slide Number Placeholder 1"/>
+          <p:cNvSpPr>
+            <a:spLocks noGrp="1"/>
+          </p:cNvSpPr>
+          <p:nvPr>
+            <p:ph type="sldNum" sz="quarter" idx="11"/>
+          </p:nvPr>
+        </p:nvSpPr>
+        <p:spPr/>
+        <p:txBody>
+          <a:bodyPr/>
+          <a:lstStyle/>
+          <a:p>
+            <a:endParaRPr lang="en-US" smtClean="0"/>
+          </a:p>
+          <a:p>
+            <a:fld id="{67ADDDE4-64A1-4F4B-8B16-BDA7B4CFF9B9}" type="slidenum">
+              <a:rPr lang="en-US" smtClean="0"/>
+              <a:pPr/>
+              <a:t>16</a:t>
+            </a:fld>
+            <a:endParaRPr lang="en-US"/>
+          </a:p>
+        </p:txBody>
+      </p:sp>
+    </p:spTree>
+    <p:extLst>
+      <p:ext uri="{BB962C8B-B14F-4D97-AF65-F5344CB8AC3E}">
+        <p14:creationId xmlns:p14="http://schemas.microsoft.com/office/powerpoint/2010/main" val="2167968339"/>
+      </p:ext>
+    </p:extLst>
+  </p:cSld>
+  <p:clrMapOvr>
+    <a:masterClrMapping/>
+  </p:clrMapOvr>
+  <p:transition xmlns:p14="http://schemas.microsoft.com/office/powerpoint/2010/main">
+    <p:random/>
+  </p:transition>
+  <p:timing>
+    <p:tnLst>
+      <p:par>
+        <p:cTn xmlns:p14="http://schemas.microsoft.com/office/powerpoint/2010/main" id="1" dur="indefinite" restart="never" nodeType="tmRoot"/>
+      </p:par>
+    </p:tnLst>
+  </p:timing>
+</p:sld>
+</file>
+
+<file path=ppt/slides/slide17.xml><?xml version="1.0" encoding="utf-8"?>
+<p:sld xmlns:a="http://schemas.openxmlformats.org/drawingml/2006/main" xmlns:r="http://schemas.openxmlformats.org/officeDocument/2006/relationships" xmlns:p="http://schemas.openxmlformats.org/presentationml/2006/main">
+  <p:cSld>
+    <p:spTree>
+      <p:nvGrpSpPr>
+        <p:cNvPr id="1" name=""/>
+        <p:cNvGrpSpPr/>
+        <p:nvPr/>
+      </p:nvGrpSpPr>
+      <p:grpSpPr>
+        <a:xfrm>
+          <a:off x="0" y="0"/>
+          <a:ext cx="0" cy="0"/>
+          <a:chOff x="0" y="0"/>
+          <a:chExt cx="0" cy="0"/>
+        </a:xfrm>
+      </p:grpSpPr>
+      <p:sp>
+        <p:nvSpPr>
           <p:cNvPr id="22531" name="Slide Number Placeholder 4"/>
           <p:cNvSpPr>
             <a:spLocks noGrp="1"/>
@@ -7943,7 +8956,7 @@
             <a:fld id="{44A20FE6-E6DB-D843-9442-447218319A56}" type="slidenum">
               <a:rPr lang="en-US"/>
               <a:pPr/>
-              <a:t>16</a:t>
+              <a:t>17</a:t>
             </a:fld>
             <a:endParaRPr lang="en-US"/>
           </a:p>
@@ -8273,20 +9286,20 @@
   <p:clrMapOvr>
     <a:masterClrMapping/>
   </p:clrMapOvr>
-  <p:transition>
+  <p:transition xmlns:p14="http://schemas.microsoft.com/office/powerpoint/2010/main">
     <p:random/>
   </p:transition>
   <p:timing>
     <p:tnLst>
       <p:par>
-        <p:cTn id="1" dur="indefinite" restart="never" nodeType="tmRoot"/>
+        <p:cTn xmlns:p14="http://schemas.microsoft.com/office/powerpoint/2010/main" id="1" dur="indefinite" restart="never" nodeType="tmRoot"/>
       </p:par>
     </p:tnLst>
   </p:timing>
 </p:sld>
 </file>
 
-<file path=ppt/slides/slide17.xml><?xml version="1.0" encoding="utf-8"?>
+<file path=ppt/slides/slide18.xml><?xml version="1.0" encoding="utf-8"?>
 <p:sld xmlns:a="http://schemas.openxmlformats.org/drawingml/2006/main" xmlns:r="http://schemas.openxmlformats.org/officeDocument/2006/relationships" xmlns:p="http://schemas.openxmlformats.org/presentationml/2006/main">
   <p:cSld>
     <p:spTree>
@@ -8326,7 +9339,7 @@
             <a:fld id="{79A69CFF-71E4-504C-9EE9-13291D2684CC}" type="slidenum">
               <a:rPr lang="en-US"/>
               <a:pPr/>
-              <a:t>17</a:t>
+              <a:t>18</a:t>
             </a:fld>
             <a:endParaRPr lang="en-US"/>
           </a:p>
@@ -9740,13 +10753,13 @@
   <p:clrMapOvr>
     <a:masterClrMapping/>
   </p:clrMapOvr>
-  <p:transition>
+  <p:transition xmlns:p14="http://schemas.microsoft.com/office/powerpoint/2010/main">
     <p:random/>
   </p:transition>
   <p:timing>
     <p:tnLst>
       <p:par>
-        <p:cTn id="1" dur="indefinite" restart="never" nodeType="tmRoot">
+        <p:cTn xmlns:p14="http://schemas.microsoft.com/office/powerpoint/2010/main" id="1" dur="indefinite" restart="never" nodeType="tmRoot">
           <p:childTnLst>
             <p:seq concurrent="1" nextAc="seek">
               <p:cTn id="2" dur="indefinite" nodeType="mainSeq">
@@ -10246,7 +11259,7 @@
 </p:sld>
 </file>
 
-<file path=ppt/slides/slide18.xml><?xml version="1.0" encoding="utf-8"?>
+<file path=ppt/slides/slide19.xml><?xml version="1.0" encoding="utf-8"?>
 <p:sld xmlns:a="http://schemas.openxmlformats.org/drawingml/2006/main" xmlns:r="http://schemas.openxmlformats.org/officeDocument/2006/relationships" xmlns:p="http://schemas.openxmlformats.org/presentationml/2006/main">
   <p:cSld>
     <p:spTree>
@@ -10286,7 +11299,7 @@
             <a:fld id="{85B8E0EC-824C-C14C-8BB2-DB92BB903811}" type="slidenum">
               <a:rPr lang="en-US"/>
               <a:pPr/>
-              <a:t>18</a:t>
+              <a:t>19</a:t>
             </a:fld>
             <a:endParaRPr lang="en-US"/>
           </a:p>
@@ -11190,1635 +12203,13 @@
   <p:clrMapOvr>
     <a:masterClrMapping/>
   </p:clrMapOvr>
-  <p:transition>
+  <p:transition xmlns:p14="http://schemas.microsoft.com/office/powerpoint/2010/main">
     <p:random/>
   </p:transition>
   <p:timing>
     <p:tnLst>
       <p:par>
-        <p:cTn id="1" dur="indefinite" restart="never" nodeType="tmRoot"/>
-      </p:par>
-    </p:tnLst>
-  </p:timing>
-</p:sld>
-</file>
-
-<file path=ppt/slides/slide19.xml><?xml version="1.0" encoding="utf-8"?>
-<p:sld xmlns:a="http://schemas.openxmlformats.org/drawingml/2006/main" xmlns:r="http://schemas.openxmlformats.org/officeDocument/2006/relationships" xmlns:p="http://schemas.openxmlformats.org/presentationml/2006/main">
-  <p:cSld>
-    <p:spTree>
-      <p:nvGrpSpPr>
-        <p:cNvPr id="1" name=""/>
-        <p:cNvGrpSpPr/>
-        <p:nvPr/>
-      </p:nvGrpSpPr>
-      <p:grpSpPr>
-        <a:xfrm>
-          <a:off x="0" y="0"/>
-          <a:ext cx="0" cy="0"/>
-          <a:chOff x="0" y="0"/>
-          <a:chExt cx="0" cy="0"/>
-        </a:xfrm>
-      </p:grpSpPr>
-      <p:sp>
-        <p:nvSpPr>
-          <p:cNvPr id="25603" name="Slide Number Placeholder 4"/>
-          <p:cNvSpPr>
-            <a:spLocks noGrp="1"/>
-          </p:cNvSpPr>
-          <p:nvPr>
-            <p:ph type="sldNum" sz="quarter" idx="11"/>
-          </p:nvPr>
-        </p:nvSpPr>
-        <p:spPr>
-          <a:noFill/>
-        </p:spPr>
-        <p:txBody>
-          <a:bodyPr/>
-          <a:lstStyle/>
-          <a:p>
-            <a:endParaRPr lang="en-US"/>
-          </a:p>
-          <a:p>
-            <a:fld id="{AA5AE0F8-D706-F04B-ADCF-DFBC2DB41592}" type="slidenum">
-              <a:rPr lang="en-US"/>
-              <a:pPr/>
-              <a:t>19</a:t>
-            </a:fld>
-            <a:endParaRPr lang="en-US"/>
-          </a:p>
-        </p:txBody>
-      </p:sp>
-      <p:sp>
-        <p:nvSpPr>
-          <p:cNvPr id="25604" name="Rectangle 2"/>
-          <p:cNvSpPr>
-            <a:spLocks noGrp="1" noChangeArrowheads="1"/>
-          </p:cNvSpPr>
-          <p:nvPr>
-            <p:ph type="title"/>
-          </p:nvPr>
-        </p:nvSpPr>
-        <p:spPr/>
-        <p:txBody>
-          <a:bodyPr/>
-          <a:lstStyle/>
-          <a:p>
-            <a:r>
-              <a:rPr lang="en-US"/>
-              <a:t>Quadratic Programming Problems</a:t>
-            </a:r>
-          </a:p>
-        </p:txBody>
-      </p:sp>
-      <p:sp>
-        <p:nvSpPr>
-          <p:cNvPr id="146436" name="Rectangle 4"/>
-          <p:cNvSpPr>
-            <a:spLocks noChangeArrowheads="1"/>
-          </p:cNvSpPr>
-          <p:nvPr/>
-        </p:nvSpPr>
-        <p:spPr bwMode="auto">
-          <a:xfrm>
-            <a:off x="685800" y="1219200"/>
-            <a:ext cx="8153400" cy="3657600"/>
-          </a:xfrm>
-          <a:prstGeom prst="rect">
-            <a:avLst/>
-          </a:prstGeom>
-          <a:solidFill>
-            <a:schemeClr val="bg1"/>
-          </a:solidFill>
-          <a:ln w="9525">
-            <a:solidFill>
-              <a:schemeClr val="tx1"/>
-            </a:solidFill>
-            <a:miter lim="800000"/>
-            <a:headEnd/>
-            <a:tailEnd/>
-          </a:ln>
-          <a:effectLst>
-            <a:outerShdw dist="107763" dir="2700000" algn="ctr" rotWithShape="0">
-              <a:schemeClr val="bg2">
-                <a:alpha val="50000"/>
-              </a:schemeClr>
-            </a:outerShdw>
-          </a:effectLst>
-        </p:spPr>
-        <p:txBody>
-          <a:bodyPr>
-            <a:prstTxWarp prst="textNoShape">
-              <a:avLst/>
-            </a:prstTxWarp>
-          </a:bodyPr>
-          <a:lstStyle/>
-          <a:p>
-            <a:pPr marL="342900" indent="-342900" algn="l">
-              <a:lnSpc>
-                <a:spcPct val="80000"/>
-              </a:lnSpc>
-              <a:spcBef>
-                <a:spcPct val="20000"/>
-              </a:spcBef>
-            </a:pPr>
-            <a:r>
-              <a:rPr lang="en-US" sz="2000" b="0" dirty="0">
-                <a:solidFill>
-                  <a:schemeClr val="tx1"/>
-                </a:solidFill>
-                <a:latin typeface="Courier New" charset="0"/>
-              </a:rPr>
-              <a:t>MAX (MIN)    </a:t>
-            </a:r>
-            <a:r>
-              <a:rPr lang="en-US" sz="2000" b="0" dirty="0">
-                <a:solidFill>
-                  <a:srgbClr val="FF3300"/>
-                </a:solidFill>
-                <a:latin typeface="Courier New" charset="0"/>
-              </a:rPr>
-              <a:t>F(x</a:t>
-            </a:r>
-            <a:r>
-              <a:rPr lang="en-US" sz="2000" b="0" baseline="-25000" dirty="0">
-                <a:solidFill>
-                  <a:srgbClr val="FF3300"/>
-                </a:solidFill>
-                <a:latin typeface="Courier New" charset="0"/>
-              </a:rPr>
-              <a:t>1</a:t>
-            </a:r>
-            <a:r>
-              <a:rPr lang="en-US" sz="2000" b="0" dirty="0">
-                <a:solidFill>
-                  <a:srgbClr val="FF3300"/>
-                </a:solidFill>
-                <a:latin typeface="Courier New" charset="0"/>
-              </a:rPr>
-              <a:t>,x</a:t>
-            </a:r>
-            <a:r>
-              <a:rPr lang="en-US" sz="2000" b="0" baseline="-25000" dirty="0">
-                <a:solidFill>
-                  <a:srgbClr val="FF3300"/>
-                </a:solidFill>
-                <a:latin typeface="Courier New" charset="0"/>
-              </a:rPr>
-              <a:t>2</a:t>
-            </a:r>
-            <a:r>
-              <a:rPr lang="en-US" sz="2000" b="0" dirty="0">
-                <a:solidFill>
-                  <a:srgbClr val="FF3300"/>
-                </a:solidFill>
-                <a:latin typeface="Courier New" charset="0"/>
-              </a:rPr>
-              <a:t>,…,</a:t>
-            </a:r>
-            <a:r>
-              <a:rPr lang="en-US" sz="2000" b="0" dirty="0" err="1">
-                <a:solidFill>
-                  <a:srgbClr val="FF3300"/>
-                </a:solidFill>
-                <a:latin typeface="Courier New" charset="0"/>
-              </a:rPr>
-              <a:t>x</a:t>
-            </a:r>
-            <a:r>
-              <a:rPr lang="en-US" sz="2000" b="0" baseline="-25000" dirty="0" err="1">
-                <a:solidFill>
-                  <a:srgbClr val="FF3300"/>
-                </a:solidFill>
-                <a:latin typeface="Courier New" charset="0"/>
-              </a:rPr>
-              <a:t>n</a:t>
-            </a:r>
-            <a:r>
-              <a:rPr lang="en-US" sz="2000" b="0" dirty="0">
-                <a:solidFill>
-                  <a:srgbClr val="FF3300"/>
-                </a:solidFill>
-                <a:latin typeface="Courier New" charset="0"/>
-              </a:rPr>
-              <a:t>)  </a:t>
-            </a:r>
-            <a:r>
-              <a:rPr lang="en-US" sz="2000" dirty="0">
-                <a:solidFill>
-                  <a:srgbClr val="FF3300"/>
-                </a:solidFill>
-                <a:latin typeface="Courier New" charset="0"/>
-              </a:rPr>
-              <a:t>F is a </a:t>
-            </a:r>
-            <a:r>
-              <a:rPr lang="en-US" sz="2000" u="sng" dirty="0">
-                <a:solidFill>
-                  <a:srgbClr val="FF3300"/>
-                </a:solidFill>
-                <a:latin typeface="Courier New" charset="0"/>
-              </a:rPr>
-              <a:t>quadratic</a:t>
-            </a:r>
-            <a:r>
-              <a:rPr lang="en-US" sz="2000" dirty="0">
-                <a:solidFill>
-                  <a:srgbClr val="FF3300"/>
-                </a:solidFill>
-                <a:latin typeface="Courier New" charset="0"/>
-              </a:rPr>
-              <a:t> function</a:t>
-            </a:r>
-          </a:p>
-          <a:p>
-            <a:pPr marL="342900" indent="-342900" algn="l">
-              <a:lnSpc>
-                <a:spcPct val="80000"/>
-              </a:lnSpc>
-              <a:spcBef>
-                <a:spcPct val="20000"/>
-              </a:spcBef>
-            </a:pPr>
-            <a:r>
-              <a:rPr lang="en-US" sz="2000" dirty="0">
-                <a:solidFill>
-                  <a:srgbClr val="FF3300"/>
-                </a:solidFill>
-                <a:latin typeface="Courier New" charset="0"/>
-              </a:rPr>
-              <a:t>  </a:t>
-            </a:r>
-            <a:r>
-              <a:rPr lang="en-US" sz="2000" dirty="0" smtClean="0">
-                <a:solidFill>
-                  <a:srgbClr val="FF3300"/>
-                </a:solidFill>
-                <a:latin typeface="Courier New" charset="0"/>
-              </a:rPr>
-              <a:t>	F=Σ</a:t>
-            </a:r>
-            <a:r>
-              <a:rPr lang="en-US" sz="2000" baseline="-25000" dirty="0" smtClean="0">
-                <a:solidFill>
-                  <a:srgbClr val="FF3300"/>
-                </a:solidFill>
-                <a:latin typeface="Courier New" charset="0"/>
-                <a:sym typeface="Symbol" charset="2"/>
-              </a:rPr>
-              <a:t>i</a:t>
-            </a:r>
-            <a:r>
-              <a:rPr lang="en-US" sz="2000" dirty="0" smtClean="0">
-                <a:solidFill>
-                  <a:srgbClr val="FF3300"/>
-                </a:solidFill>
-                <a:latin typeface="Courier New" charset="0"/>
-                <a:sym typeface="Math1" pitchFamily="2" charset="2"/>
-              </a:rPr>
-              <a:t>A</a:t>
-            </a:r>
-            <a:r>
-              <a:rPr lang="en-US" sz="2000" baseline="-25000" dirty="0" smtClean="0">
-                <a:solidFill>
-                  <a:srgbClr val="FF3300"/>
-                </a:solidFill>
-                <a:latin typeface="Courier New" charset="0"/>
-                <a:sym typeface="Math1" pitchFamily="2" charset="2"/>
-              </a:rPr>
-              <a:t>i</a:t>
-            </a:r>
-            <a:r>
-              <a:rPr lang="en-US" sz="2000" dirty="0" smtClean="0">
-                <a:solidFill>
-                  <a:srgbClr val="FF3300"/>
-                </a:solidFill>
-                <a:latin typeface="Courier New" charset="0"/>
-                <a:sym typeface="Math1" pitchFamily="2" charset="2"/>
-              </a:rPr>
-              <a:t>X</a:t>
-            </a:r>
-            <a:r>
-              <a:rPr lang="en-US" sz="2000" baseline="-25000" dirty="0" smtClean="0">
-                <a:solidFill>
-                  <a:srgbClr val="FF3300"/>
-                </a:solidFill>
-                <a:latin typeface="Courier New" charset="0"/>
-                <a:sym typeface="Math1" pitchFamily="2" charset="2"/>
-              </a:rPr>
-              <a:t>i</a:t>
-            </a:r>
-            <a:r>
-              <a:rPr lang="en-US" sz="2000" baseline="30000" dirty="0" smtClean="0">
-                <a:solidFill>
-                  <a:srgbClr val="FF3300"/>
-                </a:solidFill>
-                <a:latin typeface="Courier New" charset="0"/>
-                <a:sym typeface="Math1" pitchFamily="2" charset="2"/>
-              </a:rPr>
-              <a:t>2</a:t>
-            </a:r>
-            <a:r>
-              <a:rPr lang="en-US" sz="2000" dirty="0" smtClean="0">
-                <a:solidFill>
-                  <a:srgbClr val="FF3300"/>
-                </a:solidFill>
-                <a:latin typeface="Courier New" charset="0"/>
-                <a:sym typeface="Math1" pitchFamily="2" charset="2"/>
-              </a:rPr>
-              <a:t>+Σ</a:t>
-            </a:r>
-            <a:r>
-              <a:rPr lang="en-US" sz="2000" baseline="-25000" dirty="0" smtClean="0">
-                <a:solidFill>
-                  <a:srgbClr val="FF3300"/>
-                </a:solidFill>
-                <a:latin typeface="Courier New" charset="0"/>
-                <a:sym typeface="Symbol" charset="2"/>
-              </a:rPr>
-              <a:t>i</a:t>
-            </a:r>
-            <a:r>
-              <a:rPr lang="en-US" sz="2000" dirty="0" smtClean="0">
-                <a:solidFill>
-                  <a:srgbClr val="FF3300"/>
-                </a:solidFill>
-                <a:latin typeface="Courier New" charset="0"/>
-                <a:sym typeface="Symbol" charset="2"/>
-              </a:rPr>
-              <a:t>Σ</a:t>
-            </a:r>
-            <a:r>
-              <a:rPr lang="en-US" sz="2000" baseline="-25000" dirty="0" smtClean="0">
-                <a:solidFill>
-                  <a:srgbClr val="FF3300"/>
-                </a:solidFill>
-                <a:latin typeface="Courier New" charset="0"/>
-                <a:sym typeface="Symbol" charset="2"/>
-              </a:rPr>
-              <a:t>j</a:t>
-            </a:r>
-            <a:r>
-              <a:rPr lang="en-US" sz="2000" dirty="0" smtClean="0">
-                <a:solidFill>
-                  <a:srgbClr val="FF3300"/>
-                </a:solidFill>
-                <a:latin typeface="Courier New" charset="0"/>
-                <a:sym typeface="Math1" pitchFamily="2" charset="2"/>
-              </a:rPr>
-              <a:t>B</a:t>
-            </a:r>
-            <a:r>
-              <a:rPr lang="en-US" sz="2000" baseline="-25000" dirty="0" smtClean="0">
-                <a:solidFill>
-                  <a:srgbClr val="FF3300"/>
-                </a:solidFill>
-                <a:latin typeface="Courier New" charset="0"/>
-                <a:sym typeface="Math1" pitchFamily="2" charset="2"/>
-              </a:rPr>
-              <a:t>ij</a:t>
-            </a:r>
-            <a:r>
-              <a:rPr lang="en-US" sz="2000" dirty="0" smtClean="0">
-                <a:solidFill>
-                  <a:srgbClr val="FF3300"/>
-                </a:solidFill>
-                <a:latin typeface="Courier New" charset="0"/>
-                <a:sym typeface="Math1" pitchFamily="2" charset="2"/>
-              </a:rPr>
-              <a:t>X</a:t>
-            </a:r>
-            <a:r>
-              <a:rPr lang="en-US" sz="2000" baseline="-25000" dirty="0" smtClean="0">
-                <a:solidFill>
-                  <a:srgbClr val="FF3300"/>
-                </a:solidFill>
-                <a:latin typeface="Courier New" charset="0"/>
-                <a:sym typeface="Math1" pitchFamily="2" charset="2"/>
-              </a:rPr>
-              <a:t>i</a:t>
-            </a:r>
-            <a:r>
-              <a:rPr lang="en-US" sz="2000" dirty="0" smtClean="0">
-                <a:solidFill>
-                  <a:srgbClr val="FF3300"/>
-                </a:solidFill>
-                <a:latin typeface="Courier New" charset="0"/>
-                <a:sym typeface="Math1" pitchFamily="2" charset="2"/>
-              </a:rPr>
-              <a:t>X</a:t>
-            </a:r>
-            <a:r>
-              <a:rPr lang="en-US" sz="2000" baseline="-25000" dirty="0" smtClean="0">
-                <a:solidFill>
-                  <a:srgbClr val="FF3300"/>
-                </a:solidFill>
-                <a:latin typeface="Courier New" charset="0"/>
-                <a:sym typeface="Math1" pitchFamily="2" charset="2"/>
-              </a:rPr>
-              <a:t>j</a:t>
-            </a:r>
-            <a:r>
-              <a:rPr lang="en-US" sz="2000" dirty="0" smtClean="0">
-                <a:solidFill>
-                  <a:srgbClr val="FF3300"/>
-                </a:solidFill>
-                <a:latin typeface="Courier New" charset="0"/>
-                <a:sym typeface="Math1" pitchFamily="2" charset="2"/>
-              </a:rPr>
-              <a:t>+</a:t>
-            </a:r>
-            <a:r>
-              <a:rPr lang="en-US" sz="2000" dirty="0" smtClean="0">
-                <a:solidFill>
-                  <a:srgbClr val="FF3300"/>
-                </a:solidFill>
-                <a:latin typeface="Courier New" charset="0"/>
-                <a:sym typeface="Symbol" charset="2"/>
-              </a:rPr>
-              <a:t>Σ</a:t>
-            </a:r>
-            <a:r>
-              <a:rPr lang="en-US" sz="2000" baseline="-25000" dirty="0" smtClean="0">
-                <a:solidFill>
-                  <a:srgbClr val="FF3300"/>
-                </a:solidFill>
-                <a:latin typeface="Courier New" charset="0"/>
-                <a:sym typeface="Symbol" charset="2"/>
-              </a:rPr>
-              <a:t>i</a:t>
-            </a:r>
-            <a:r>
-              <a:rPr lang="en-US" sz="2000" dirty="0" smtClean="0">
-                <a:solidFill>
-                  <a:srgbClr val="FF3300"/>
-                </a:solidFill>
-                <a:latin typeface="Courier New" charset="0"/>
-                <a:sym typeface="Math1" pitchFamily="2" charset="2"/>
-              </a:rPr>
-              <a:t>C</a:t>
-            </a:r>
-            <a:r>
-              <a:rPr lang="en-US" sz="2000" baseline="-25000" dirty="0" smtClean="0">
-                <a:solidFill>
-                  <a:srgbClr val="FF3300"/>
-                </a:solidFill>
-                <a:latin typeface="Courier New" charset="0"/>
-                <a:sym typeface="Math1" pitchFamily="2" charset="2"/>
-              </a:rPr>
-              <a:t>i</a:t>
-            </a:r>
-            <a:r>
-              <a:rPr lang="en-US" sz="2000" dirty="0" smtClean="0">
-                <a:solidFill>
-                  <a:srgbClr val="FF3300"/>
-                </a:solidFill>
-                <a:latin typeface="Courier New" charset="0"/>
-                <a:sym typeface="Math1" pitchFamily="2" charset="2"/>
-              </a:rPr>
-              <a:t>X</a:t>
-            </a:r>
-            <a:r>
-              <a:rPr lang="en-US" sz="2000" baseline="-25000" dirty="0" smtClean="0">
-                <a:solidFill>
-                  <a:srgbClr val="FF3300"/>
-                </a:solidFill>
-                <a:latin typeface="Courier New" charset="0"/>
-                <a:sym typeface="Math1" pitchFamily="2" charset="2"/>
-              </a:rPr>
-              <a:t>i</a:t>
-            </a:r>
-            <a:r>
-              <a:rPr lang="en-US" sz="2000" dirty="0">
-                <a:solidFill>
-                  <a:srgbClr val="FF3300"/>
-                </a:solidFill>
-                <a:latin typeface="Courier New" charset="0"/>
-                <a:sym typeface="Math1" pitchFamily="2" charset="2"/>
-              </a:rPr>
-              <a:t>+D</a:t>
-            </a:r>
-          </a:p>
-          <a:p>
-            <a:pPr marL="342900" indent="-342900" algn="l">
-              <a:lnSpc>
-                <a:spcPct val="80000"/>
-              </a:lnSpc>
-              <a:spcBef>
-                <a:spcPct val="20000"/>
-              </a:spcBef>
-            </a:pPr>
-            <a:r>
-              <a:rPr lang="en-US" sz="2000" b="0" dirty="0">
-                <a:solidFill>
-                  <a:schemeClr val="tx1"/>
-                </a:solidFill>
-                <a:latin typeface="Courier New" charset="0"/>
-              </a:rPr>
-              <a:t>ST</a:t>
-            </a:r>
-          </a:p>
-          <a:p>
-            <a:pPr marL="342900" indent="-342900" algn="l">
-              <a:lnSpc>
-                <a:spcPct val="80000"/>
-              </a:lnSpc>
-              <a:spcBef>
-                <a:spcPct val="20000"/>
-              </a:spcBef>
-            </a:pPr>
-            <a:r>
-              <a:rPr lang="en-US" sz="2000" b="0" dirty="0">
-                <a:solidFill>
-                  <a:schemeClr val="tx1"/>
-                </a:solidFill>
-                <a:latin typeface="Courier New" charset="0"/>
-              </a:rPr>
-              <a:t>			 </a:t>
-            </a:r>
-            <a:r>
-              <a:rPr lang="en-US" sz="1600" dirty="0">
-                <a:solidFill>
-                  <a:schemeClr val="accent1"/>
-                </a:solidFill>
-                <a:latin typeface="Courier New" charset="0"/>
-              </a:rPr>
-              <a:t>G</a:t>
-            </a:r>
-            <a:r>
-              <a:rPr lang="en-US" sz="1600" baseline="-25000" dirty="0">
-                <a:solidFill>
-                  <a:schemeClr val="accent1"/>
-                </a:solidFill>
-                <a:latin typeface="Courier New" charset="0"/>
-              </a:rPr>
-              <a:t>1</a:t>
-            </a:r>
-            <a:r>
-              <a:rPr lang="en-US" sz="1600" dirty="0">
-                <a:solidFill>
-                  <a:schemeClr val="accent1"/>
-                </a:solidFill>
-                <a:latin typeface="Courier New" charset="0"/>
-              </a:rPr>
-              <a:t>(x1,x2,…,</a:t>
-            </a:r>
-            <a:r>
-              <a:rPr lang="en-US" sz="1600" dirty="0" err="1">
-                <a:solidFill>
-                  <a:schemeClr val="accent1"/>
-                </a:solidFill>
-                <a:latin typeface="Courier New" charset="0"/>
-              </a:rPr>
-              <a:t>x</a:t>
-            </a:r>
-            <a:r>
-              <a:rPr lang="en-US" sz="1600" baseline="-25000" dirty="0" err="1">
-                <a:solidFill>
-                  <a:schemeClr val="accent1"/>
-                </a:solidFill>
-                <a:latin typeface="Courier New" charset="0"/>
-              </a:rPr>
-              <a:t>n</a:t>
-            </a:r>
-            <a:r>
-              <a:rPr lang="en-US" sz="1600" dirty="0">
-                <a:solidFill>
-                  <a:schemeClr val="accent1"/>
-                </a:solidFill>
-                <a:latin typeface="Courier New" charset="0"/>
-              </a:rPr>
-              <a:t>)</a:t>
-            </a:r>
-            <a:r>
-              <a:rPr lang="en-US" sz="1600" dirty="0">
-                <a:solidFill>
-                  <a:schemeClr val="accent1"/>
-                </a:solidFill>
-                <a:latin typeface="Courier New" charset="0"/>
-                <a:sym typeface="Math1" pitchFamily="2" charset="2"/>
-              </a:rPr>
-              <a:t>= B</a:t>
-            </a:r>
-            <a:r>
-              <a:rPr lang="en-US" sz="1600" baseline="-25000" dirty="0">
-                <a:solidFill>
-                  <a:schemeClr val="accent1"/>
-                </a:solidFill>
-                <a:latin typeface="Courier New" charset="0"/>
-                <a:sym typeface="Math1" pitchFamily="2" charset="2"/>
-              </a:rPr>
-              <a:t>1</a:t>
-            </a:r>
-            <a:endParaRPr lang="en-US" sz="1600" dirty="0">
-              <a:solidFill>
-                <a:schemeClr val="accent1"/>
-              </a:solidFill>
-              <a:latin typeface="Courier New" charset="0"/>
-              <a:sym typeface="Math1" pitchFamily="2" charset="2"/>
-            </a:endParaRPr>
-          </a:p>
-          <a:p>
-            <a:pPr marL="342900" indent="-342900" algn="l">
-              <a:lnSpc>
-                <a:spcPct val="80000"/>
-              </a:lnSpc>
-              <a:spcBef>
-                <a:spcPct val="20000"/>
-              </a:spcBef>
-            </a:pPr>
-            <a:r>
-              <a:rPr lang="en-US" sz="1600" dirty="0">
-                <a:solidFill>
-                  <a:schemeClr val="accent1"/>
-                </a:solidFill>
-                <a:latin typeface="Courier New" charset="0"/>
-                <a:sym typeface="Math1" pitchFamily="2" charset="2"/>
-              </a:rPr>
-              <a:t>	   		 </a:t>
-            </a:r>
-            <a:r>
-              <a:rPr lang="en-US" sz="1600" dirty="0">
-                <a:solidFill>
-                  <a:schemeClr val="accent1"/>
-                </a:solidFill>
-                <a:latin typeface="Courier New" charset="0"/>
-              </a:rPr>
-              <a:t>G</a:t>
-            </a:r>
-            <a:r>
-              <a:rPr lang="en-US" sz="1600" baseline="-25000" dirty="0">
-                <a:solidFill>
-                  <a:schemeClr val="accent1"/>
-                </a:solidFill>
-                <a:latin typeface="Courier New" charset="0"/>
-              </a:rPr>
-              <a:t>2</a:t>
-            </a:r>
-            <a:r>
-              <a:rPr lang="en-US" sz="1600" dirty="0">
-                <a:solidFill>
-                  <a:schemeClr val="accent1"/>
-                </a:solidFill>
-                <a:latin typeface="Courier New" charset="0"/>
-              </a:rPr>
-              <a:t>(x1,x2,…,</a:t>
-            </a:r>
-            <a:r>
-              <a:rPr lang="en-US" sz="1600" dirty="0" err="1">
-                <a:solidFill>
-                  <a:schemeClr val="accent1"/>
-                </a:solidFill>
-                <a:latin typeface="Courier New" charset="0"/>
-              </a:rPr>
-              <a:t>x</a:t>
-            </a:r>
-            <a:r>
-              <a:rPr lang="en-US" sz="1600" baseline="-25000" dirty="0" err="1">
-                <a:solidFill>
-                  <a:schemeClr val="accent1"/>
-                </a:solidFill>
-                <a:latin typeface="Courier New" charset="0"/>
-              </a:rPr>
-              <a:t>n</a:t>
-            </a:r>
-            <a:r>
-              <a:rPr lang="en-US" sz="1600" dirty="0">
-                <a:solidFill>
-                  <a:schemeClr val="accent1"/>
-                </a:solidFill>
-                <a:latin typeface="Courier New" charset="0"/>
-              </a:rPr>
-              <a:t>)</a:t>
-            </a:r>
-            <a:r>
-              <a:rPr lang="en-US" sz="1600" dirty="0">
-                <a:solidFill>
-                  <a:schemeClr val="accent1"/>
-                </a:solidFill>
-                <a:latin typeface="Courier New" charset="0"/>
-                <a:sym typeface="Math1" pitchFamily="2" charset="2"/>
-              </a:rPr>
-              <a:t>= B</a:t>
-            </a:r>
-            <a:r>
-              <a:rPr lang="en-US" sz="1600" baseline="-25000" dirty="0">
-                <a:solidFill>
-                  <a:schemeClr val="accent1"/>
-                </a:solidFill>
-                <a:latin typeface="Courier New" charset="0"/>
-                <a:sym typeface="Math1" pitchFamily="2" charset="2"/>
-              </a:rPr>
-              <a:t>2</a:t>
-            </a:r>
-          </a:p>
-          <a:p>
-            <a:pPr marL="342900" indent="-342900" algn="l">
-              <a:lnSpc>
-                <a:spcPct val="80000"/>
-              </a:lnSpc>
-              <a:spcBef>
-                <a:spcPct val="20000"/>
-              </a:spcBef>
-            </a:pPr>
-            <a:r>
-              <a:rPr lang="en-US" sz="1600" baseline="-25000" dirty="0">
-                <a:solidFill>
-                  <a:schemeClr val="accent1"/>
-                </a:solidFill>
-                <a:latin typeface="Courier New" charset="0"/>
-                <a:sym typeface="Math1" pitchFamily="2" charset="2"/>
-              </a:rPr>
-              <a:t>					.</a:t>
-            </a:r>
-          </a:p>
-          <a:p>
-            <a:pPr marL="342900" indent="-342900" algn="l">
-              <a:lnSpc>
-                <a:spcPct val="80000"/>
-              </a:lnSpc>
-              <a:spcBef>
-                <a:spcPct val="20000"/>
-              </a:spcBef>
-            </a:pPr>
-            <a:r>
-              <a:rPr lang="en-US" sz="1600" baseline="-25000" dirty="0">
-                <a:solidFill>
-                  <a:schemeClr val="accent1"/>
-                </a:solidFill>
-                <a:latin typeface="Courier New" charset="0"/>
-                <a:sym typeface="Math1" pitchFamily="2" charset="2"/>
-              </a:rPr>
-              <a:t>			.</a:t>
-            </a:r>
-          </a:p>
-          <a:p>
-            <a:pPr marL="342900" indent="-342900" algn="l">
-              <a:lnSpc>
-                <a:spcPct val="80000"/>
-              </a:lnSpc>
-              <a:spcBef>
-                <a:spcPct val="20000"/>
-              </a:spcBef>
-            </a:pPr>
-            <a:r>
-              <a:rPr lang="en-US" sz="1600" baseline="-25000" dirty="0">
-                <a:solidFill>
-                  <a:schemeClr val="accent1"/>
-                </a:solidFill>
-                <a:latin typeface="Courier New" charset="0"/>
-                <a:sym typeface="Math1" pitchFamily="2" charset="2"/>
-              </a:rPr>
-              <a:t>					.</a:t>
-            </a:r>
-          </a:p>
-          <a:p>
-            <a:pPr marL="342900" indent="-342900" algn="l">
-              <a:lnSpc>
-                <a:spcPct val="80000"/>
-              </a:lnSpc>
-              <a:spcBef>
-                <a:spcPct val="20000"/>
-              </a:spcBef>
-            </a:pPr>
-            <a:r>
-              <a:rPr lang="en-US" sz="1600" dirty="0">
-                <a:solidFill>
-                  <a:schemeClr val="accent1"/>
-                </a:solidFill>
-                <a:latin typeface="Courier New" charset="0"/>
-              </a:rPr>
-              <a:t>			 G</a:t>
-            </a:r>
-            <a:r>
-              <a:rPr lang="en-US" sz="1600" baseline="-25000" dirty="0">
-                <a:solidFill>
-                  <a:schemeClr val="accent1"/>
-                </a:solidFill>
-                <a:latin typeface="Courier New" charset="0"/>
-              </a:rPr>
-              <a:t>m</a:t>
-            </a:r>
-            <a:r>
-              <a:rPr lang="en-US" sz="1600" dirty="0">
-                <a:solidFill>
-                  <a:schemeClr val="accent1"/>
-                </a:solidFill>
-                <a:latin typeface="Courier New" charset="0"/>
-              </a:rPr>
-              <a:t>(x1,x2,…,</a:t>
-            </a:r>
-            <a:r>
-              <a:rPr lang="en-US" sz="1600" dirty="0" err="1">
-                <a:solidFill>
-                  <a:schemeClr val="accent1"/>
-                </a:solidFill>
-                <a:latin typeface="Courier New" charset="0"/>
-              </a:rPr>
-              <a:t>x</a:t>
-            </a:r>
-            <a:r>
-              <a:rPr lang="en-US" sz="1600" baseline="-25000" dirty="0" err="1">
-                <a:solidFill>
-                  <a:schemeClr val="accent1"/>
-                </a:solidFill>
-                <a:latin typeface="Courier New" charset="0"/>
-              </a:rPr>
-              <a:t>n</a:t>
-            </a:r>
-            <a:r>
-              <a:rPr lang="en-US" sz="1600" dirty="0">
-                <a:solidFill>
-                  <a:schemeClr val="accent1"/>
-                </a:solidFill>
-                <a:latin typeface="Courier New" charset="0"/>
-              </a:rPr>
-              <a:t>)</a:t>
-            </a:r>
-            <a:r>
-              <a:rPr lang="en-US" sz="1600" dirty="0">
-                <a:solidFill>
-                  <a:schemeClr val="accent1"/>
-                </a:solidFill>
-                <a:latin typeface="Courier New" charset="0"/>
-                <a:sym typeface="Math1" pitchFamily="2" charset="2"/>
-              </a:rPr>
-              <a:t>=</a:t>
-            </a:r>
-            <a:r>
-              <a:rPr lang="en-US" sz="1600" dirty="0" err="1">
-                <a:solidFill>
-                  <a:schemeClr val="accent1"/>
-                </a:solidFill>
-                <a:latin typeface="Courier New" charset="0"/>
-                <a:sym typeface="Math1" pitchFamily="2" charset="2"/>
-              </a:rPr>
-              <a:t>B</a:t>
-            </a:r>
-            <a:r>
-              <a:rPr lang="en-US" sz="1600" baseline="-25000" dirty="0" err="1">
-                <a:solidFill>
-                  <a:schemeClr val="accent1"/>
-                </a:solidFill>
-                <a:latin typeface="Courier New" charset="0"/>
-                <a:sym typeface="Math1" pitchFamily="2" charset="2"/>
-              </a:rPr>
-              <a:t>m</a:t>
-            </a:r>
-            <a:endParaRPr lang="en-US" sz="1600" baseline="-25000" dirty="0">
-              <a:solidFill>
-                <a:schemeClr val="accent1"/>
-              </a:solidFill>
-              <a:latin typeface="Courier New" charset="0"/>
-              <a:sym typeface="Math1" pitchFamily="2" charset="2"/>
-            </a:endParaRPr>
-          </a:p>
-          <a:p>
-            <a:pPr marL="342900" indent="-342900" algn="l">
-              <a:lnSpc>
-                <a:spcPct val="80000"/>
-              </a:lnSpc>
-              <a:spcBef>
-                <a:spcPct val="20000"/>
-              </a:spcBef>
-            </a:pPr>
-            <a:endParaRPr lang="en-US" sz="1600" baseline="-25000" dirty="0">
-              <a:solidFill>
-                <a:schemeClr val="accent1"/>
-              </a:solidFill>
-              <a:latin typeface="Courier New" charset="0"/>
-              <a:sym typeface="Math1" pitchFamily="2" charset="2"/>
-            </a:endParaRPr>
-          </a:p>
-          <a:p>
-            <a:pPr marL="342900" indent="-342900" algn="l">
-              <a:lnSpc>
-                <a:spcPct val="80000"/>
-              </a:lnSpc>
-              <a:spcBef>
-                <a:spcPct val="20000"/>
-              </a:spcBef>
-            </a:pPr>
-            <a:r>
-              <a:rPr lang="en-US" sz="1600" dirty="0">
-                <a:solidFill>
-                  <a:schemeClr val="accent1"/>
-                </a:solidFill>
-                <a:latin typeface="Courier New" charset="0"/>
-              </a:rPr>
-              <a:t>			 H</a:t>
-            </a:r>
-            <a:r>
-              <a:rPr lang="en-US" sz="1600" baseline="-25000" dirty="0">
-                <a:solidFill>
-                  <a:schemeClr val="accent1"/>
-                </a:solidFill>
-                <a:latin typeface="Courier New" charset="0"/>
-              </a:rPr>
-              <a:t>1</a:t>
-            </a:r>
-            <a:r>
-              <a:rPr lang="en-US" sz="1600" dirty="0">
-                <a:solidFill>
-                  <a:schemeClr val="accent1"/>
-                </a:solidFill>
-                <a:latin typeface="Courier New" charset="0"/>
-              </a:rPr>
-              <a:t>(x1,x2,…,</a:t>
-            </a:r>
-            <a:r>
-              <a:rPr lang="en-US" sz="1600" dirty="0" smtClean="0">
-                <a:solidFill>
-                  <a:schemeClr val="accent1"/>
-                </a:solidFill>
-                <a:latin typeface="Courier New" charset="0"/>
-              </a:rPr>
-              <a:t>x</a:t>
-            </a:r>
-            <a:r>
-              <a:rPr lang="en-US" sz="1600" baseline="-25000" dirty="0" smtClean="0">
-                <a:solidFill>
-                  <a:schemeClr val="accent1"/>
-                </a:solidFill>
-                <a:latin typeface="Courier New" charset="0"/>
-              </a:rPr>
-              <a:t>n</a:t>
-            </a:r>
-            <a:r>
-              <a:rPr lang="en-US" sz="1600" dirty="0" smtClean="0">
-                <a:solidFill>
-                  <a:schemeClr val="accent1"/>
-                </a:solidFill>
-                <a:latin typeface="Courier New" charset="0"/>
-              </a:rPr>
-              <a:t>)≤(≥)</a:t>
-            </a:r>
-            <a:r>
-              <a:rPr lang="en-US" sz="1600" dirty="0" smtClean="0">
-                <a:solidFill>
-                  <a:schemeClr val="accent1"/>
-                </a:solidFill>
-                <a:latin typeface="Courier New" charset="0"/>
-                <a:sym typeface="Math1" pitchFamily="2" charset="2"/>
-              </a:rPr>
-              <a:t>R</a:t>
-            </a:r>
-            <a:r>
-              <a:rPr lang="en-US" sz="1600" baseline="-25000" dirty="0" smtClean="0">
-                <a:solidFill>
-                  <a:schemeClr val="accent1"/>
-                </a:solidFill>
-                <a:latin typeface="Courier New" charset="0"/>
-                <a:sym typeface="Math1" pitchFamily="2" charset="2"/>
-              </a:rPr>
-              <a:t>1</a:t>
-            </a:r>
-            <a:endParaRPr lang="en-US" sz="1600" dirty="0">
-              <a:solidFill>
-                <a:schemeClr val="accent1"/>
-              </a:solidFill>
-              <a:latin typeface="Courier New" charset="0"/>
-              <a:sym typeface="Math1" pitchFamily="2" charset="2"/>
-            </a:endParaRPr>
-          </a:p>
-          <a:p>
-            <a:pPr marL="342900" indent="-342900" algn="l">
-              <a:lnSpc>
-                <a:spcPct val="80000"/>
-              </a:lnSpc>
-              <a:spcBef>
-                <a:spcPct val="20000"/>
-              </a:spcBef>
-            </a:pPr>
-            <a:r>
-              <a:rPr lang="en-US" sz="1600" dirty="0">
-                <a:solidFill>
-                  <a:schemeClr val="accent1"/>
-                </a:solidFill>
-                <a:latin typeface="Courier New" charset="0"/>
-                <a:sym typeface="Math1" pitchFamily="2" charset="2"/>
-              </a:rPr>
-              <a:t>			 </a:t>
-            </a:r>
-            <a:r>
-              <a:rPr lang="en-US" sz="1600" dirty="0">
-                <a:solidFill>
-                  <a:schemeClr val="accent1"/>
-                </a:solidFill>
-                <a:latin typeface="Courier New" charset="0"/>
-              </a:rPr>
-              <a:t>H</a:t>
-            </a:r>
-            <a:r>
-              <a:rPr lang="en-US" sz="1600" baseline="-25000" dirty="0">
-                <a:solidFill>
-                  <a:schemeClr val="accent1"/>
-                </a:solidFill>
-                <a:latin typeface="Courier New" charset="0"/>
-              </a:rPr>
-              <a:t>2</a:t>
-            </a:r>
-            <a:r>
-              <a:rPr lang="en-US" sz="1600" dirty="0">
-                <a:solidFill>
-                  <a:schemeClr val="accent1"/>
-                </a:solidFill>
-                <a:latin typeface="Courier New" charset="0"/>
-              </a:rPr>
-              <a:t>(x1,x2,…,x</a:t>
-            </a:r>
-            <a:r>
-              <a:rPr lang="en-US" sz="1600" baseline="-25000" dirty="0">
-                <a:solidFill>
-                  <a:schemeClr val="accent1"/>
-                </a:solidFill>
-                <a:latin typeface="Courier New" charset="0"/>
-              </a:rPr>
-              <a:t>n</a:t>
-            </a:r>
-            <a:r>
-              <a:rPr lang="en-US" sz="1600" dirty="0" smtClean="0">
-                <a:solidFill>
-                  <a:schemeClr val="accent1"/>
-                </a:solidFill>
-                <a:latin typeface="Courier New" charset="0"/>
-              </a:rPr>
-              <a:t>)≤(≥)</a:t>
-            </a:r>
-            <a:r>
-              <a:rPr lang="en-US" sz="1600" dirty="0" smtClean="0">
-                <a:solidFill>
-                  <a:schemeClr val="accent1"/>
-                </a:solidFill>
-                <a:latin typeface="Courier New" charset="0"/>
-                <a:sym typeface="Math1" pitchFamily="2" charset="2"/>
-              </a:rPr>
-              <a:t>R</a:t>
-            </a:r>
-            <a:r>
-              <a:rPr lang="en-US" sz="1600" baseline="-25000" dirty="0" smtClean="0">
-                <a:solidFill>
-                  <a:schemeClr val="accent1"/>
-                </a:solidFill>
-                <a:latin typeface="Courier New" charset="0"/>
-                <a:sym typeface="Math1" pitchFamily="2" charset="2"/>
-              </a:rPr>
-              <a:t>2</a:t>
-            </a:r>
-            <a:endParaRPr lang="en-US" sz="1600" baseline="-25000" dirty="0">
-              <a:solidFill>
-                <a:schemeClr val="accent1"/>
-              </a:solidFill>
-              <a:latin typeface="Courier New" charset="0"/>
-              <a:sym typeface="Math1" pitchFamily="2" charset="2"/>
-            </a:endParaRPr>
-          </a:p>
-          <a:p>
-            <a:pPr marL="342900" indent="-342900" algn="l">
-              <a:lnSpc>
-                <a:spcPct val="80000"/>
-              </a:lnSpc>
-              <a:spcBef>
-                <a:spcPct val="20000"/>
-              </a:spcBef>
-            </a:pPr>
-            <a:r>
-              <a:rPr lang="en-US" sz="1600" baseline="-25000" dirty="0">
-                <a:solidFill>
-                  <a:schemeClr val="accent1"/>
-                </a:solidFill>
-                <a:latin typeface="Courier New" charset="0"/>
-                <a:sym typeface="Math1" pitchFamily="2" charset="2"/>
-              </a:rPr>
-              <a:t>					</a:t>
-            </a:r>
-            <a:r>
-              <a:rPr lang="en-US" sz="1600" baseline="-25000" dirty="0" smtClean="0">
-                <a:solidFill>
-                  <a:schemeClr val="accent1"/>
-                </a:solidFill>
-                <a:latin typeface="Courier New" charset="0"/>
-                <a:sym typeface="Math1" pitchFamily="2" charset="2"/>
-              </a:rPr>
-              <a:t>.</a:t>
-            </a:r>
-          </a:p>
-          <a:p>
-            <a:pPr marL="342900" indent="-342900" algn="l">
-              <a:lnSpc>
-                <a:spcPct val="80000"/>
-              </a:lnSpc>
-              <a:spcBef>
-                <a:spcPct val="20000"/>
-              </a:spcBef>
-            </a:pPr>
-            <a:r>
-              <a:rPr lang="en-US" sz="1600" baseline="-25000" dirty="0">
-                <a:solidFill>
-                  <a:schemeClr val="accent1"/>
-                </a:solidFill>
-                <a:latin typeface="Courier New" charset="0"/>
-                <a:sym typeface="Math1" pitchFamily="2" charset="2"/>
-              </a:rPr>
-              <a:t>			  </a:t>
-            </a:r>
-            <a:r>
-              <a:rPr lang="en-US" sz="1600" dirty="0">
-                <a:solidFill>
-                  <a:schemeClr val="accent1"/>
-                </a:solidFill>
-                <a:latin typeface="Courier New" charset="0"/>
-              </a:rPr>
-              <a:t>H</a:t>
-            </a:r>
-            <a:r>
-              <a:rPr lang="en-US" sz="1600" baseline="-25000" dirty="0">
-                <a:solidFill>
-                  <a:schemeClr val="accent1"/>
-                </a:solidFill>
-                <a:latin typeface="Courier New" charset="0"/>
-              </a:rPr>
-              <a:t>k</a:t>
-            </a:r>
-            <a:r>
-              <a:rPr lang="en-US" sz="1600" dirty="0">
-                <a:solidFill>
-                  <a:schemeClr val="accent1"/>
-                </a:solidFill>
-                <a:latin typeface="Courier New" charset="0"/>
-              </a:rPr>
-              <a:t>(x1,x2,…,</a:t>
-            </a:r>
-            <a:r>
-              <a:rPr lang="en-US" sz="1600" dirty="0" err="1">
-                <a:solidFill>
-                  <a:schemeClr val="accent1"/>
-                </a:solidFill>
-                <a:latin typeface="Courier New" charset="0"/>
-              </a:rPr>
-              <a:t>x</a:t>
-            </a:r>
-            <a:r>
-              <a:rPr lang="en-US" sz="1600" baseline="-25000" dirty="0" err="1">
-                <a:solidFill>
-                  <a:schemeClr val="accent1"/>
-                </a:solidFill>
-                <a:latin typeface="Courier New" charset="0"/>
-              </a:rPr>
-              <a:t>n</a:t>
-            </a:r>
-            <a:r>
-              <a:rPr lang="en-US" sz="1600" dirty="0" err="1" smtClean="0">
-                <a:solidFill>
-                  <a:schemeClr val="accent1"/>
-                </a:solidFill>
-                <a:latin typeface="Courier New" charset="0"/>
-              </a:rPr>
-              <a:t>)≤(≥)</a:t>
-            </a:r>
-            <a:r>
-              <a:rPr lang="en-US" sz="1600" dirty="0" err="1" smtClean="0">
-                <a:solidFill>
-                  <a:schemeClr val="accent1"/>
-                </a:solidFill>
-                <a:latin typeface="Courier New" charset="0"/>
-                <a:sym typeface="Math1" pitchFamily="2" charset="2"/>
-              </a:rPr>
-              <a:t>R</a:t>
-            </a:r>
-            <a:r>
-              <a:rPr lang="en-US" sz="1600" baseline="-25000" dirty="0" err="1" smtClean="0">
-                <a:solidFill>
-                  <a:schemeClr val="accent1"/>
-                </a:solidFill>
-                <a:latin typeface="Courier New" charset="0"/>
-                <a:sym typeface="Math1" pitchFamily="2" charset="2"/>
-              </a:rPr>
-              <a:t>k</a:t>
-            </a:r>
-            <a:endParaRPr lang="en-US" sz="1600" baseline="-25000" dirty="0">
-              <a:solidFill>
-                <a:schemeClr val="accent1"/>
-              </a:solidFill>
-              <a:latin typeface="Courier New" charset="0"/>
-              <a:sym typeface="Math1" pitchFamily="2" charset="2"/>
-            </a:endParaRPr>
-          </a:p>
-          <a:p>
-            <a:pPr marL="342900" indent="-342900" algn="l">
-              <a:lnSpc>
-                <a:spcPct val="80000"/>
-              </a:lnSpc>
-              <a:spcBef>
-                <a:spcPct val="20000"/>
-              </a:spcBef>
-            </a:pPr>
-            <a:endParaRPr lang="en-US" sz="1400" b="0" baseline="-25000" dirty="0">
-              <a:solidFill>
-                <a:schemeClr val="accent1"/>
-              </a:solidFill>
-              <a:latin typeface="Courier New" charset="0"/>
-              <a:sym typeface="Math1" pitchFamily="2" charset="2"/>
-            </a:endParaRPr>
-          </a:p>
-          <a:p>
-            <a:pPr marL="342900" indent="-342900" algn="l">
-              <a:lnSpc>
-                <a:spcPct val="80000"/>
-              </a:lnSpc>
-              <a:spcBef>
-                <a:spcPct val="20000"/>
-              </a:spcBef>
-            </a:pPr>
-            <a:endParaRPr lang="en-US" sz="1400" b="0" dirty="0">
-              <a:solidFill>
-                <a:schemeClr val="accent1"/>
-              </a:solidFill>
-              <a:latin typeface="Courier New" charset="0"/>
-              <a:sym typeface="Math1" pitchFamily="2" charset="2"/>
-            </a:endParaRPr>
-          </a:p>
-          <a:p>
-            <a:pPr marL="342900" indent="-342900" algn="l">
-              <a:lnSpc>
-                <a:spcPct val="80000"/>
-              </a:lnSpc>
-              <a:spcBef>
-                <a:spcPct val="20000"/>
-              </a:spcBef>
-            </a:pPr>
-            <a:endParaRPr lang="en-US" sz="2000" b="0" dirty="0">
-              <a:solidFill>
-                <a:schemeClr val="tx1"/>
-              </a:solidFill>
-              <a:latin typeface="Courier New" charset="0"/>
-              <a:sym typeface="Math1" pitchFamily="2" charset="2"/>
-            </a:endParaRPr>
-          </a:p>
-        </p:txBody>
-      </p:sp>
-      <p:sp>
-        <p:nvSpPr>
-          <p:cNvPr id="25606" name="AutoShape 5"/>
-          <p:cNvSpPr>
-            <a:spLocks/>
-          </p:cNvSpPr>
-          <p:nvPr/>
-        </p:nvSpPr>
-        <p:spPr bwMode="auto">
-          <a:xfrm flipH="1">
-            <a:off x="5027613" y="2290763"/>
-            <a:ext cx="306387" cy="2433637"/>
-          </a:xfrm>
-          <a:prstGeom prst="leftBrace">
-            <a:avLst>
-              <a:gd name="adj1" fmla="val 116130"/>
-              <a:gd name="adj2" fmla="val 44255"/>
-            </a:avLst>
-          </a:prstGeom>
-          <a:noFill/>
-          <a:ln w="38100">
-            <a:solidFill>
-              <a:srgbClr val="33CC33"/>
-            </a:solidFill>
-            <a:round/>
-            <a:headEnd/>
-            <a:tailEnd/>
-          </a:ln>
-        </p:spPr>
-        <p:txBody>
-          <a:bodyPr wrap="none" anchor="ctr">
-            <a:prstTxWarp prst="textNoShape">
-              <a:avLst/>
-            </a:prstTxWarp>
-          </a:bodyPr>
-          <a:lstStyle/>
-          <a:p>
-            <a:endParaRPr lang="en-US"/>
-          </a:p>
-        </p:txBody>
-      </p:sp>
-      <p:sp>
-        <p:nvSpPr>
-          <p:cNvPr id="146439" name="Text Box 7"/>
-          <p:cNvSpPr txBox="1">
-            <a:spLocks noChangeArrowheads="1"/>
-          </p:cNvSpPr>
-          <p:nvPr/>
-        </p:nvSpPr>
-        <p:spPr bwMode="auto">
-          <a:xfrm>
-            <a:off x="228600" y="5029200"/>
-            <a:ext cx="8726488" cy="1200329"/>
-          </a:xfrm>
-          <a:prstGeom prst="rect">
-            <a:avLst/>
-          </a:prstGeom>
-          <a:solidFill>
-            <a:schemeClr val="bg1"/>
-          </a:solidFill>
-          <a:ln w="9525">
-            <a:solidFill>
-              <a:schemeClr val="tx1"/>
-            </a:solidFill>
-            <a:miter lim="800000"/>
-            <a:headEnd/>
-            <a:tailEnd/>
-          </a:ln>
-          <a:effectLst>
-            <a:outerShdw dist="107763" dir="2700000" algn="ctr" rotWithShape="0">
-              <a:schemeClr val="bg2">
-                <a:alpha val="50000"/>
-              </a:schemeClr>
-            </a:outerShdw>
-          </a:effectLst>
-        </p:spPr>
-        <p:txBody>
-          <a:bodyPr wrap="square">
-            <a:prstTxWarp prst="textNoShape">
-              <a:avLst/>
-            </a:prstTxWarp>
-            <a:spAutoFit/>
-          </a:bodyPr>
-          <a:lstStyle/>
-          <a:p>
-            <a:pPr algn="l">
-              <a:buFont typeface="Arial" pitchFamily="34" charset="0"/>
-              <a:buChar char="•"/>
-            </a:pPr>
-            <a:r>
-              <a:rPr lang="en-US" b="0" dirty="0" smtClean="0">
-                <a:solidFill>
-                  <a:schemeClr val="tx1"/>
-                </a:solidFill>
-                <a:latin typeface="Century Gothic" charset="0"/>
-              </a:rPr>
-              <a:t> The </a:t>
-            </a:r>
-            <a:r>
-              <a:rPr lang="en-US" dirty="0">
-                <a:solidFill>
-                  <a:schemeClr val="tx1"/>
-                </a:solidFill>
-                <a:latin typeface="Century Gothic" charset="0"/>
-              </a:rPr>
-              <a:t>only</a:t>
-            </a:r>
-            <a:r>
-              <a:rPr lang="en-US" b="0" dirty="0">
-                <a:solidFill>
-                  <a:schemeClr val="tx1"/>
-                </a:solidFill>
-                <a:latin typeface="Century Gothic" charset="0"/>
-              </a:rPr>
-              <a:t> </a:t>
-            </a:r>
-            <a:r>
-              <a:rPr lang="en-US" dirty="0">
-                <a:solidFill>
-                  <a:schemeClr val="tx1"/>
-                </a:solidFill>
-                <a:latin typeface="Century Gothic" charset="0"/>
-              </a:rPr>
-              <a:t>difference </a:t>
-            </a:r>
-            <a:r>
-              <a:rPr lang="en-US" b="0" dirty="0">
-                <a:solidFill>
-                  <a:schemeClr val="tx1"/>
-                </a:solidFill>
-                <a:latin typeface="Century Gothic" charset="0"/>
-              </a:rPr>
-              <a:t>between an LP model and a Quadratic Programming </a:t>
-            </a:r>
-          </a:p>
-          <a:p>
-            <a:pPr algn="l"/>
-            <a:r>
-              <a:rPr lang="en-US" b="0" dirty="0">
-                <a:solidFill>
-                  <a:schemeClr val="tx1"/>
-                </a:solidFill>
-                <a:latin typeface="Century Gothic" charset="0"/>
-              </a:rPr>
-              <a:t>model is the </a:t>
-            </a:r>
-            <a:r>
-              <a:rPr lang="en-US" dirty="0">
-                <a:solidFill>
-                  <a:schemeClr val="tx1"/>
-                </a:solidFill>
-                <a:latin typeface="Century Gothic" charset="0"/>
-              </a:rPr>
-              <a:t>functional form of the OBJECTIVE FUNCTION</a:t>
-            </a:r>
-            <a:r>
-              <a:rPr lang="en-US" b="0" dirty="0" smtClean="0">
-                <a:solidFill>
-                  <a:schemeClr val="tx1"/>
-                </a:solidFill>
-                <a:latin typeface="Century Gothic" charset="0"/>
-              </a:rPr>
-              <a:t>.</a:t>
-            </a:r>
-          </a:p>
-          <a:p>
-            <a:pPr algn="l">
-              <a:buFont typeface="Arial" pitchFamily="34" charset="0"/>
-              <a:buChar char="•"/>
-            </a:pPr>
-            <a:r>
-              <a:rPr lang="en-US" b="0" dirty="0" smtClean="0">
-                <a:solidFill>
-                  <a:schemeClr val="tx1"/>
-                </a:solidFill>
-                <a:latin typeface="Century Gothic" charset="0"/>
-              </a:rPr>
-              <a:t>  Quadratic programming problems are NOT necessarily Convex or Concave programming problems.</a:t>
-            </a:r>
-            <a:endParaRPr lang="en-US" b="0" dirty="0">
-              <a:solidFill>
-                <a:schemeClr val="tx1"/>
-              </a:solidFill>
-              <a:latin typeface="Century Gothic" charset="0"/>
-            </a:endParaRPr>
-          </a:p>
-        </p:txBody>
-      </p:sp>
-      <p:sp>
-        <p:nvSpPr>
-          <p:cNvPr id="25608" name="Text Box 8"/>
-          <p:cNvSpPr txBox="1">
-            <a:spLocks noChangeArrowheads="1"/>
-          </p:cNvSpPr>
-          <p:nvPr/>
-        </p:nvSpPr>
-        <p:spPr bwMode="auto">
-          <a:xfrm>
-            <a:off x="5334000" y="3048000"/>
-            <a:ext cx="3051175" cy="641350"/>
-          </a:xfrm>
-          <a:prstGeom prst="rect">
-            <a:avLst/>
-          </a:prstGeom>
-          <a:noFill/>
-          <a:ln w="9525">
-            <a:noFill/>
-            <a:miter lim="800000"/>
-            <a:headEnd/>
-            <a:tailEnd/>
-          </a:ln>
-        </p:spPr>
-        <p:txBody>
-          <a:bodyPr wrap="none">
-            <a:prstTxWarp prst="textNoShape">
-              <a:avLst/>
-            </a:prstTxWarp>
-            <a:spAutoFit/>
-          </a:bodyPr>
-          <a:lstStyle/>
-          <a:p>
-            <a:pPr algn="l"/>
-            <a:r>
-              <a:rPr lang="en-US">
-                <a:solidFill>
-                  <a:srgbClr val="009900"/>
-                </a:solidFill>
-                <a:latin typeface="Courier New" charset="0"/>
-              </a:rPr>
-              <a:t>Gi and Hi are linear </a:t>
-            </a:r>
-          </a:p>
-          <a:p>
-            <a:pPr algn="l"/>
-            <a:r>
-              <a:rPr lang="en-US">
-                <a:solidFill>
-                  <a:srgbClr val="009900"/>
-                </a:solidFill>
-                <a:latin typeface="Courier New" charset="0"/>
-              </a:rPr>
-              <a:t>functions</a:t>
-            </a:r>
-          </a:p>
-        </p:txBody>
-      </p:sp>
-      <p:sp>
-        <p:nvSpPr>
-          <p:cNvPr id="25609" name="Line 9"/>
-          <p:cNvSpPr>
-            <a:spLocks noChangeShapeType="1"/>
-          </p:cNvSpPr>
-          <p:nvPr/>
-        </p:nvSpPr>
-        <p:spPr bwMode="auto">
-          <a:xfrm>
-            <a:off x="4648200" y="1379538"/>
-            <a:ext cx="227013" cy="0"/>
-          </a:xfrm>
-          <a:prstGeom prst="line">
-            <a:avLst/>
-          </a:prstGeom>
-          <a:noFill/>
-          <a:ln w="38100">
-            <a:solidFill>
-              <a:srgbClr val="FF3300"/>
-            </a:solidFill>
-            <a:round/>
-            <a:headEnd/>
-            <a:tailEnd type="triangle" w="med" len="med"/>
-          </a:ln>
-        </p:spPr>
-        <p:txBody>
-          <a:bodyPr>
-            <a:prstTxWarp prst="textNoShape">
-              <a:avLst/>
-            </a:prstTxWarp>
-          </a:bodyPr>
-          <a:lstStyle/>
-          <a:p>
-            <a:endParaRPr lang="en-US"/>
-          </a:p>
-        </p:txBody>
-      </p:sp>
-      <p:sp>
-        <p:nvSpPr>
-          <p:cNvPr id="10" name="Date Placeholder 9"/>
-          <p:cNvSpPr>
-            <a:spLocks noGrp="1"/>
-          </p:cNvSpPr>
-          <p:nvPr>
-            <p:ph type="dt" sz="half" idx="10"/>
-          </p:nvPr>
-        </p:nvSpPr>
-        <p:spPr/>
-        <p:txBody>
-          <a:bodyPr/>
-          <a:lstStyle/>
-          <a:p>
-            <a:r>
-              <a:rPr lang="en-US" smtClean="0"/>
-              <a:t>10/2/2013,           10/9/2013</a:t>
-            </a:r>
-            <a:endParaRPr lang="en-US" dirty="0"/>
-          </a:p>
-        </p:txBody>
-      </p:sp>
-      <p:sp>
-        <p:nvSpPr>
-          <p:cNvPr id="11" name="Footer Placeholder 4"/>
-          <p:cNvSpPr txBox="1">
-            <a:spLocks noGrp="1"/>
-          </p:cNvSpPr>
-          <p:nvPr/>
-        </p:nvSpPr>
-        <p:spPr bwMode="auto">
-          <a:xfrm>
-            <a:off x="1981200" y="6264275"/>
-            <a:ext cx="5410200" cy="457200"/>
-          </a:xfrm>
-          <a:prstGeom prst="rect">
-            <a:avLst/>
-          </a:prstGeom>
-          <a:noFill/>
-          <a:ln w="9525">
-            <a:noFill/>
-            <a:miter lim="800000"/>
-            <a:headEnd/>
-            <a:tailEnd/>
-          </a:ln>
-        </p:spPr>
-        <p:txBody>
-          <a:bodyPr/>
-          <a:lstStyle/>
-          <a:p>
-            <a:pPr>
-              <a:defRPr/>
-            </a:pPr>
-            <a:r>
-              <a:rPr lang="en-US" sz="1400" b="0" dirty="0">
-                <a:solidFill>
-                  <a:schemeClr val="tx1"/>
-                </a:solidFill>
-                <a:latin typeface="Century Gothic" pitchFamily="34" charset="0"/>
-              </a:rPr>
-              <a:t>Professor Dong, Washington University in St. Louis, MO</a:t>
-            </a:r>
-          </a:p>
-        </p:txBody>
-      </p:sp>
-    </p:spTree>
-  </p:cSld>
-  <p:clrMapOvr>
-    <a:masterClrMapping/>
-  </p:clrMapOvr>
-  <p:transition>
-    <p:random/>
-  </p:transition>
-  <p:timing>
-    <p:tnLst>
-      <p:par>
-        <p:cTn id="1" dur="indefinite" restart="never" nodeType="tmRoot"/>
+        <p:cTn xmlns:p14="http://schemas.microsoft.com/office/powerpoint/2010/main" id="1" dur="indefinite" restart="never" nodeType="tmRoot"/>
       </p:par>
     </p:tnLst>
   </p:timing>
@@ -12887,7 +12278,7 @@
           <a:lstStyle/>
           <a:p>
             <a:r>
-              <a:rPr lang="en-US"/>
+              <a:rPr lang="en-US" dirty="0"/>
               <a:t>Agenda</a:t>
             </a:r>
           </a:p>
@@ -12909,8 +12300,19 @@
           <a:lstStyle/>
           <a:p>
             <a:r>
+              <a:rPr lang="en-US" b="1" dirty="0" smtClean="0"/>
+              <a:t>Problems beyond linear programming</a:t>
+            </a:r>
+            <a:endParaRPr lang="en-US" b="1" dirty="0" smtClean="0"/>
+          </a:p>
+          <a:p>
+            <a:r>
+              <a:rPr lang="en-US" b="1" dirty="0" smtClean="0"/>
+              <a:t>Definition </a:t>
+            </a:r>
+            <a:r>
               <a:rPr lang="en-US" b="1" dirty="0"/>
-              <a:t>Definition of nonlinear programming (NLP) problems</a:t>
+              <a:t>of nonlinear programming (NLP) problems</a:t>
             </a:r>
           </a:p>
           <a:p>
@@ -13046,13 +12448,13 @@
   <p:clrMapOvr>
     <a:masterClrMapping/>
   </p:clrMapOvr>
-  <p:transition>
+  <p:transition xmlns:p14="http://schemas.microsoft.com/office/powerpoint/2010/main">
     <p:random/>
   </p:transition>
   <p:timing>
     <p:tnLst>
       <p:par>
-        <p:cTn id="1" dur="indefinite" restart="never" nodeType="tmRoot">
+        <p:cTn xmlns:p14="http://schemas.microsoft.com/office/powerpoint/2010/main" id="1" dur="indefinite" restart="never" nodeType="tmRoot">
           <p:childTnLst>
             <p:seq concurrent="1" nextAc="seek">
               <p:cTn id="2" dur="indefinite" nodeType="mainSeq">
@@ -13112,15 +12514,33 @@
                                   </p:childTnLst>
                                 </p:cTn>
                               </p:par>
+                            </p:childTnLst>
+                          </p:cTn>
+                        </p:par>
+                      </p:childTnLst>
+                    </p:cTn>
+                  </p:par>
+                  <p:par>
+                    <p:cTn id="8" fill="hold">
+                      <p:stCondLst>
+                        <p:cond delay="indefinite"/>
+                      </p:stCondLst>
+                      <p:childTnLst>
+                        <p:par>
+                          <p:cTn id="9" fill="hold">
+                            <p:stCondLst>
+                              <p:cond delay="0"/>
+                            </p:stCondLst>
+                            <p:childTnLst>
                               <p:par>
-                                <p:cTn id="8" presetID="9" presetClass="entr" presetSubtype="0" fill="hold" grpId="0" nodeType="withEffect">
+                                <p:cTn id="10" presetID="9" presetClass="entr" presetSubtype="0" fill="hold" grpId="0" nodeType="clickEffect">
                                   <p:stCondLst>
                                     <p:cond delay="0"/>
                                   </p:stCondLst>
                                   <p:childTnLst>
                                     <p:set>
                                       <p:cBhvr>
-                                        <p:cTn id="9" dur="1" fill="hold">
+                                        <p:cTn id="11" dur="1" fill="hold">
                                           <p:stCondLst>
                                             <p:cond delay="0"/>
                                           </p:stCondLst>
@@ -13142,7 +12562,7 @@
                                     </p:set>
                                     <p:animEffect transition="in" filter="dissolve">
                                       <p:cBhvr>
-                                        <p:cTn id="10" dur="500"/>
+                                        <p:cTn id="12" dur="500"/>
                                         <p:tgtEl>
                                           <p:spTgt spid="114691">
                                             <p:txEl>
@@ -13156,14 +12576,14 @@
                                 </p:cTn>
                               </p:par>
                               <p:par>
-                                <p:cTn id="11" presetID="9" presetClass="entr" presetSubtype="0" fill="hold" grpId="0" nodeType="withEffect">
+                                <p:cTn id="13" presetID="9" presetClass="entr" presetSubtype="0" fill="hold" grpId="0" nodeType="withEffect">
                                   <p:stCondLst>
                                     <p:cond delay="0"/>
                                   </p:stCondLst>
                                   <p:childTnLst>
                                     <p:set>
                                       <p:cBhvr>
-                                        <p:cTn id="12" dur="1" fill="hold">
+                                        <p:cTn id="14" dur="1" fill="hold">
                                           <p:stCondLst>
                                             <p:cond delay="0"/>
                                           </p:stCondLst>
@@ -13185,7 +12605,7 @@
                                     </p:set>
                                     <p:animEffect transition="in" filter="dissolve">
                                       <p:cBhvr>
-                                        <p:cTn id="13" dur="500"/>
+                                        <p:cTn id="15" dur="500"/>
                                         <p:tgtEl>
                                           <p:spTgt spid="114691">
                                             <p:txEl>
@@ -13199,14 +12619,14 @@
                                 </p:cTn>
                               </p:par>
                               <p:par>
-                                <p:cTn id="14" presetID="9" presetClass="entr" presetSubtype="0" fill="hold" grpId="0" nodeType="withEffect">
+                                <p:cTn id="16" presetID="9" presetClass="entr" presetSubtype="0" fill="hold" grpId="0" nodeType="withEffect">
                                   <p:stCondLst>
                                     <p:cond delay="0"/>
                                   </p:stCondLst>
                                   <p:childTnLst>
                                     <p:set>
                                       <p:cBhvr>
-                                        <p:cTn id="15" dur="1" fill="hold">
+                                        <p:cTn id="17" dur="1" fill="hold">
                                           <p:stCondLst>
                                             <p:cond delay="0"/>
                                           </p:stCondLst>
@@ -13228,7 +12648,7 @@
                                     </p:set>
                                     <p:animEffect transition="in" filter="dissolve">
                                       <p:cBhvr>
-                                        <p:cTn id="16" dur="500"/>
+                                        <p:cTn id="18" dur="500"/>
                                         <p:tgtEl>
                                           <p:spTgt spid="114691">
                                             <p:txEl>
@@ -13241,26 +12661,8 @@
                                   </p:childTnLst>
                                 </p:cTn>
                               </p:par>
-                            </p:childTnLst>
-                          </p:cTn>
-                        </p:par>
-                      </p:childTnLst>
-                    </p:cTn>
-                  </p:par>
-                  <p:par>
-                    <p:cTn id="17" fill="hold">
-                      <p:stCondLst>
-                        <p:cond delay="indefinite"/>
-                      </p:stCondLst>
-                      <p:childTnLst>
-                        <p:par>
-                          <p:cTn id="18" fill="hold">
-                            <p:stCondLst>
-                              <p:cond delay="0"/>
-                            </p:stCondLst>
-                            <p:childTnLst>
                               <p:par>
-                                <p:cTn id="19" presetID="9" presetClass="entr" presetSubtype="0" fill="hold" grpId="0" nodeType="clickEffect">
+                                <p:cTn id="19" presetID="9" presetClass="entr" presetSubtype="0" fill="hold" grpId="0" nodeType="withEffect">
                                   <p:stCondLst>
                                     <p:cond delay="0"/>
                                   </p:stCondLst>
@@ -13552,6 +12954,67 @@
                       </p:childTnLst>
                     </p:cTn>
                   </p:par>
+                  <p:par>
+                    <p:cTn id="42" fill="hold">
+                      <p:stCondLst>
+                        <p:cond delay="indefinite"/>
+                      </p:stCondLst>
+                      <p:childTnLst>
+                        <p:par>
+                          <p:cTn id="43" fill="hold">
+                            <p:stCondLst>
+                              <p:cond delay="0"/>
+                            </p:stCondLst>
+                            <p:childTnLst>
+                              <p:par>
+                                <p:cTn id="44" presetID="9" presetClass="entr" presetSubtype="0" fill="hold" grpId="0" nodeType="clickEffect">
+                                  <p:stCondLst>
+                                    <p:cond delay="0"/>
+                                  </p:stCondLst>
+                                  <p:childTnLst>
+                                    <p:set>
+                                      <p:cBhvr>
+                                        <p:cTn id="45" dur="1" fill="hold">
+                                          <p:stCondLst>
+                                            <p:cond delay="0"/>
+                                          </p:stCondLst>
+                                        </p:cTn>
+                                        <p:tgtEl>
+                                          <p:spTgt spid="114691">
+                                            <p:txEl>
+                                              <p:pRg st="9" end="9"/>
+                                            </p:txEl>
+                                          </p:spTgt>
+                                        </p:tgtEl>
+                                        <p:attrNameLst>
+                                          <p:attrName>style.visibility</p:attrName>
+                                        </p:attrNameLst>
+                                      </p:cBhvr>
+                                      <p:to>
+                                        <p:strVal val="visible"/>
+                                      </p:to>
+                                    </p:set>
+                                    <p:animEffect transition="in" filter="dissolve">
+                                      <p:cBhvr>
+                                        <p:cTn id="46" dur="500"/>
+                                        <p:tgtEl>
+                                          <p:spTgt spid="114691">
+                                            <p:txEl>
+                                              <p:pRg st="9" end="9"/>
+                                            </p:txEl>
+                                          </p:spTgt>
+                                        </p:tgtEl>
+                                      </p:cBhvr>
+                                    </p:animEffect>
+                                  </p:childTnLst>
+                                </p:cTn>
+                              </p:par>
+                            </p:childTnLst>
+                          </p:cTn>
+                        </p:par>
+                      </p:childTnLst>
+                    </p:cTn>
+                  </p:par>
                 </p:childTnLst>
               </p:cTn>
               <p:prevCondLst>
@@ -13599,7 +13062,7 @@
       </p:grpSpPr>
       <p:sp>
         <p:nvSpPr>
-          <p:cNvPr id="21507" name="Slide Number Placeholder 4"/>
+          <p:cNvPr id="25603" name="Slide Number Placeholder 4"/>
           <p:cNvSpPr>
             <a:spLocks noGrp="1"/>
           </p:cNvSpPr>
@@ -13614,21 +13077,21 @@
           <a:bodyPr/>
           <a:lstStyle/>
           <a:p>
-            <a:endParaRPr lang="en-US" dirty="0"/>
-          </a:p>
-          <a:p>
-            <a:fld id="{D59C7FC4-8085-0240-86BE-CCAB81E7DA19}" type="slidenum">
+            <a:endParaRPr lang="en-US"/>
+          </a:p>
+          <a:p>
+            <a:fld id="{AA5AE0F8-D706-F04B-ADCF-DFBC2DB41592}" type="slidenum">
               <a:rPr lang="en-US"/>
               <a:pPr/>
               <a:t>20</a:t>
             </a:fld>
-            <a:endParaRPr lang="en-US" dirty="0"/>
-          </a:p>
-        </p:txBody>
-      </p:sp>
-      <p:sp>
-        <p:nvSpPr>
-          <p:cNvPr id="21508" name="Rectangle 2"/>
+            <a:endParaRPr lang="en-US"/>
+          </a:p>
+        </p:txBody>
+      </p:sp>
+      <p:sp>
+        <p:nvSpPr>
+          <p:cNvPr id="25604" name="Rectangle 2"/>
           <p:cNvSpPr>
             <a:spLocks noGrp="1" noChangeArrowheads="1"/>
           </p:cNvSpPr>
@@ -13643,54 +13106,1484 @@
           <a:p>
             <a:r>
               <a:rPr lang="en-US"/>
-              <a:t>Two Examples</a:t>
-            </a:r>
-          </a:p>
-        </p:txBody>
-      </p:sp>
-      <p:sp>
-        <p:nvSpPr>
-          <p:cNvPr id="21509" name="Rectangle 3"/>
+              <a:t>Quadratic Programming Problems</a:t>
+            </a:r>
+          </a:p>
+        </p:txBody>
+      </p:sp>
+      <p:sp>
+        <p:nvSpPr>
+          <p:cNvPr id="146436" name="Rectangle 4"/>
           <p:cNvSpPr>
-            <a:spLocks noGrp="1" noChangeArrowheads="1"/>
+            <a:spLocks noChangeArrowheads="1"/>
           </p:cNvSpPr>
-          <p:nvPr>
-            <p:ph type="body" idx="1"/>
-          </p:nvPr>
-        </p:nvSpPr>
-        <p:spPr/>
-        <p:txBody>
-          <a:bodyPr/>
+          <p:nvPr/>
+        </p:nvSpPr>
+        <p:spPr bwMode="auto">
+          <a:xfrm>
+            <a:off x="685800" y="1219200"/>
+            <a:ext cx="8153400" cy="3657600"/>
+          </a:xfrm>
+          <a:prstGeom prst="rect">
+            <a:avLst/>
+          </a:prstGeom>
+          <a:solidFill>
+            <a:schemeClr val="bg1"/>
+          </a:solidFill>
+          <a:ln w="9525">
+            <a:solidFill>
+              <a:schemeClr val="tx1"/>
+            </a:solidFill>
+            <a:miter lim="800000"/>
+            <a:headEnd/>
+            <a:tailEnd/>
+          </a:ln>
+          <a:effectLst>
+            <a:outerShdw dist="107763" dir="2700000" algn="ctr" rotWithShape="0">
+              <a:schemeClr val="bg2">
+                <a:alpha val="50000"/>
+              </a:schemeClr>
+            </a:outerShdw>
+          </a:effectLst>
+        </p:spPr>
+        <p:txBody>
+          <a:bodyPr>
+            <a:prstTxWarp prst="textNoShape">
+              <a:avLst/>
+            </a:prstTxWarp>
+          </a:bodyPr>
           <a:lstStyle/>
           <a:p>
-            <a:r>
-              <a:rPr lang="en-US" b="1" dirty="0"/>
-              <a:t>Cost Modeling (Blackboard) </a:t>
-            </a:r>
-          </a:p>
-          <a:p>
-            <a:endParaRPr lang="en-US" dirty="0"/>
-          </a:p>
-          <a:p>
-            <a:endParaRPr lang="en-US" dirty="0"/>
-          </a:p>
-          <a:p>
-            <a:endParaRPr lang="en-US" dirty="0"/>
-          </a:p>
-          <a:p>
-            <a:endParaRPr lang="en-US" dirty="0"/>
-          </a:p>
-          <a:p>
-            <a:r>
-              <a:rPr lang="en-US" b="1" dirty="0"/>
-              <a:t>Charity Advertising Budget (Blackboard)</a:t>
-            </a:r>
-          </a:p>
-        </p:txBody>
-      </p:sp>
-      <p:sp>
-        <p:nvSpPr>
-          <p:cNvPr id="6" name="Date Placeholder 5"/>
+            <a:pPr marL="342900" indent="-342900" algn="l">
+              <a:lnSpc>
+                <a:spcPct val="80000"/>
+              </a:lnSpc>
+              <a:spcBef>
+                <a:spcPct val="20000"/>
+              </a:spcBef>
+            </a:pPr>
+            <a:r>
+              <a:rPr lang="en-US" sz="2000" b="0" dirty="0">
+                <a:solidFill>
+                  <a:schemeClr val="tx1"/>
+                </a:solidFill>
+                <a:latin typeface="Courier New" charset="0"/>
+              </a:rPr>
+              <a:t>MAX (MIN)    </a:t>
+            </a:r>
+            <a:r>
+              <a:rPr lang="en-US" sz="2000" b="0" dirty="0">
+                <a:solidFill>
+                  <a:srgbClr val="FF3300"/>
+                </a:solidFill>
+                <a:latin typeface="Courier New" charset="0"/>
+              </a:rPr>
+              <a:t>F(x</a:t>
+            </a:r>
+            <a:r>
+              <a:rPr lang="en-US" sz="2000" b="0" baseline="-25000" dirty="0">
+                <a:solidFill>
+                  <a:srgbClr val="FF3300"/>
+                </a:solidFill>
+                <a:latin typeface="Courier New" charset="0"/>
+              </a:rPr>
+              <a:t>1</a:t>
+            </a:r>
+            <a:r>
+              <a:rPr lang="en-US" sz="2000" b="0" dirty="0">
+                <a:solidFill>
+                  <a:srgbClr val="FF3300"/>
+                </a:solidFill>
+                <a:latin typeface="Courier New" charset="0"/>
+              </a:rPr>
+              <a:t>,x</a:t>
+            </a:r>
+            <a:r>
+              <a:rPr lang="en-US" sz="2000" b="0" baseline="-25000" dirty="0">
+                <a:solidFill>
+                  <a:srgbClr val="FF3300"/>
+                </a:solidFill>
+                <a:latin typeface="Courier New" charset="0"/>
+              </a:rPr>
+              <a:t>2</a:t>
+            </a:r>
+            <a:r>
+              <a:rPr lang="en-US" sz="2000" b="0" dirty="0">
+                <a:solidFill>
+                  <a:srgbClr val="FF3300"/>
+                </a:solidFill>
+                <a:latin typeface="Courier New" charset="0"/>
+              </a:rPr>
+              <a:t>,…,</a:t>
+            </a:r>
+            <a:r>
+              <a:rPr lang="en-US" sz="2000" b="0" dirty="0" err="1">
+                <a:solidFill>
+                  <a:srgbClr val="FF3300"/>
+                </a:solidFill>
+                <a:latin typeface="Courier New" charset="0"/>
+              </a:rPr>
+              <a:t>x</a:t>
+            </a:r>
+            <a:r>
+              <a:rPr lang="en-US" sz="2000" b="0" baseline="-25000" dirty="0" err="1">
+                <a:solidFill>
+                  <a:srgbClr val="FF3300"/>
+                </a:solidFill>
+                <a:latin typeface="Courier New" charset="0"/>
+              </a:rPr>
+              <a:t>n</a:t>
+            </a:r>
+            <a:r>
+              <a:rPr lang="en-US" sz="2000" b="0" dirty="0">
+                <a:solidFill>
+                  <a:srgbClr val="FF3300"/>
+                </a:solidFill>
+                <a:latin typeface="Courier New" charset="0"/>
+              </a:rPr>
+              <a:t>)  </a:t>
+            </a:r>
+            <a:r>
+              <a:rPr lang="en-US" sz="2000" dirty="0">
+                <a:solidFill>
+                  <a:srgbClr val="FF3300"/>
+                </a:solidFill>
+                <a:latin typeface="Courier New" charset="0"/>
+              </a:rPr>
+              <a:t>F is a </a:t>
+            </a:r>
+            <a:r>
+              <a:rPr lang="en-US" sz="2000" u="sng" dirty="0">
+                <a:solidFill>
+                  <a:srgbClr val="FF3300"/>
+                </a:solidFill>
+                <a:latin typeface="Courier New" charset="0"/>
+              </a:rPr>
+              <a:t>quadratic</a:t>
+            </a:r>
+            <a:r>
+              <a:rPr lang="en-US" sz="2000" dirty="0">
+                <a:solidFill>
+                  <a:srgbClr val="FF3300"/>
+                </a:solidFill>
+                <a:latin typeface="Courier New" charset="0"/>
+              </a:rPr>
+              <a:t> function</a:t>
+            </a:r>
+          </a:p>
+          <a:p>
+            <a:pPr marL="342900" indent="-342900" algn="l">
+              <a:lnSpc>
+                <a:spcPct val="80000"/>
+              </a:lnSpc>
+              <a:spcBef>
+                <a:spcPct val="20000"/>
+              </a:spcBef>
+            </a:pPr>
+            <a:r>
+              <a:rPr lang="en-US" sz="2000" dirty="0">
+                <a:solidFill>
+                  <a:srgbClr val="FF3300"/>
+                </a:solidFill>
+                <a:latin typeface="Courier New" charset="0"/>
+              </a:rPr>
+              <a:t>  </a:t>
+            </a:r>
+            <a:r>
+              <a:rPr lang="en-US" sz="2000" dirty="0" smtClean="0">
+                <a:solidFill>
+                  <a:srgbClr val="FF3300"/>
+                </a:solidFill>
+                <a:latin typeface="Courier New" charset="0"/>
+              </a:rPr>
+              <a:t>	F=Σ</a:t>
+            </a:r>
+            <a:r>
+              <a:rPr lang="en-US" sz="2000" baseline="-25000" dirty="0" smtClean="0">
+                <a:solidFill>
+                  <a:srgbClr val="FF3300"/>
+                </a:solidFill>
+                <a:latin typeface="Courier New" charset="0"/>
+                <a:sym typeface="Symbol" charset="2"/>
+              </a:rPr>
+              <a:t>i</a:t>
+            </a:r>
+            <a:r>
+              <a:rPr lang="en-US" sz="2000" dirty="0" smtClean="0">
+                <a:solidFill>
+                  <a:srgbClr val="FF3300"/>
+                </a:solidFill>
+                <a:latin typeface="Courier New" charset="0"/>
+                <a:sym typeface="Math1" pitchFamily="2" charset="2"/>
+              </a:rPr>
+              <a:t>A</a:t>
+            </a:r>
+            <a:r>
+              <a:rPr lang="en-US" sz="2000" baseline="-25000" dirty="0" smtClean="0">
+                <a:solidFill>
+                  <a:srgbClr val="FF3300"/>
+                </a:solidFill>
+                <a:latin typeface="Courier New" charset="0"/>
+                <a:sym typeface="Math1" pitchFamily="2" charset="2"/>
+              </a:rPr>
+              <a:t>i</a:t>
+            </a:r>
+            <a:r>
+              <a:rPr lang="en-US" sz="2000" dirty="0" smtClean="0">
+                <a:solidFill>
+                  <a:srgbClr val="FF3300"/>
+                </a:solidFill>
+                <a:latin typeface="Courier New" charset="0"/>
+                <a:sym typeface="Math1" pitchFamily="2" charset="2"/>
+              </a:rPr>
+              <a:t>X</a:t>
+            </a:r>
+            <a:r>
+              <a:rPr lang="en-US" sz="2000" baseline="-25000" dirty="0" smtClean="0">
+                <a:solidFill>
+                  <a:srgbClr val="FF3300"/>
+                </a:solidFill>
+                <a:latin typeface="Courier New" charset="0"/>
+                <a:sym typeface="Math1" pitchFamily="2" charset="2"/>
+              </a:rPr>
+              <a:t>i</a:t>
+            </a:r>
+            <a:r>
+              <a:rPr lang="en-US" sz="2000" baseline="30000" dirty="0" smtClean="0">
+                <a:solidFill>
+                  <a:srgbClr val="FF3300"/>
+                </a:solidFill>
+                <a:latin typeface="Courier New" charset="0"/>
+                <a:sym typeface="Math1" pitchFamily="2" charset="2"/>
+              </a:rPr>
+              <a:t>2</a:t>
+            </a:r>
+            <a:r>
+              <a:rPr lang="en-US" sz="2000" dirty="0" smtClean="0">
+                <a:solidFill>
+                  <a:srgbClr val="FF3300"/>
+                </a:solidFill>
+                <a:latin typeface="Courier New" charset="0"/>
+                <a:sym typeface="Math1" pitchFamily="2" charset="2"/>
+              </a:rPr>
+              <a:t>+Σ</a:t>
+            </a:r>
+            <a:r>
+              <a:rPr lang="en-US" sz="2000" baseline="-25000" dirty="0" smtClean="0">
+                <a:solidFill>
+                  <a:srgbClr val="FF3300"/>
+                </a:solidFill>
+                <a:latin typeface="Courier New" charset="0"/>
+                <a:sym typeface="Symbol" charset="2"/>
+              </a:rPr>
+              <a:t>i</a:t>
+            </a:r>
+            <a:r>
+              <a:rPr lang="en-US" sz="2000" dirty="0" smtClean="0">
+                <a:solidFill>
+                  <a:srgbClr val="FF3300"/>
+                </a:solidFill>
+                <a:latin typeface="Courier New" charset="0"/>
+                <a:sym typeface="Symbol" charset="2"/>
+              </a:rPr>
+              <a:t>Σ</a:t>
+            </a:r>
+            <a:r>
+              <a:rPr lang="en-US" sz="2000" baseline="-25000" dirty="0" smtClean="0">
+                <a:solidFill>
+                  <a:srgbClr val="FF3300"/>
+                </a:solidFill>
+                <a:latin typeface="Courier New" charset="0"/>
+                <a:sym typeface="Symbol" charset="2"/>
+              </a:rPr>
+              <a:t>j</a:t>
+            </a:r>
+            <a:r>
+              <a:rPr lang="en-US" sz="2000" dirty="0" smtClean="0">
+                <a:solidFill>
+                  <a:srgbClr val="FF3300"/>
+                </a:solidFill>
+                <a:latin typeface="Courier New" charset="0"/>
+                <a:sym typeface="Math1" pitchFamily="2" charset="2"/>
+              </a:rPr>
+              <a:t>B</a:t>
+            </a:r>
+            <a:r>
+              <a:rPr lang="en-US" sz="2000" baseline="-25000" dirty="0" smtClean="0">
+                <a:solidFill>
+                  <a:srgbClr val="FF3300"/>
+                </a:solidFill>
+                <a:latin typeface="Courier New" charset="0"/>
+                <a:sym typeface="Math1" pitchFamily="2" charset="2"/>
+              </a:rPr>
+              <a:t>ij</a:t>
+            </a:r>
+            <a:r>
+              <a:rPr lang="en-US" sz="2000" dirty="0" smtClean="0">
+                <a:solidFill>
+                  <a:srgbClr val="FF3300"/>
+                </a:solidFill>
+                <a:latin typeface="Courier New" charset="0"/>
+                <a:sym typeface="Math1" pitchFamily="2" charset="2"/>
+              </a:rPr>
+              <a:t>X</a:t>
+            </a:r>
+            <a:r>
+              <a:rPr lang="en-US" sz="2000" baseline="-25000" dirty="0" smtClean="0">
+                <a:solidFill>
+                  <a:srgbClr val="FF3300"/>
+                </a:solidFill>
+                <a:latin typeface="Courier New" charset="0"/>
+                <a:sym typeface="Math1" pitchFamily="2" charset="2"/>
+              </a:rPr>
+              <a:t>i</a:t>
+            </a:r>
+            <a:r>
+              <a:rPr lang="en-US" sz="2000" dirty="0" smtClean="0">
+                <a:solidFill>
+                  <a:srgbClr val="FF3300"/>
+                </a:solidFill>
+                <a:latin typeface="Courier New" charset="0"/>
+                <a:sym typeface="Math1" pitchFamily="2" charset="2"/>
+              </a:rPr>
+              <a:t>X</a:t>
+            </a:r>
+            <a:r>
+              <a:rPr lang="en-US" sz="2000" baseline="-25000" dirty="0" smtClean="0">
+                <a:solidFill>
+                  <a:srgbClr val="FF3300"/>
+                </a:solidFill>
+                <a:latin typeface="Courier New" charset="0"/>
+                <a:sym typeface="Math1" pitchFamily="2" charset="2"/>
+              </a:rPr>
+              <a:t>j</a:t>
+            </a:r>
+            <a:r>
+              <a:rPr lang="en-US" sz="2000" dirty="0" smtClean="0">
+                <a:solidFill>
+                  <a:srgbClr val="FF3300"/>
+                </a:solidFill>
+                <a:latin typeface="Courier New" charset="0"/>
+                <a:sym typeface="Math1" pitchFamily="2" charset="2"/>
+              </a:rPr>
+              <a:t>+</a:t>
+            </a:r>
+            <a:r>
+              <a:rPr lang="en-US" sz="2000" dirty="0" smtClean="0">
+                <a:solidFill>
+                  <a:srgbClr val="FF3300"/>
+                </a:solidFill>
+                <a:latin typeface="Courier New" charset="0"/>
+                <a:sym typeface="Symbol" charset="2"/>
+              </a:rPr>
+              <a:t>Σ</a:t>
+            </a:r>
+            <a:r>
+              <a:rPr lang="en-US" sz="2000" baseline="-25000" dirty="0" smtClean="0">
+                <a:solidFill>
+                  <a:srgbClr val="FF3300"/>
+                </a:solidFill>
+                <a:latin typeface="Courier New" charset="0"/>
+                <a:sym typeface="Symbol" charset="2"/>
+              </a:rPr>
+              <a:t>i</a:t>
+            </a:r>
+            <a:r>
+              <a:rPr lang="en-US" sz="2000" dirty="0" smtClean="0">
+                <a:solidFill>
+                  <a:srgbClr val="FF3300"/>
+                </a:solidFill>
+                <a:latin typeface="Courier New" charset="0"/>
+                <a:sym typeface="Math1" pitchFamily="2" charset="2"/>
+              </a:rPr>
+              <a:t>C</a:t>
+            </a:r>
+            <a:r>
+              <a:rPr lang="en-US" sz="2000" baseline="-25000" dirty="0" smtClean="0">
+                <a:solidFill>
+                  <a:srgbClr val="FF3300"/>
+                </a:solidFill>
+                <a:latin typeface="Courier New" charset="0"/>
+                <a:sym typeface="Math1" pitchFamily="2" charset="2"/>
+              </a:rPr>
+              <a:t>i</a:t>
+            </a:r>
+            <a:r>
+              <a:rPr lang="en-US" sz="2000" dirty="0" smtClean="0">
+                <a:solidFill>
+                  <a:srgbClr val="FF3300"/>
+                </a:solidFill>
+                <a:latin typeface="Courier New" charset="0"/>
+                <a:sym typeface="Math1" pitchFamily="2" charset="2"/>
+              </a:rPr>
+              <a:t>X</a:t>
+            </a:r>
+            <a:r>
+              <a:rPr lang="en-US" sz="2000" baseline="-25000" dirty="0" smtClean="0">
+                <a:solidFill>
+                  <a:srgbClr val="FF3300"/>
+                </a:solidFill>
+                <a:latin typeface="Courier New" charset="0"/>
+                <a:sym typeface="Math1" pitchFamily="2" charset="2"/>
+              </a:rPr>
+              <a:t>i</a:t>
+            </a:r>
+            <a:r>
+              <a:rPr lang="en-US" sz="2000" dirty="0">
+                <a:solidFill>
+                  <a:srgbClr val="FF3300"/>
+                </a:solidFill>
+                <a:latin typeface="Courier New" charset="0"/>
+                <a:sym typeface="Math1" pitchFamily="2" charset="2"/>
+              </a:rPr>
+              <a:t>+D</a:t>
+            </a:r>
+          </a:p>
+          <a:p>
+            <a:pPr marL="342900" indent="-342900" algn="l">
+              <a:lnSpc>
+                <a:spcPct val="80000"/>
+              </a:lnSpc>
+              <a:spcBef>
+                <a:spcPct val="20000"/>
+              </a:spcBef>
+            </a:pPr>
+            <a:r>
+              <a:rPr lang="en-US" sz="2000" b="0" dirty="0">
+                <a:solidFill>
+                  <a:schemeClr val="tx1"/>
+                </a:solidFill>
+                <a:latin typeface="Courier New" charset="0"/>
+              </a:rPr>
+              <a:t>ST</a:t>
+            </a:r>
+          </a:p>
+          <a:p>
+            <a:pPr marL="342900" indent="-342900" algn="l">
+              <a:lnSpc>
+                <a:spcPct val="80000"/>
+              </a:lnSpc>
+              <a:spcBef>
+                <a:spcPct val="20000"/>
+              </a:spcBef>
+            </a:pPr>
+            <a:r>
+              <a:rPr lang="en-US" sz="2000" b="0" dirty="0">
+                <a:solidFill>
+                  <a:schemeClr val="tx1"/>
+                </a:solidFill>
+                <a:latin typeface="Courier New" charset="0"/>
+              </a:rPr>
+              <a:t>			 </a:t>
+            </a:r>
+            <a:r>
+              <a:rPr lang="en-US" sz="1600" dirty="0">
+                <a:solidFill>
+                  <a:schemeClr val="accent1"/>
+                </a:solidFill>
+                <a:latin typeface="Courier New" charset="0"/>
+              </a:rPr>
+              <a:t>G</a:t>
+            </a:r>
+            <a:r>
+              <a:rPr lang="en-US" sz="1600" baseline="-25000" dirty="0">
+                <a:solidFill>
+                  <a:schemeClr val="accent1"/>
+                </a:solidFill>
+                <a:latin typeface="Courier New" charset="0"/>
+              </a:rPr>
+              <a:t>1</a:t>
+            </a:r>
+            <a:r>
+              <a:rPr lang="en-US" sz="1600" dirty="0">
+                <a:solidFill>
+                  <a:schemeClr val="accent1"/>
+                </a:solidFill>
+                <a:latin typeface="Courier New" charset="0"/>
+              </a:rPr>
+              <a:t>(x1,x2,…,</a:t>
+            </a:r>
+            <a:r>
+              <a:rPr lang="en-US" sz="1600" dirty="0" err="1">
+                <a:solidFill>
+                  <a:schemeClr val="accent1"/>
+                </a:solidFill>
+                <a:latin typeface="Courier New" charset="0"/>
+              </a:rPr>
+              <a:t>x</a:t>
+            </a:r>
+            <a:r>
+              <a:rPr lang="en-US" sz="1600" baseline="-25000" dirty="0" err="1">
+                <a:solidFill>
+                  <a:schemeClr val="accent1"/>
+                </a:solidFill>
+                <a:latin typeface="Courier New" charset="0"/>
+              </a:rPr>
+              <a:t>n</a:t>
+            </a:r>
+            <a:r>
+              <a:rPr lang="en-US" sz="1600" dirty="0">
+                <a:solidFill>
+                  <a:schemeClr val="accent1"/>
+                </a:solidFill>
+                <a:latin typeface="Courier New" charset="0"/>
+              </a:rPr>
+              <a:t>)</a:t>
+            </a:r>
+            <a:r>
+              <a:rPr lang="en-US" sz="1600" dirty="0">
+                <a:solidFill>
+                  <a:schemeClr val="accent1"/>
+                </a:solidFill>
+                <a:latin typeface="Courier New" charset="0"/>
+                <a:sym typeface="Math1" pitchFamily="2" charset="2"/>
+              </a:rPr>
+              <a:t>= B</a:t>
+            </a:r>
+            <a:r>
+              <a:rPr lang="en-US" sz="1600" baseline="-25000" dirty="0">
+                <a:solidFill>
+                  <a:schemeClr val="accent1"/>
+                </a:solidFill>
+                <a:latin typeface="Courier New" charset="0"/>
+                <a:sym typeface="Math1" pitchFamily="2" charset="2"/>
+              </a:rPr>
+              <a:t>1</a:t>
+            </a:r>
+            <a:endParaRPr lang="en-US" sz="1600" dirty="0">
+              <a:solidFill>
+                <a:schemeClr val="accent1"/>
+              </a:solidFill>
+              <a:latin typeface="Courier New" charset="0"/>
+              <a:sym typeface="Math1" pitchFamily="2" charset="2"/>
+            </a:endParaRPr>
+          </a:p>
+          <a:p>
+            <a:pPr marL="342900" indent="-342900" algn="l">
+              <a:lnSpc>
+                <a:spcPct val="80000"/>
+              </a:lnSpc>
+              <a:spcBef>
+                <a:spcPct val="20000"/>
+              </a:spcBef>
+            </a:pPr>
+            <a:r>
+              <a:rPr lang="en-US" sz="1600" dirty="0">
+                <a:solidFill>
+                  <a:schemeClr val="accent1"/>
+                </a:solidFill>
+                <a:latin typeface="Courier New" charset="0"/>
+                <a:sym typeface="Math1" pitchFamily="2" charset="2"/>
+              </a:rPr>
+              <a:t>	   		 </a:t>
+            </a:r>
+            <a:r>
+              <a:rPr lang="en-US" sz="1600" dirty="0">
+                <a:solidFill>
+                  <a:schemeClr val="accent1"/>
+                </a:solidFill>
+                <a:latin typeface="Courier New" charset="0"/>
+              </a:rPr>
+              <a:t>G</a:t>
+            </a:r>
+            <a:r>
+              <a:rPr lang="en-US" sz="1600" baseline="-25000" dirty="0">
+                <a:solidFill>
+                  <a:schemeClr val="accent1"/>
+                </a:solidFill>
+                <a:latin typeface="Courier New" charset="0"/>
+              </a:rPr>
+              <a:t>2</a:t>
+            </a:r>
+            <a:r>
+              <a:rPr lang="en-US" sz="1600" dirty="0">
+                <a:solidFill>
+                  <a:schemeClr val="accent1"/>
+                </a:solidFill>
+                <a:latin typeface="Courier New" charset="0"/>
+              </a:rPr>
+              <a:t>(x1,x2,…,</a:t>
+            </a:r>
+            <a:r>
+              <a:rPr lang="en-US" sz="1600" dirty="0" err="1">
+                <a:solidFill>
+                  <a:schemeClr val="accent1"/>
+                </a:solidFill>
+                <a:latin typeface="Courier New" charset="0"/>
+              </a:rPr>
+              <a:t>x</a:t>
+            </a:r>
+            <a:r>
+              <a:rPr lang="en-US" sz="1600" baseline="-25000" dirty="0" err="1">
+                <a:solidFill>
+                  <a:schemeClr val="accent1"/>
+                </a:solidFill>
+                <a:latin typeface="Courier New" charset="0"/>
+              </a:rPr>
+              <a:t>n</a:t>
+            </a:r>
+            <a:r>
+              <a:rPr lang="en-US" sz="1600" dirty="0">
+                <a:solidFill>
+                  <a:schemeClr val="accent1"/>
+                </a:solidFill>
+                <a:latin typeface="Courier New" charset="0"/>
+              </a:rPr>
+              <a:t>)</a:t>
+            </a:r>
+            <a:r>
+              <a:rPr lang="en-US" sz="1600" dirty="0">
+                <a:solidFill>
+                  <a:schemeClr val="accent1"/>
+                </a:solidFill>
+                <a:latin typeface="Courier New" charset="0"/>
+                <a:sym typeface="Math1" pitchFamily="2" charset="2"/>
+              </a:rPr>
+              <a:t>= B</a:t>
+            </a:r>
+            <a:r>
+              <a:rPr lang="en-US" sz="1600" baseline="-25000" dirty="0">
+                <a:solidFill>
+                  <a:schemeClr val="accent1"/>
+                </a:solidFill>
+                <a:latin typeface="Courier New" charset="0"/>
+                <a:sym typeface="Math1" pitchFamily="2" charset="2"/>
+              </a:rPr>
+              <a:t>2</a:t>
+            </a:r>
+          </a:p>
+          <a:p>
+            <a:pPr marL="342900" indent="-342900" algn="l">
+              <a:lnSpc>
+                <a:spcPct val="80000"/>
+              </a:lnSpc>
+              <a:spcBef>
+                <a:spcPct val="20000"/>
+              </a:spcBef>
+            </a:pPr>
+            <a:r>
+              <a:rPr lang="en-US" sz="1600" baseline="-25000" dirty="0">
+                <a:solidFill>
+                  <a:schemeClr val="accent1"/>
+                </a:solidFill>
+                <a:latin typeface="Courier New" charset="0"/>
+                <a:sym typeface="Math1" pitchFamily="2" charset="2"/>
+              </a:rPr>
+              <a:t>					.</a:t>
+            </a:r>
+          </a:p>
+          <a:p>
+            <a:pPr marL="342900" indent="-342900" algn="l">
+              <a:lnSpc>
+                <a:spcPct val="80000"/>
+              </a:lnSpc>
+              <a:spcBef>
+                <a:spcPct val="20000"/>
+              </a:spcBef>
+            </a:pPr>
+            <a:r>
+              <a:rPr lang="en-US" sz="1600" baseline="-25000" dirty="0">
+                <a:solidFill>
+                  <a:schemeClr val="accent1"/>
+                </a:solidFill>
+                <a:latin typeface="Courier New" charset="0"/>
+                <a:sym typeface="Math1" pitchFamily="2" charset="2"/>
+              </a:rPr>
+              <a:t>			.</a:t>
+            </a:r>
+          </a:p>
+          <a:p>
+            <a:pPr marL="342900" indent="-342900" algn="l">
+              <a:lnSpc>
+                <a:spcPct val="80000"/>
+              </a:lnSpc>
+              <a:spcBef>
+                <a:spcPct val="20000"/>
+              </a:spcBef>
+            </a:pPr>
+            <a:r>
+              <a:rPr lang="en-US" sz="1600" baseline="-25000" dirty="0">
+                <a:solidFill>
+                  <a:schemeClr val="accent1"/>
+                </a:solidFill>
+                <a:latin typeface="Courier New" charset="0"/>
+                <a:sym typeface="Math1" pitchFamily="2" charset="2"/>
+              </a:rPr>
+              <a:t>					.</a:t>
+            </a:r>
+          </a:p>
+          <a:p>
+            <a:pPr marL="342900" indent="-342900" algn="l">
+              <a:lnSpc>
+                <a:spcPct val="80000"/>
+              </a:lnSpc>
+              <a:spcBef>
+                <a:spcPct val="20000"/>
+              </a:spcBef>
+            </a:pPr>
+            <a:r>
+              <a:rPr lang="en-US" sz="1600" dirty="0">
+                <a:solidFill>
+                  <a:schemeClr val="accent1"/>
+                </a:solidFill>
+                <a:latin typeface="Courier New" charset="0"/>
+              </a:rPr>
+              <a:t>			 G</a:t>
+            </a:r>
+            <a:r>
+              <a:rPr lang="en-US" sz="1600" baseline="-25000" dirty="0">
+                <a:solidFill>
+                  <a:schemeClr val="accent1"/>
+                </a:solidFill>
+                <a:latin typeface="Courier New" charset="0"/>
+              </a:rPr>
+              <a:t>m</a:t>
+            </a:r>
+            <a:r>
+              <a:rPr lang="en-US" sz="1600" dirty="0">
+                <a:solidFill>
+                  <a:schemeClr val="accent1"/>
+                </a:solidFill>
+                <a:latin typeface="Courier New" charset="0"/>
+              </a:rPr>
+              <a:t>(x1,x2,…,</a:t>
+            </a:r>
+            <a:r>
+              <a:rPr lang="en-US" sz="1600" dirty="0" err="1">
+                <a:solidFill>
+                  <a:schemeClr val="accent1"/>
+                </a:solidFill>
+                <a:latin typeface="Courier New" charset="0"/>
+              </a:rPr>
+              <a:t>x</a:t>
+            </a:r>
+            <a:r>
+              <a:rPr lang="en-US" sz="1600" baseline="-25000" dirty="0" err="1">
+                <a:solidFill>
+                  <a:schemeClr val="accent1"/>
+                </a:solidFill>
+                <a:latin typeface="Courier New" charset="0"/>
+              </a:rPr>
+              <a:t>n</a:t>
+            </a:r>
+            <a:r>
+              <a:rPr lang="en-US" sz="1600" dirty="0">
+                <a:solidFill>
+                  <a:schemeClr val="accent1"/>
+                </a:solidFill>
+                <a:latin typeface="Courier New" charset="0"/>
+              </a:rPr>
+              <a:t>)</a:t>
+            </a:r>
+            <a:r>
+              <a:rPr lang="en-US" sz="1600" dirty="0">
+                <a:solidFill>
+                  <a:schemeClr val="accent1"/>
+                </a:solidFill>
+                <a:latin typeface="Courier New" charset="0"/>
+                <a:sym typeface="Math1" pitchFamily="2" charset="2"/>
+              </a:rPr>
+              <a:t>=</a:t>
+            </a:r>
+            <a:r>
+              <a:rPr lang="en-US" sz="1600" dirty="0" err="1">
+                <a:solidFill>
+                  <a:schemeClr val="accent1"/>
+                </a:solidFill>
+                <a:latin typeface="Courier New" charset="0"/>
+                <a:sym typeface="Math1" pitchFamily="2" charset="2"/>
+              </a:rPr>
+              <a:t>B</a:t>
+            </a:r>
+            <a:r>
+              <a:rPr lang="en-US" sz="1600" baseline="-25000" dirty="0" err="1">
+                <a:solidFill>
+                  <a:schemeClr val="accent1"/>
+                </a:solidFill>
+                <a:latin typeface="Courier New" charset="0"/>
+                <a:sym typeface="Math1" pitchFamily="2" charset="2"/>
+              </a:rPr>
+              <a:t>m</a:t>
+            </a:r>
+            <a:endParaRPr lang="en-US" sz="1600" baseline="-25000" dirty="0">
+              <a:solidFill>
+                <a:schemeClr val="accent1"/>
+              </a:solidFill>
+              <a:latin typeface="Courier New" charset="0"/>
+              <a:sym typeface="Math1" pitchFamily="2" charset="2"/>
+            </a:endParaRPr>
+          </a:p>
+          <a:p>
+            <a:pPr marL="342900" indent="-342900" algn="l">
+              <a:lnSpc>
+                <a:spcPct val="80000"/>
+              </a:lnSpc>
+              <a:spcBef>
+                <a:spcPct val="20000"/>
+              </a:spcBef>
+            </a:pPr>
+            <a:endParaRPr lang="en-US" sz="1600" baseline="-25000" dirty="0">
+              <a:solidFill>
+                <a:schemeClr val="accent1"/>
+              </a:solidFill>
+              <a:latin typeface="Courier New" charset="0"/>
+              <a:sym typeface="Math1" pitchFamily="2" charset="2"/>
+            </a:endParaRPr>
+          </a:p>
+          <a:p>
+            <a:pPr marL="342900" indent="-342900" algn="l">
+              <a:lnSpc>
+                <a:spcPct val="80000"/>
+              </a:lnSpc>
+              <a:spcBef>
+                <a:spcPct val="20000"/>
+              </a:spcBef>
+            </a:pPr>
+            <a:r>
+              <a:rPr lang="en-US" sz="1600" dirty="0">
+                <a:solidFill>
+                  <a:schemeClr val="accent1"/>
+                </a:solidFill>
+                <a:latin typeface="Courier New" charset="0"/>
+              </a:rPr>
+              <a:t>			 H</a:t>
+            </a:r>
+            <a:r>
+              <a:rPr lang="en-US" sz="1600" baseline="-25000" dirty="0">
+                <a:solidFill>
+                  <a:schemeClr val="accent1"/>
+                </a:solidFill>
+                <a:latin typeface="Courier New" charset="0"/>
+              </a:rPr>
+              <a:t>1</a:t>
+            </a:r>
+            <a:r>
+              <a:rPr lang="en-US" sz="1600" dirty="0">
+                <a:solidFill>
+                  <a:schemeClr val="accent1"/>
+                </a:solidFill>
+                <a:latin typeface="Courier New" charset="0"/>
+              </a:rPr>
+              <a:t>(x1,x2,…,</a:t>
+            </a:r>
+            <a:r>
+              <a:rPr lang="en-US" sz="1600" dirty="0" smtClean="0">
+                <a:solidFill>
+                  <a:schemeClr val="accent1"/>
+                </a:solidFill>
+                <a:latin typeface="Courier New" charset="0"/>
+              </a:rPr>
+              <a:t>x</a:t>
+            </a:r>
+            <a:r>
+              <a:rPr lang="en-US" sz="1600" baseline="-25000" dirty="0" smtClean="0">
+                <a:solidFill>
+                  <a:schemeClr val="accent1"/>
+                </a:solidFill>
+                <a:latin typeface="Courier New" charset="0"/>
+              </a:rPr>
+              <a:t>n</a:t>
+            </a:r>
+            <a:r>
+              <a:rPr lang="en-US" sz="1600" dirty="0" smtClean="0">
+                <a:solidFill>
+                  <a:schemeClr val="accent1"/>
+                </a:solidFill>
+                <a:latin typeface="Courier New" charset="0"/>
+              </a:rPr>
+              <a:t>)≤(≥)</a:t>
+            </a:r>
+            <a:r>
+              <a:rPr lang="en-US" sz="1600" dirty="0" smtClean="0">
+                <a:solidFill>
+                  <a:schemeClr val="accent1"/>
+                </a:solidFill>
+                <a:latin typeface="Courier New" charset="0"/>
+                <a:sym typeface="Math1" pitchFamily="2" charset="2"/>
+              </a:rPr>
+              <a:t>R</a:t>
+            </a:r>
+            <a:r>
+              <a:rPr lang="en-US" sz="1600" baseline="-25000" dirty="0" smtClean="0">
+                <a:solidFill>
+                  <a:schemeClr val="accent1"/>
+                </a:solidFill>
+                <a:latin typeface="Courier New" charset="0"/>
+                <a:sym typeface="Math1" pitchFamily="2" charset="2"/>
+              </a:rPr>
+              <a:t>1</a:t>
+            </a:r>
+            <a:endParaRPr lang="en-US" sz="1600" dirty="0">
+              <a:solidFill>
+                <a:schemeClr val="accent1"/>
+              </a:solidFill>
+              <a:latin typeface="Courier New" charset="0"/>
+              <a:sym typeface="Math1" pitchFamily="2" charset="2"/>
+            </a:endParaRPr>
+          </a:p>
+          <a:p>
+            <a:pPr marL="342900" indent="-342900" algn="l">
+              <a:lnSpc>
+                <a:spcPct val="80000"/>
+              </a:lnSpc>
+              <a:spcBef>
+                <a:spcPct val="20000"/>
+              </a:spcBef>
+            </a:pPr>
+            <a:r>
+              <a:rPr lang="en-US" sz="1600" dirty="0">
+                <a:solidFill>
+                  <a:schemeClr val="accent1"/>
+                </a:solidFill>
+                <a:latin typeface="Courier New" charset="0"/>
+                <a:sym typeface="Math1" pitchFamily="2" charset="2"/>
+              </a:rPr>
+              <a:t>			 </a:t>
+            </a:r>
+            <a:r>
+              <a:rPr lang="en-US" sz="1600" dirty="0">
+                <a:solidFill>
+                  <a:schemeClr val="accent1"/>
+                </a:solidFill>
+                <a:latin typeface="Courier New" charset="0"/>
+              </a:rPr>
+              <a:t>H</a:t>
+            </a:r>
+            <a:r>
+              <a:rPr lang="en-US" sz="1600" baseline="-25000" dirty="0">
+                <a:solidFill>
+                  <a:schemeClr val="accent1"/>
+                </a:solidFill>
+                <a:latin typeface="Courier New" charset="0"/>
+              </a:rPr>
+              <a:t>2</a:t>
+            </a:r>
+            <a:r>
+              <a:rPr lang="en-US" sz="1600" dirty="0">
+                <a:solidFill>
+                  <a:schemeClr val="accent1"/>
+                </a:solidFill>
+                <a:latin typeface="Courier New" charset="0"/>
+              </a:rPr>
+              <a:t>(x1,x2,…,x</a:t>
+            </a:r>
+            <a:r>
+              <a:rPr lang="en-US" sz="1600" baseline="-25000" dirty="0">
+                <a:solidFill>
+                  <a:schemeClr val="accent1"/>
+                </a:solidFill>
+                <a:latin typeface="Courier New" charset="0"/>
+              </a:rPr>
+              <a:t>n</a:t>
+            </a:r>
+            <a:r>
+              <a:rPr lang="en-US" sz="1600" dirty="0" smtClean="0">
+                <a:solidFill>
+                  <a:schemeClr val="accent1"/>
+                </a:solidFill>
+                <a:latin typeface="Courier New" charset="0"/>
+              </a:rPr>
+              <a:t>)≤(≥)</a:t>
+            </a:r>
+            <a:r>
+              <a:rPr lang="en-US" sz="1600" dirty="0" smtClean="0">
+                <a:solidFill>
+                  <a:schemeClr val="accent1"/>
+                </a:solidFill>
+                <a:latin typeface="Courier New" charset="0"/>
+                <a:sym typeface="Math1" pitchFamily="2" charset="2"/>
+              </a:rPr>
+              <a:t>R</a:t>
+            </a:r>
+            <a:r>
+              <a:rPr lang="en-US" sz="1600" baseline="-25000" dirty="0" smtClean="0">
+                <a:solidFill>
+                  <a:schemeClr val="accent1"/>
+                </a:solidFill>
+                <a:latin typeface="Courier New" charset="0"/>
+                <a:sym typeface="Math1" pitchFamily="2" charset="2"/>
+              </a:rPr>
+              <a:t>2</a:t>
+            </a:r>
+            <a:endParaRPr lang="en-US" sz="1600" baseline="-25000" dirty="0">
+              <a:solidFill>
+                <a:schemeClr val="accent1"/>
+              </a:solidFill>
+              <a:latin typeface="Courier New" charset="0"/>
+              <a:sym typeface="Math1" pitchFamily="2" charset="2"/>
+            </a:endParaRPr>
+          </a:p>
+          <a:p>
+            <a:pPr marL="342900" indent="-342900" algn="l">
+              <a:lnSpc>
+                <a:spcPct val="80000"/>
+              </a:lnSpc>
+              <a:spcBef>
+                <a:spcPct val="20000"/>
+              </a:spcBef>
+            </a:pPr>
+            <a:r>
+              <a:rPr lang="en-US" sz="1600" baseline="-25000" dirty="0">
+                <a:solidFill>
+                  <a:schemeClr val="accent1"/>
+                </a:solidFill>
+                <a:latin typeface="Courier New" charset="0"/>
+                <a:sym typeface="Math1" pitchFamily="2" charset="2"/>
+              </a:rPr>
+              <a:t>					</a:t>
+            </a:r>
+            <a:r>
+              <a:rPr lang="en-US" sz="1600" baseline="-25000" dirty="0" smtClean="0">
+                <a:solidFill>
+                  <a:schemeClr val="accent1"/>
+                </a:solidFill>
+                <a:latin typeface="Courier New" charset="0"/>
+                <a:sym typeface="Math1" pitchFamily="2" charset="2"/>
+              </a:rPr>
+              <a:t>.</a:t>
+            </a:r>
+          </a:p>
+          <a:p>
+            <a:pPr marL="342900" indent="-342900" algn="l">
+              <a:lnSpc>
+                <a:spcPct val="80000"/>
+              </a:lnSpc>
+              <a:spcBef>
+                <a:spcPct val="20000"/>
+              </a:spcBef>
+            </a:pPr>
+            <a:r>
+              <a:rPr lang="en-US" sz="1600" baseline="-25000" dirty="0">
+                <a:solidFill>
+                  <a:schemeClr val="accent1"/>
+                </a:solidFill>
+                <a:latin typeface="Courier New" charset="0"/>
+                <a:sym typeface="Math1" pitchFamily="2" charset="2"/>
+              </a:rPr>
+              <a:t>			  </a:t>
+            </a:r>
+            <a:r>
+              <a:rPr lang="en-US" sz="1600" dirty="0">
+                <a:solidFill>
+                  <a:schemeClr val="accent1"/>
+                </a:solidFill>
+                <a:latin typeface="Courier New" charset="0"/>
+              </a:rPr>
+              <a:t>H</a:t>
+            </a:r>
+            <a:r>
+              <a:rPr lang="en-US" sz="1600" baseline="-25000" dirty="0">
+                <a:solidFill>
+                  <a:schemeClr val="accent1"/>
+                </a:solidFill>
+                <a:latin typeface="Courier New" charset="0"/>
+              </a:rPr>
+              <a:t>k</a:t>
+            </a:r>
+            <a:r>
+              <a:rPr lang="en-US" sz="1600" dirty="0">
+                <a:solidFill>
+                  <a:schemeClr val="accent1"/>
+                </a:solidFill>
+                <a:latin typeface="Courier New" charset="0"/>
+              </a:rPr>
+              <a:t>(x1,x2,…,</a:t>
+            </a:r>
+            <a:r>
+              <a:rPr lang="en-US" sz="1600" dirty="0" err="1">
+                <a:solidFill>
+                  <a:schemeClr val="accent1"/>
+                </a:solidFill>
+                <a:latin typeface="Courier New" charset="0"/>
+              </a:rPr>
+              <a:t>x</a:t>
+            </a:r>
+            <a:r>
+              <a:rPr lang="en-US" sz="1600" baseline="-25000" dirty="0" err="1">
+                <a:solidFill>
+                  <a:schemeClr val="accent1"/>
+                </a:solidFill>
+                <a:latin typeface="Courier New" charset="0"/>
+              </a:rPr>
+              <a:t>n</a:t>
+            </a:r>
+            <a:r>
+              <a:rPr lang="en-US" sz="1600" dirty="0" err="1" smtClean="0">
+                <a:solidFill>
+                  <a:schemeClr val="accent1"/>
+                </a:solidFill>
+                <a:latin typeface="Courier New" charset="0"/>
+              </a:rPr>
+              <a:t>)≤(≥)</a:t>
+            </a:r>
+            <a:r>
+              <a:rPr lang="en-US" sz="1600" dirty="0" err="1" smtClean="0">
+                <a:solidFill>
+                  <a:schemeClr val="accent1"/>
+                </a:solidFill>
+                <a:latin typeface="Courier New" charset="0"/>
+                <a:sym typeface="Math1" pitchFamily="2" charset="2"/>
+              </a:rPr>
+              <a:t>R</a:t>
+            </a:r>
+            <a:r>
+              <a:rPr lang="en-US" sz="1600" baseline="-25000" dirty="0" err="1" smtClean="0">
+                <a:solidFill>
+                  <a:schemeClr val="accent1"/>
+                </a:solidFill>
+                <a:latin typeface="Courier New" charset="0"/>
+                <a:sym typeface="Math1" pitchFamily="2" charset="2"/>
+              </a:rPr>
+              <a:t>k</a:t>
+            </a:r>
+            <a:endParaRPr lang="en-US" sz="1600" baseline="-25000" dirty="0">
+              <a:solidFill>
+                <a:schemeClr val="accent1"/>
+              </a:solidFill>
+              <a:latin typeface="Courier New" charset="0"/>
+              <a:sym typeface="Math1" pitchFamily="2" charset="2"/>
+            </a:endParaRPr>
+          </a:p>
+          <a:p>
+            <a:pPr marL="342900" indent="-342900" algn="l">
+              <a:lnSpc>
+                <a:spcPct val="80000"/>
+              </a:lnSpc>
+              <a:spcBef>
+                <a:spcPct val="20000"/>
+              </a:spcBef>
+            </a:pPr>
+            <a:endParaRPr lang="en-US" sz="1400" b="0" baseline="-25000" dirty="0">
+              <a:solidFill>
+                <a:schemeClr val="accent1"/>
+              </a:solidFill>
+              <a:latin typeface="Courier New" charset="0"/>
+              <a:sym typeface="Math1" pitchFamily="2" charset="2"/>
+            </a:endParaRPr>
+          </a:p>
+          <a:p>
+            <a:pPr marL="342900" indent="-342900" algn="l">
+              <a:lnSpc>
+                <a:spcPct val="80000"/>
+              </a:lnSpc>
+              <a:spcBef>
+                <a:spcPct val="20000"/>
+              </a:spcBef>
+            </a:pPr>
+            <a:endParaRPr lang="en-US" sz="1400" b="0" dirty="0">
+              <a:solidFill>
+                <a:schemeClr val="accent1"/>
+              </a:solidFill>
+              <a:latin typeface="Courier New" charset="0"/>
+              <a:sym typeface="Math1" pitchFamily="2" charset="2"/>
+            </a:endParaRPr>
+          </a:p>
+          <a:p>
+            <a:pPr marL="342900" indent="-342900" algn="l">
+              <a:lnSpc>
+                <a:spcPct val="80000"/>
+              </a:lnSpc>
+              <a:spcBef>
+                <a:spcPct val="20000"/>
+              </a:spcBef>
+            </a:pPr>
+            <a:endParaRPr lang="en-US" sz="2000" b="0" dirty="0">
+              <a:solidFill>
+                <a:schemeClr val="tx1"/>
+              </a:solidFill>
+              <a:latin typeface="Courier New" charset="0"/>
+              <a:sym typeface="Math1" pitchFamily="2" charset="2"/>
+            </a:endParaRPr>
+          </a:p>
+        </p:txBody>
+      </p:sp>
+      <p:sp>
+        <p:nvSpPr>
+          <p:cNvPr id="25606" name="AutoShape 5"/>
+          <p:cNvSpPr>
+            <a:spLocks/>
+          </p:cNvSpPr>
+          <p:nvPr/>
+        </p:nvSpPr>
+        <p:spPr bwMode="auto">
+          <a:xfrm flipH="1">
+            <a:off x="5027613" y="2290763"/>
+            <a:ext cx="306387" cy="2433637"/>
+          </a:xfrm>
+          <a:prstGeom prst="leftBrace">
+            <a:avLst>
+              <a:gd name="adj1" fmla="val 116130"/>
+              <a:gd name="adj2" fmla="val 44255"/>
+            </a:avLst>
+          </a:prstGeom>
+          <a:noFill/>
+          <a:ln w="38100">
+            <a:solidFill>
+              <a:srgbClr val="33CC33"/>
+            </a:solidFill>
+            <a:round/>
+            <a:headEnd/>
+            <a:tailEnd/>
+          </a:ln>
+        </p:spPr>
+        <p:txBody>
+          <a:bodyPr wrap="none" anchor="ctr">
+            <a:prstTxWarp prst="textNoShape">
+              <a:avLst/>
+            </a:prstTxWarp>
+          </a:bodyPr>
+          <a:lstStyle/>
+          <a:p>
+            <a:endParaRPr lang="en-US"/>
+          </a:p>
+        </p:txBody>
+      </p:sp>
+      <p:sp>
+        <p:nvSpPr>
+          <p:cNvPr id="146439" name="Text Box 7"/>
+          <p:cNvSpPr txBox="1">
+            <a:spLocks noChangeArrowheads="1"/>
+          </p:cNvSpPr>
+          <p:nvPr/>
+        </p:nvSpPr>
+        <p:spPr bwMode="auto">
+          <a:xfrm>
+            <a:off x="228600" y="5029200"/>
+            <a:ext cx="8726488" cy="1200329"/>
+          </a:xfrm>
+          <a:prstGeom prst="rect">
+            <a:avLst/>
+          </a:prstGeom>
+          <a:solidFill>
+            <a:schemeClr val="bg1"/>
+          </a:solidFill>
+          <a:ln w="9525">
+            <a:solidFill>
+              <a:schemeClr val="tx1"/>
+            </a:solidFill>
+            <a:miter lim="800000"/>
+            <a:headEnd/>
+            <a:tailEnd/>
+          </a:ln>
+          <a:effectLst>
+            <a:outerShdw dist="107763" dir="2700000" algn="ctr" rotWithShape="0">
+              <a:schemeClr val="bg2">
+                <a:alpha val="50000"/>
+              </a:schemeClr>
+            </a:outerShdw>
+          </a:effectLst>
+        </p:spPr>
+        <p:txBody>
+          <a:bodyPr wrap="square">
+            <a:prstTxWarp prst="textNoShape">
+              <a:avLst/>
+            </a:prstTxWarp>
+            <a:spAutoFit/>
+          </a:bodyPr>
+          <a:lstStyle/>
+          <a:p>
+            <a:pPr algn="l">
+              <a:buFont typeface="Arial" pitchFamily="34" charset="0"/>
+              <a:buChar char="•"/>
+            </a:pPr>
+            <a:r>
+              <a:rPr lang="en-US" b="0" dirty="0" smtClean="0">
+                <a:solidFill>
+                  <a:schemeClr val="tx1"/>
+                </a:solidFill>
+                <a:latin typeface="Century Gothic" charset="0"/>
+              </a:rPr>
+              <a:t> The </a:t>
+            </a:r>
+            <a:r>
+              <a:rPr lang="en-US" dirty="0">
+                <a:solidFill>
+                  <a:schemeClr val="tx1"/>
+                </a:solidFill>
+                <a:latin typeface="Century Gothic" charset="0"/>
+              </a:rPr>
+              <a:t>only</a:t>
+            </a:r>
+            <a:r>
+              <a:rPr lang="en-US" b="0" dirty="0">
+                <a:solidFill>
+                  <a:schemeClr val="tx1"/>
+                </a:solidFill>
+                <a:latin typeface="Century Gothic" charset="0"/>
+              </a:rPr>
+              <a:t> </a:t>
+            </a:r>
+            <a:r>
+              <a:rPr lang="en-US" dirty="0">
+                <a:solidFill>
+                  <a:schemeClr val="tx1"/>
+                </a:solidFill>
+                <a:latin typeface="Century Gothic" charset="0"/>
+              </a:rPr>
+              <a:t>difference </a:t>
+            </a:r>
+            <a:r>
+              <a:rPr lang="en-US" b="0" dirty="0">
+                <a:solidFill>
+                  <a:schemeClr val="tx1"/>
+                </a:solidFill>
+                <a:latin typeface="Century Gothic" charset="0"/>
+              </a:rPr>
+              <a:t>between an LP model and a Quadratic Programming </a:t>
+            </a:r>
+          </a:p>
+          <a:p>
+            <a:pPr algn="l"/>
+            <a:r>
+              <a:rPr lang="en-US" b="0" dirty="0">
+                <a:solidFill>
+                  <a:schemeClr val="tx1"/>
+                </a:solidFill>
+                <a:latin typeface="Century Gothic" charset="0"/>
+              </a:rPr>
+              <a:t>model is the </a:t>
+            </a:r>
+            <a:r>
+              <a:rPr lang="en-US" dirty="0">
+                <a:solidFill>
+                  <a:schemeClr val="tx1"/>
+                </a:solidFill>
+                <a:latin typeface="Century Gothic" charset="0"/>
+              </a:rPr>
+              <a:t>functional form of the OBJECTIVE FUNCTION</a:t>
+            </a:r>
+            <a:r>
+              <a:rPr lang="en-US" b="0" dirty="0" smtClean="0">
+                <a:solidFill>
+                  <a:schemeClr val="tx1"/>
+                </a:solidFill>
+                <a:latin typeface="Century Gothic" charset="0"/>
+              </a:rPr>
+              <a:t>.</a:t>
+            </a:r>
+          </a:p>
+          <a:p>
+            <a:pPr algn="l">
+              <a:buFont typeface="Arial" pitchFamily="34" charset="0"/>
+              <a:buChar char="•"/>
+            </a:pPr>
+            <a:r>
+              <a:rPr lang="en-US" b="0" dirty="0" smtClean="0">
+                <a:solidFill>
+                  <a:schemeClr val="tx1"/>
+                </a:solidFill>
+                <a:latin typeface="Century Gothic" charset="0"/>
+              </a:rPr>
+              <a:t>  Quadratic programming problems are NOT necessarily Convex or Concave programming problems.</a:t>
+            </a:r>
+            <a:endParaRPr lang="en-US" b="0" dirty="0">
+              <a:solidFill>
+                <a:schemeClr val="tx1"/>
+              </a:solidFill>
+              <a:latin typeface="Century Gothic" charset="0"/>
+            </a:endParaRPr>
+          </a:p>
+        </p:txBody>
+      </p:sp>
+      <p:sp>
+        <p:nvSpPr>
+          <p:cNvPr id="25608" name="Text Box 8"/>
+          <p:cNvSpPr txBox="1">
+            <a:spLocks noChangeArrowheads="1"/>
+          </p:cNvSpPr>
+          <p:nvPr/>
+        </p:nvSpPr>
+        <p:spPr bwMode="auto">
+          <a:xfrm>
+            <a:off x="5334000" y="3048000"/>
+            <a:ext cx="3051175" cy="641350"/>
+          </a:xfrm>
+          <a:prstGeom prst="rect">
+            <a:avLst/>
+          </a:prstGeom>
+          <a:noFill/>
+          <a:ln w="9525">
+            <a:noFill/>
+            <a:miter lim="800000"/>
+            <a:headEnd/>
+            <a:tailEnd/>
+          </a:ln>
+        </p:spPr>
+        <p:txBody>
+          <a:bodyPr wrap="none">
+            <a:prstTxWarp prst="textNoShape">
+              <a:avLst/>
+            </a:prstTxWarp>
+            <a:spAutoFit/>
+          </a:bodyPr>
+          <a:lstStyle/>
+          <a:p>
+            <a:pPr algn="l"/>
+            <a:r>
+              <a:rPr lang="en-US">
+                <a:solidFill>
+                  <a:srgbClr val="009900"/>
+                </a:solidFill>
+                <a:latin typeface="Courier New" charset="0"/>
+              </a:rPr>
+              <a:t>Gi and Hi are linear </a:t>
+            </a:r>
+          </a:p>
+          <a:p>
+            <a:pPr algn="l"/>
+            <a:r>
+              <a:rPr lang="en-US">
+                <a:solidFill>
+                  <a:srgbClr val="009900"/>
+                </a:solidFill>
+                <a:latin typeface="Courier New" charset="0"/>
+              </a:rPr>
+              <a:t>functions</a:t>
+            </a:r>
+          </a:p>
+        </p:txBody>
+      </p:sp>
+      <p:sp>
+        <p:nvSpPr>
+          <p:cNvPr id="25609" name="Line 9"/>
+          <p:cNvSpPr>
+            <a:spLocks noChangeShapeType="1"/>
+          </p:cNvSpPr>
+          <p:nvPr/>
+        </p:nvSpPr>
+        <p:spPr bwMode="auto">
+          <a:xfrm>
+            <a:off x="4648200" y="1379538"/>
+            <a:ext cx="227013" cy="0"/>
+          </a:xfrm>
+          <a:prstGeom prst="line">
+            <a:avLst/>
+          </a:prstGeom>
+          <a:noFill/>
+          <a:ln w="38100">
+            <a:solidFill>
+              <a:srgbClr val="FF3300"/>
+            </a:solidFill>
+            <a:round/>
+            <a:headEnd/>
+            <a:tailEnd type="triangle" w="med" len="med"/>
+          </a:ln>
+        </p:spPr>
+        <p:txBody>
+          <a:bodyPr>
+            <a:prstTxWarp prst="textNoShape">
+              <a:avLst/>
+            </a:prstTxWarp>
+          </a:bodyPr>
+          <a:lstStyle/>
+          <a:p>
+            <a:endParaRPr lang="en-US"/>
+          </a:p>
+        </p:txBody>
+      </p:sp>
+      <p:sp>
+        <p:nvSpPr>
+          <p:cNvPr id="10" name="Date Placeholder 9"/>
           <p:cNvSpPr>
             <a:spLocks noGrp="1"/>
           </p:cNvSpPr>
@@ -13707,13 +14600,13 @@
               <a:rPr lang="en-US" smtClean="0"/>
               <a:t>10/2/2013,           10/9/2013</a:t>
             </a:r>
-            <a:endParaRPr lang="en-US"/>
-          </a:p>
-        </p:txBody>
-      </p:sp>
-      <p:sp>
-        <p:nvSpPr>
-          <p:cNvPr id="7" name="Footer Placeholder 4"/>
+            <a:endParaRPr lang="en-US" dirty="0"/>
+          </a:p>
+        </p:txBody>
+      </p:sp>
+      <p:sp>
+        <p:nvSpPr>
+          <p:cNvPr id="11" name="Footer Placeholder 4"/>
           <p:cNvSpPr txBox="1">
             <a:spLocks noGrp="1"/>
           </p:cNvSpPr>
@@ -13759,13 +14652,13 @@
   <p:clrMapOvr>
     <a:masterClrMapping/>
   </p:clrMapOvr>
-  <p:transition>
+  <p:transition xmlns:p14="http://schemas.microsoft.com/office/powerpoint/2010/main">
     <p:random/>
   </p:transition>
   <p:timing>
     <p:tnLst>
       <p:par>
-        <p:cTn id="1" dur="indefinite" restart="never" nodeType="tmRoot"/>
+        <p:cTn xmlns:p14="http://schemas.microsoft.com/office/powerpoint/2010/main" id="1" dur="indefinite" restart="never" nodeType="tmRoot"/>
       </p:par>
     </p:tnLst>
   </p:timing>
@@ -13791,6 +14684,198 @@
       </p:grpSpPr>
       <p:sp>
         <p:nvSpPr>
+          <p:cNvPr id="21507" name="Slide Number Placeholder 4"/>
+          <p:cNvSpPr>
+            <a:spLocks noGrp="1"/>
+          </p:cNvSpPr>
+          <p:nvPr>
+            <p:ph type="sldNum" sz="quarter" idx="11"/>
+          </p:nvPr>
+        </p:nvSpPr>
+        <p:spPr>
+          <a:noFill/>
+        </p:spPr>
+        <p:txBody>
+          <a:bodyPr/>
+          <a:lstStyle/>
+          <a:p>
+            <a:endParaRPr lang="en-US" dirty="0"/>
+          </a:p>
+          <a:p>
+            <a:fld id="{D59C7FC4-8085-0240-86BE-CCAB81E7DA19}" type="slidenum">
+              <a:rPr lang="en-US"/>
+              <a:pPr/>
+              <a:t>21</a:t>
+            </a:fld>
+            <a:endParaRPr lang="en-US" dirty="0"/>
+          </a:p>
+        </p:txBody>
+      </p:sp>
+      <p:sp>
+        <p:nvSpPr>
+          <p:cNvPr id="21508" name="Rectangle 2"/>
+          <p:cNvSpPr>
+            <a:spLocks noGrp="1" noChangeArrowheads="1"/>
+          </p:cNvSpPr>
+          <p:nvPr>
+            <p:ph type="title"/>
+          </p:nvPr>
+        </p:nvSpPr>
+        <p:spPr/>
+        <p:txBody>
+          <a:bodyPr/>
+          <a:lstStyle/>
+          <a:p>
+            <a:r>
+              <a:rPr lang="en-US"/>
+              <a:t>Two Examples</a:t>
+            </a:r>
+          </a:p>
+        </p:txBody>
+      </p:sp>
+      <p:sp>
+        <p:nvSpPr>
+          <p:cNvPr id="21509" name="Rectangle 3"/>
+          <p:cNvSpPr>
+            <a:spLocks noGrp="1" noChangeArrowheads="1"/>
+          </p:cNvSpPr>
+          <p:nvPr>
+            <p:ph type="body" idx="1"/>
+          </p:nvPr>
+        </p:nvSpPr>
+        <p:spPr/>
+        <p:txBody>
+          <a:bodyPr/>
+          <a:lstStyle/>
+          <a:p>
+            <a:r>
+              <a:rPr lang="en-US" b="1" dirty="0"/>
+              <a:t>Cost Modeling (Blackboard) </a:t>
+            </a:r>
+          </a:p>
+          <a:p>
+            <a:endParaRPr lang="en-US" dirty="0"/>
+          </a:p>
+          <a:p>
+            <a:endParaRPr lang="en-US" dirty="0"/>
+          </a:p>
+          <a:p>
+            <a:endParaRPr lang="en-US" dirty="0"/>
+          </a:p>
+          <a:p>
+            <a:endParaRPr lang="en-US" dirty="0"/>
+          </a:p>
+          <a:p>
+            <a:r>
+              <a:rPr lang="en-US" b="1" dirty="0"/>
+              <a:t>Charity Advertising Budget (Blackboard)</a:t>
+            </a:r>
+          </a:p>
+        </p:txBody>
+      </p:sp>
+      <p:sp>
+        <p:nvSpPr>
+          <p:cNvPr id="6" name="Date Placeholder 5"/>
+          <p:cNvSpPr>
+            <a:spLocks noGrp="1"/>
+          </p:cNvSpPr>
+          <p:nvPr>
+            <p:ph type="dt" sz="half" idx="10"/>
+          </p:nvPr>
+        </p:nvSpPr>
+        <p:spPr/>
+        <p:txBody>
+          <a:bodyPr/>
+          <a:lstStyle/>
+          <a:p>
+            <a:r>
+              <a:rPr lang="en-US" smtClean="0"/>
+              <a:t>10/2/2013,           10/9/2013</a:t>
+            </a:r>
+            <a:endParaRPr lang="en-US"/>
+          </a:p>
+        </p:txBody>
+      </p:sp>
+      <p:sp>
+        <p:nvSpPr>
+          <p:cNvPr id="7" name="Footer Placeholder 4"/>
+          <p:cNvSpPr txBox="1">
+            <a:spLocks noGrp="1"/>
+          </p:cNvSpPr>
+          <p:nvPr/>
+        </p:nvSpPr>
+        <p:spPr bwMode="auto">
+          <a:xfrm>
+            <a:off x="1981200" y="6264275"/>
+            <a:ext cx="5410200" cy="457200"/>
+          </a:xfrm>
+          <a:prstGeom prst="rect">
+            <a:avLst/>
+          </a:prstGeom>
+          <a:noFill/>
+          <a:ln w="9525">
+            <a:noFill/>
+            <a:miter lim="800000"/>
+            <a:headEnd/>
+            <a:tailEnd/>
+          </a:ln>
+        </p:spPr>
+        <p:txBody>
+          <a:bodyPr/>
+          <a:lstStyle/>
+          <a:p>
+            <a:pPr>
+              <a:defRPr/>
+            </a:pPr>
+            <a:r>
+              <a:rPr lang="en-US" sz="1400" b="0" dirty="0">
+                <a:solidFill>
+                  <a:schemeClr val="tx1"/>
+                </a:solidFill>
+                <a:latin typeface="Century Gothic" pitchFamily="34" charset="0"/>
+              </a:rPr>
+              <a:t>Professor Dong, Washington University in St. Louis, MO</a:t>
+            </a:r>
+          </a:p>
+        </p:txBody>
+      </p:sp>
+    </p:spTree>
+  </p:cSld>
+  <p:clrMapOvr>
+    <a:masterClrMapping/>
+  </p:clrMapOvr>
+  <p:transition xmlns:p14="http://schemas.microsoft.com/office/powerpoint/2010/main">
+    <p:random/>
+  </p:transition>
+  <p:timing>
+    <p:tnLst>
+      <p:par>
+        <p:cTn xmlns:p14="http://schemas.microsoft.com/office/powerpoint/2010/main" id="1" dur="indefinite" restart="never" nodeType="tmRoot"/>
+      </p:par>
+    </p:tnLst>
+  </p:timing>
+</p:sld>
+</file>
+
+<file path=ppt/slides/slide22.xml><?xml version="1.0" encoding="utf-8"?>
+<p:sld xmlns:a="http://schemas.openxmlformats.org/drawingml/2006/main" xmlns:r="http://schemas.openxmlformats.org/officeDocument/2006/relationships" xmlns:p="http://schemas.openxmlformats.org/presentationml/2006/main">
+  <p:cSld>
+    <p:spTree>
+      <p:nvGrpSpPr>
+        <p:cNvPr id="1" name=""/>
+        <p:cNvGrpSpPr/>
+        <p:nvPr/>
+      </p:nvGrpSpPr>
+      <p:grpSpPr>
+        <a:xfrm>
+          <a:off x="0" y="0"/>
+          <a:ext cx="0" cy="0"/>
+          <a:chOff x="0" y="0"/>
+          <a:chExt cx="0" cy="0"/>
+        </a:xfrm>
+      </p:grpSpPr>
+      <p:sp>
+        <p:nvSpPr>
           <p:cNvPr id="18435" name="Slide Number Placeholder 5"/>
           <p:cNvSpPr>
             <a:spLocks noGrp="1"/>
@@ -13812,7 +14897,7 @@
             <a:fld id="{E202D79C-EAC5-1C4A-A09E-4E2429245893}" type="slidenum">
               <a:rPr lang="en-US"/>
               <a:pPr/>
-              <a:t>21</a:t>
+              <a:t>22</a:t>
             </a:fld>
             <a:endParaRPr lang="en-US"/>
           </a:p>
@@ -14052,20 +15137,20 @@
   <p:clrMapOvr>
     <a:masterClrMapping/>
   </p:clrMapOvr>
-  <p:transition>
+  <p:transition xmlns:p14="http://schemas.microsoft.com/office/powerpoint/2010/main">
     <p:random/>
   </p:transition>
   <p:timing>
     <p:tnLst>
       <p:par>
-        <p:cTn id="1" dur="indefinite" restart="never" nodeType="tmRoot"/>
+        <p:cTn xmlns:p14="http://schemas.microsoft.com/office/powerpoint/2010/main" id="1" dur="indefinite" restart="never" nodeType="tmRoot"/>
       </p:par>
     </p:tnLst>
   </p:timing>
 </p:sld>
 </file>
 
-<file path=ppt/slides/slide22.xml><?xml version="1.0" encoding="utf-8"?>
+<file path=ppt/slides/slide23.xml><?xml version="1.0" encoding="utf-8"?>
 <p:sld xmlns:a="http://schemas.openxmlformats.org/drawingml/2006/main" xmlns:r="http://schemas.openxmlformats.org/officeDocument/2006/relationships" xmlns:p="http://schemas.openxmlformats.org/presentationml/2006/main">
   <p:cSld>
     <p:spTree>
@@ -14105,7 +15190,7 @@
             <a:fld id="{77BE521E-F091-D240-8325-9936F57C7597}" type="slidenum">
               <a:rPr lang="en-US"/>
               <a:pPr/>
-              <a:t>22</a:t>
+              <a:t>23</a:t>
             </a:fld>
             <a:endParaRPr lang="en-US"/>
           </a:p>
@@ -14279,20 +15364,20 @@
   <p:clrMapOvr>
     <a:masterClrMapping/>
   </p:clrMapOvr>
-  <p:transition>
+  <p:transition xmlns:p14="http://schemas.microsoft.com/office/powerpoint/2010/main">
     <p:random/>
   </p:transition>
   <p:timing>
     <p:tnLst>
       <p:par>
-        <p:cTn id="1" dur="indefinite" restart="never" nodeType="tmRoot"/>
+        <p:cTn xmlns:p14="http://schemas.microsoft.com/office/powerpoint/2010/main" id="1" dur="indefinite" restart="never" nodeType="tmRoot"/>
       </p:par>
     </p:tnLst>
   </p:timing>
 </p:sld>
 </file>
 
-<file path=ppt/slides/slide23.xml><?xml version="1.0" encoding="utf-8"?>
+<file path=ppt/slides/slide24.xml><?xml version="1.0" encoding="utf-8"?>
 <p:sld xmlns:a="http://schemas.openxmlformats.org/drawingml/2006/main" xmlns:r="http://schemas.openxmlformats.org/officeDocument/2006/relationships" xmlns:p="http://schemas.openxmlformats.org/presentationml/2006/main">
   <p:cSld>
     <p:spTree>
@@ -14508,7 +15593,7 @@
             <a:fld id="{67ADDDE4-64A1-4F4B-8B16-BDA7B4CFF9B9}" type="slidenum">
               <a:rPr lang="en-US" smtClean="0"/>
               <a:pPr/>
-              <a:t>23</a:t>
+              <a:t>24</a:t>
             </a:fld>
             <a:endParaRPr lang="en-US"/>
           </a:p>
@@ -14530,7 +15615,7 @@
         </p:nvGraphicFramePr>
         <p:xfrm>
           <a:off x="1080830" y="3285435"/>
-          <a:ext cx="7134130" cy="1590040"/>
+          <a:ext cx="7134130" cy="1590039"/>
         </p:xfrm>
         <a:graphic>
           <a:graphicData uri="http://schemas.openxmlformats.org/drawingml/2006/table">
@@ -14861,48 +15946,25 @@
           </a:graphicData>
         </a:graphic>
       </p:graphicFrame>
-      <p:sp>
-        <p:nvSpPr>
-          <p:cNvPr id="6" name="Date Placeholder 5"/>
-          <p:cNvSpPr>
-            <a:spLocks noGrp="1"/>
-          </p:cNvSpPr>
-          <p:nvPr>
-            <p:ph type="dt" sz="half" idx="10"/>
-          </p:nvPr>
-        </p:nvSpPr>
-        <p:spPr/>
-        <p:txBody>
-          <a:bodyPr/>
-          <a:lstStyle/>
-          <a:p>
-            <a:r>
-              <a:rPr lang="en-US" smtClean="0"/>
-              <a:t>10/2/2013,           10/9/2013</a:t>
-            </a:r>
-            <a:endParaRPr lang="en-US" dirty="0"/>
-          </a:p>
-        </p:txBody>
-      </p:sp>
     </p:spTree>
   </p:cSld>
   <p:clrMapOvr>
     <a:masterClrMapping/>
   </p:clrMapOvr>
-  <p:transition>
+  <p:transition xmlns:p14="http://schemas.microsoft.com/office/powerpoint/2010/main">
     <p:random/>
   </p:transition>
   <p:timing>
     <p:tnLst>
       <p:par>
-        <p:cTn id="1" dur="indefinite" restart="never" nodeType="tmRoot"/>
+        <p:cTn xmlns:p14="http://schemas.microsoft.com/office/powerpoint/2010/main" id="1" dur="indefinite" restart="never" nodeType="tmRoot"/>
       </p:par>
     </p:tnLst>
   </p:timing>
 </p:sld>
 </file>
 
-<file path=ppt/slides/slide24.xml><?xml version="1.0" encoding="utf-8"?>
+<file path=ppt/slides/slide25.xml><?xml version="1.0" encoding="utf-8"?>
 <p:sld xmlns:a="http://schemas.openxmlformats.org/drawingml/2006/main" xmlns:r="http://schemas.openxmlformats.org/officeDocument/2006/relationships" xmlns:p="http://schemas.openxmlformats.org/presentationml/2006/main">
   <p:cSld>
     <p:spTree>
@@ -14942,7 +16004,7 @@
             <a:fld id="{E202D79C-EAC5-1C4A-A09E-4E2429245893}" type="slidenum">
               <a:rPr lang="en-US"/>
               <a:pPr/>
-              <a:t>24</a:t>
+              <a:t>25</a:t>
             </a:fld>
             <a:endParaRPr lang="en-US"/>
           </a:p>
@@ -15163,20 +16225,20 @@
   <p:clrMapOvr>
     <a:masterClrMapping/>
   </p:clrMapOvr>
-  <p:transition>
+  <p:transition xmlns:p14="http://schemas.microsoft.com/office/powerpoint/2010/main">
     <p:random/>
   </p:transition>
   <p:timing>
     <p:tnLst>
       <p:par>
-        <p:cTn id="1" dur="indefinite" restart="never" nodeType="tmRoot"/>
+        <p:cTn xmlns:p14="http://schemas.microsoft.com/office/powerpoint/2010/main" id="1" dur="indefinite" restart="never" nodeType="tmRoot"/>
       </p:par>
     </p:tnLst>
   </p:timing>
 </p:sld>
 </file>
 
-<file path=ppt/slides/slide25.xml><?xml version="1.0" encoding="utf-8"?>
+<file path=ppt/slides/slide26.xml><?xml version="1.0" encoding="utf-8"?>
 <p:sld xmlns:a="http://schemas.openxmlformats.org/drawingml/2006/main" xmlns:r="http://schemas.openxmlformats.org/officeDocument/2006/relationships" xmlns:p="http://schemas.openxmlformats.org/presentationml/2006/main">
   <p:cSld>
     <p:spTree>
@@ -15216,7 +16278,7 @@
             <a:fld id="{CE22F4E7-BAE9-6140-A7D5-A943C97AA4D3}" type="slidenum">
               <a:rPr lang="en-US"/>
               <a:pPr/>
-              <a:t>25</a:t>
+              <a:t>26</a:t>
             </a:fld>
             <a:endParaRPr lang="en-US"/>
           </a:p>
@@ -16071,20 +17133,20 @@
   <p:clrMapOvr>
     <a:masterClrMapping/>
   </p:clrMapOvr>
-  <p:transition>
+  <p:transition xmlns:p14="http://schemas.microsoft.com/office/powerpoint/2010/main">
     <p:random/>
   </p:transition>
   <p:timing>
     <p:tnLst>
       <p:par>
-        <p:cTn id="1" dur="indefinite" restart="never" nodeType="tmRoot"/>
+        <p:cTn xmlns:p14="http://schemas.microsoft.com/office/powerpoint/2010/main" id="1" dur="indefinite" restart="never" nodeType="tmRoot"/>
       </p:par>
     </p:tnLst>
   </p:timing>
 </p:sld>
 </file>
 
-<file path=ppt/slides/slide26.xml><?xml version="1.0" encoding="utf-8"?>
+<file path=ppt/slides/slide27.xml><?xml version="1.0" encoding="utf-8"?>
 <p:sld xmlns:a="http://schemas.openxmlformats.org/drawingml/2006/main" xmlns:r="http://schemas.openxmlformats.org/officeDocument/2006/relationships" xmlns:p="http://schemas.openxmlformats.org/presentationml/2006/main">
   <p:cSld>
     <p:spTree>
@@ -16124,7 +17186,7 @@
             <a:fld id="{16C14F2E-6E29-984B-BD37-60A0FB4A54BE}" type="slidenum">
               <a:rPr lang="en-US"/>
               <a:pPr/>
-              <a:t>26</a:t>
+              <a:t>27</a:t>
             </a:fld>
             <a:endParaRPr lang="en-US"/>
           </a:p>
@@ -16275,7 +17337,7 @@
           <a:graphicData uri="http://schemas.openxmlformats.org/presentationml/2006/ole">
             <mc:AlternateContent xmlns:mc="http://schemas.openxmlformats.org/markup-compatibility/2006">
               <mc:Choice xmlns:v="urn:schemas-microsoft-com:vml" Requires="v">
-                <p:oleObj spid="_x0000_s2106" name="Equation" r:id="rId3" imgW="2857320" imgH="545760" progId="Equation.DSMT4">
+                <p:oleObj spid="_x0000_s2111" name="Equation" r:id="rId3" imgW="2857320" imgH="545760" progId="Equation.DSMT4">
                   <p:embed/>
                 </p:oleObj>
               </mc:Choice>
@@ -16450,7 +17512,7 @@
           <a:graphicData uri="http://schemas.openxmlformats.org/presentationml/2006/ole">
             <mc:AlternateContent xmlns:mc="http://schemas.openxmlformats.org/markup-compatibility/2006">
               <mc:Choice xmlns:v="urn:schemas-microsoft-com:vml" Requires="v">
-                <p:oleObj spid="_x0000_s2107" name="Equation" r:id="rId6" imgW="3352680" imgH="1409400" progId="Equation.DSMT4">
+                <p:oleObj spid="_x0000_s2112" name="Equation" r:id="rId6" imgW="3352680" imgH="1409400" progId="Equation.DSMT4">
                   <p:embed/>
                 </p:oleObj>
               </mc:Choice>
@@ -16482,7 +17544,7 @@
                       </a:prstGeom>
                       <a:noFill/>
                       <a:extLst>
-                        <a:ext uri="{909E8E84-426E-40DD-AFC4-6F175D3DCCD1}">
+                        <a:ext uri="{909E8E84-426E-40dd-AFC4-6F175D3DCCD1}">
                           <a14:hiddenFill xmlns:a14="http://schemas.microsoft.com/office/drawing/2010/main">
                             <a:solidFill>
                               <a:srgbClr val="FFFFFF"/>
@@ -16503,20 +17565,20 @@
   <p:clrMapOvr>
     <a:masterClrMapping/>
   </p:clrMapOvr>
-  <p:transition>
+  <p:transition xmlns:p14="http://schemas.microsoft.com/office/powerpoint/2010/main">
     <p:random/>
   </p:transition>
   <p:timing>
     <p:tnLst>
       <p:par>
-        <p:cTn id="1" dur="indefinite" restart="never" nodeType="tmRoot"/>
+        <p:cTn xmlns:p14="http://schemas.microsoft.com/office/powerpoint/2010/main" id="1" dur="indefinite" restart="never" nodeType="tmRoot"/>
       </p:par>
     </p:tnLst>
   </p:timing>
 </p:sld>
 </file>
 
-<file path=ppt/slides/slide27.xml><?xml version="1.0" encoding="utf-8"?>
+<file path=ppt/slides/slide28.xml><?xml version="1.0" encoding="utf-8"?>
 <p:sld xmlns:a="http://schemas.openxmlformats.org/drawingml/2006/main" xmlns:r="http://schemas.openxmlformats.org/officeDocument/2006/relationships" xmlns:p="http://schemas.openxmlformats.org/presentationml/2006/main">
   <p:cSld>
     <p:spTree>
@@ -16556,7 +17618,7 @@
             <a:fld id="{365CD3E6-5A9E-AD4D-BC86-DBDD969364ED}" type="slidenum">
               <a:rPr lang="en-US"/>
               <a:pPr/>
-              <a:t>27</a:t>
+              <a:t>28</a:t>
             </a:fld>
             <a:endParaRPr lang="en-US"/>
           </a:p>
@@ -16652,7 +17714,7 @@
           <a:graphicData uri="http://schemas.openxmlformats.org/presentationml/2006/ole">
             <mc:AlternateContent xmlns:mc="http://schemas.openxmlformats.org/markup-compatibility/2006">
               <mc:Choice xmlns:v="urn:schemas-microsoft-com:vml" Requires="v">
-                <p:oleObj spid="_x0000_s3128" name="Equation" r:id="rId3" imgW="2869920" imgH="406080" progId="Equation.3">
+                <p:oleObj spid="_x0000_s3133" name="Equation" r:id="rId3" imgW="2869920" imgH="406080" progId="Equation.3">
                   <p:embed/>
                 </p:oleObj>
               </mc:Choice>
@@ -16690,7 +17752,7 @@
                       </a:prstGeom>
                       <a:noFill/>
                       <a:extLst>
-                        <a:ext uri="{909E8E84-426E-40DD-AFC4-6F175D3DCCD1}">
+                        <a:ext uri="{909E8E84-426E-40dd-AFC4-6F175D3DCCD1}">
                           <a14:hiddenFill xmlns:a14="http://schemas.microsoft.com/office/drawing/2010/main">
                             <a:solidFill>
                               <a:srgbClr val="FFFFFF"/>
@@ -16722,7 +17784,7 @@
           <a:graphicData uri="http://schemas.openxmlformats.org/presentationml/2006/ole">
             <mc:AlternateContent xmlns:mc="http://schemas.openxmlformats.org/markup-compatibility/2006">
               <mc:Choice xmlns:v="urn:schemas-microsoft-com:vml" Requires="v">
-                <p:oleObj spid="_x0000_s3129" name="Equation" r:id="rId5" imgW="2692080" imgH="685800" progId="Equation.3">
+                <p:oleObj spid="_x0000_s3134" name="Equation" r:id="rId5" imgW="2692080" imgH="685800" progId="Equation.3">
                   <p:embed/>
                 </p:oleObj>
               </mc:Choice>
@@ -16760,7 +17822,7 @@
                       </a:prstGeom>
                       <a:noFill/>
                       <a:extLst>
-                        <a:ext uri="{909E8E84-426E-40DD-AFC4-6F175D3DCCD1}">
+                        <a:ext uri="{909E8E84-426E-40dd-AFC4-6F175D3DCCD1}">
                           <a14:hiddenFill xmlns:a14="http://schemas.microsoft.com/office/drawing/2010/main">
                             <a:solidFill>
                               <a:srgbClr val="FFFFFF"/>
@@ -16872,20 +17934,20 @@
   <p:clrMapOvr>
     <a:masterClrMapping/>
   </p:clrMapOvr>
-  <p:transition>
+  <p:transition xmlns:p14="http://schemas.microsoft.com/office/powerpoint/2010/main">
     <p:random/>
   </p:transition>
   <p:timing>
     <p:tnLst>
       <p:par>
-        <p:cTn id="1" dur="indefinite" restart="never" nodeType="tmRoot"/>
+        <p:cTn xmlns:p14="http://schemas.microsoft.com/office/powerpoint/2010/main" id="1" dur="indefinite" restart="never" nodeType="tmRoot"/>
       </p:par>
     </p:tnLst>
   </p:timing>
 </p:sld>
 </file>
 
-<file path=ppt/slides/slide28.xml><?xml version="1.0" encoding="utf-8"?>
+<file path=ppt/slides/slide29.xml><?xml version="1.0" encoding="utf-8"?>
 <p:sld xmlns:a="http://schemas.openxmlformats.org/drawingml/2006/main" xmlns:r="http://schemas.openxmlformats.org/officeDocument/2006/relationships" xmlns:p="http://schemas.openxmlformats.org/presentationml/2006/main">
   <p:cSld>
     <p:spTree>
@@ -16925,7 +17987,7 @@
             <a:fld id="{49A6E0EB-E6CD-BA48-8115-96FE7D707980}" type="slidenum">
               <a:rPr lang="en-US"/>
               <a:pPr/>
-              <a:t>28</a:t>
+              <a:t>29</a:t>
             </a:fld>
             <a:endParaRPr lang="en-US"/>
           </a:p>
@@ -17152,14 +18214,14 @@
           </a:ln>
           <a:effectLst/>
           <a:extLst>
-            <a:ext uri="{909E8E84-426E-40DD-AFC4-6F175D3DCCD1}">
+            <a:ext uri="{909E8E84-426E-40dd-AFC4-6F175D3DCCD1}">
               <a14:hiddenFill xmlns:a14="http://schemas.microsoft.com/office/drawing/2010/main">
                 <a:solidFill>
                   <a:schemeClr val="accent1"/>
                 </a:solidFill>
               </a14:hiddenFill>
             </a:ext>
-            <a:ext uri="{91240B29-F687-4F45-9708-019B960494DF}">
+            <a:ext uri="{91240B29-F687-4f45-9708-019B960494DF}">
               <a14:hiddenLine xmlns:a14="http://schemas.microsoft.com/office/drawing/2010/main" w="9525">
                 <a:solidFill>
                   <a:schemeClr val="tx1"/>
@@ -17169,7 +18231,7 @@
                 <a:tailEnd/>
               </a14:hiddenLine>
             </a:ext>
-            <a:ext uri="{AF507438-7753-43E0-B8FC-AC1667EBCBE1}">
+            <a:ext uri="{AF507438-7753-43e0-B8FC-AC1667EBCBE1}">
               <a14:hiddenEffects xmlns:a14="http://schemas.microsoft.com/office/drawing/2010/main">
                 <a:effectLst>
                   <a:outerShdw dist="35921" dir="2700000" algn="ctr" rotWithShape="0">
@@ -17209,20 +18271,20 @@
   <p:clrMapOvr>
     <a:masterClrMapping/>
   </p:clrMapOvr>
-  <p:transition>
+  <p:transition xmlns:p14="http://schemas.microsoft.com/office/powerpoint/2010/main">
     <p:random/>
   </p:transition>
   <p:timing>
     <p:tnLst>
       <p:par>
-        <p:cTn id="1" dur="indefinite" restart="never" nodeType="tmRoot"/>
+        <p:cTn xmlns:p14="http://schemas.microsoft.com/office/powerpoint/2010/main" id="1" dur="indefinite" restart="never" nodeType="tmRoot"/>
       </p:par>
     </p:tnLst>
   </p:timing>
 </p:sld>
 </file>
 
-<file path=ppt/slides/slide29.xml><?xml version="1.0" encoding="utf-8"?>
+<file path=ppt/slides/slide3.xml><?xml version="1.0" encoding="utf-8"?>
 <p:sld xmlns:a="http://schemas.openxmlformats.org/drawingml/2006/main" xmlns:r="http://schemas.openxmlformats.org/officeDocument/2006/relationships" xmlns:p="http://schemas.openxmlformats.org/presentationml/2006/main">
   <p:cSld>
     <p:spTree>
@@ -17241,6 +18303,188 @@
       </p:grpSpPr>
       <p:sp>
         <p:nvSpPr>
+          <p:cNvPr id="6147" name="Slide Number Placeholder 4"/>
+          <p:cNvSpPr>
+            <a:spLocks noGrp="1"/>
+          </p:cNvSpPr>
+          <p:nvPr>
+            <p:ph type="sldNum" sz="quarter" idx="11"/>
+          </p:nvPr>
+        </p:nvSpPr>
+        <p:spPr>
+          <a:noFill/>
+        </p:spPr>
+        <p:txBody>
+          <a:bodyPr/>
+          <a:lstStyle/>
+          <a:p>
+            <a:endParaRPr lang="en-US"/>
+          </a:p>
+          <a:p>
+            <a:fld id="{F5E05424-F054-C243-9417-677743B78036}" type="slidenum">
+              <a:rPr lang="en-US"/>
+              <a:pPr/>
+              <a:t>3</a:t>
+            </a:fld>
+            <a:endParaRPr lang="en-US"/>
+          </a:p>
+        </p:txBody>
+      </p:sp>
+      <p:sp>
+        <p:nvSpPr>
+          <p:cNvPr id="6148" name="Rectangle 2"/>
+          <p:cNvSpPr>
+            <a:spLocks noGrp="1" noChangeArrowheads="1"/>
+          </p:cNvSpPr>
+          <p:nvPr>
+            <p:ph type="title"/>
+          </p:nvPr>
+        </p:nvSpPr>
+        <p:spPr/>
+        <p:txBody>
+          <a:bodyPr/>
+          <a:lstStyle/>
+          <a:p>
+            <a:r>
+              <a:rPr lang="en-US" dirty="0" smtClean="0"/>
+              <a:t>Knapsack Problem</a:t>
+            </a:r>
+            <a:endParaRPr lang="en-US" dirty="0"/>
+          </a:p>
+        </p:txBody>
+      </p:sp>
+      <p:sp>
+        <p:nvSpPr>
+          <p:cNvPr id="7" name="Footer Placeholder 4"/>
+          <p:cNvSpPr txBox="1">
+            <a:spLocks noGrp="1"/>
+          </p:cNvSpPr>
+          <p:nvPr/>
+        </p:nvSpPr>
+        <p:spPr bwMode="auto">
+          <a:xfrm>
+            <a:off x="1981200" y="6264275"/>
+            <a:ext cx="5410200" cy="457200"/>
+          </a:xfrm>
+          <a:prstGeom prst="rect">
+            <a:avLst/>
+          </a:prstGeom>
+          <a:noFill/>
+          <a:ln w="9525">
+            <a:noFill/>
+            <a:miter lim="800000"/>
+            <a:headEnd/>
+            <a:tailEnd/>
+          </a:ln>
+        </p:spPr>
+        <p:txBody>
+          <a:bodyPr/>
+          <a:lstStyle/>
+          <a:p>
+            <a:pPr>
+              <a:defRPr/>
+            </a:pPr>
+            <a:r>
+              <a:rPr lang="en-US" sz="1400" b="0" dirty="0">
+                <a:solidFill>
+                  <a:schemeClr val="tx1"/>
+                </a:solidFill>
+                <a:latin typeface="Century Gothic" pitchFamily="34" charset="0"/>
+              </a:rPr>
+              <a:t>Professor Dong, Washington University in St. Louis, MO</a:t>
+            </a:r>
+          </a:p>
+        </p:txBody>
+      </p:sp>
+      <p:sp>
+        <p:nvSpPr>
+          <p:cNvPr id="10" name="Date Placeholder 9"/>
+          <p:cNvSpPr>
+            <a:spLocks noGrp="1"/>
+          </p:cNvSpPr>
+          <p:nvPr>
+            <p:ph type="dt" sz="half" idx="10"/>
+          </p:nvPr>
+        </p:nvSpPr>
+        <p:spPr/>
+        <p:txBody>
+          <a:bodyPr/>
+          <a:lstStyle/>
+          <a:p>
+            <a:r>
+              <a:rPr lang="en-US" smtClean="0"/>
+              <a:t>10/2/2013,           10/9/2013</a:t>
+            </a:r>
+            <a:endParaRPr lang="en-US"/>
+          </a:p>
+        </p:txBody>
+      </p:sp>
+      <p:pic>
+        <p:nvPicPr>
+          <p:cNvPr id="5" name="Picture 4"/>
+          <p:cNvPicPr>
+            <a:picLocks noChangeAspect="1"/>
+          </p:cNvPicPr>
+          <p:nvPr/>
+        </p:nvPicPr>
+        <p:blipFill>
+          <a:blip r:embed="rId2"/>
+          <a:stretch>
+            <a:fillRect/>
+          </a:stretch>
+        </p:blipFill>
+        <p:spPr>
+          <a:xfrm>
+            <a:off x="2143360" y="1455730"/>
+            <a:ext cx="5236755" cy="4536366"/>
+          </a:xfrm>
+          <a:prstGeom prst="rect">
+            <a:avLst/>
+          </a:prstGeom>
+        </p:spPr>
+      </p:pic>
+    </p:spTree>
+    <p:extLst>
+      <p:ext uri="{BB962C8B-B14F-4D97-AF65-F5344CB8AC3E}">
+        <p14:creationId xmlns:p14="http://schemas.microsoft.com/office/powerpoint/2010/main" val="158149926"/>
+      </p:ext>
+    </p:extLst>
+  </p:cSld>
+  <p:clrMapOvr>
+    <a:masterClrMapping/>
+  </p:clrMapOvr>
+  <p:transition xmlns:p14="http://schemas.microsoft.com/office/powerpoint/2010/main">
+    <p:random/>
+  </p:transition>
+  <p:timing>
+    <p:tnLst>
+      <p:par>
+        <p:cTn xmlns:p14="http://schemas.microsoft.com/office/powerpoint/2010/main" id="1" dur="indefinite" restart="never" nodeType="tmRoot"/>
+      </p:par>
+    </p:tnLst>
+  </p:timing>
+</p:sld>
+</file>
+
+<file path=ppt/slides/slide30.xml><?xml version="1.0" encoding="utf-8"?>
+<p:sld xmlns:a="http://schemas.openxmlformats.org/drawingml/2006/main" xmlns:r="http://schemas.openxmlformats.org/officeDocument/2006/relationships" xmlns:p="http://schemas.openxmlformats.org/presentationml/2006/main">
+  <p:cSld>
+    <p:spTree>
+      <p:nvGrpSpPr>
+        <p:cNvPr id="1" name=""/>
+        <p:cNvGrpSpPr/>
+        <p:nvPr/>
+      </p:nvGrpSpPr>
+      <p:grpSpPr>
+        <a:xfrm>
+          <a:off x="0" y="0"/>
+          <a:ext cx="0" cy="0"/>
+          <a:chOff x="0" y="0"/>
+          <a:chExt cx="0" cy="0"/>
+        </a:xfrm>
+      </p:grpSpPr>
+      <p:sp>
+        <p:nvSpPr>
           <p:cNvPr id="26627" name="Slide Number Placeholder 4"/>
           <p:cNvSpPr>
             <a:spLocks noGrp="1"/>
@@ -17262,7 +18506,7 @@
             <a:fld id="{2C50B8F4-F12E-5D45-8F82-D097B28980F0}" type="slidenum">
               <a:rPr lang="en-US"/>
               <a:pPr/>
-              <a:t>29</a:t>
+              <a:t>30</a:t>
             </a:fld>
             <a:endParaRPr lang="en-US"/>
           </a:p>
@@ -17980,20 +19224,20 @@
   <p:clrMapOvr>
     <a:masterClrMapping/>
   </p:clrMapOvr>
-  <p:transition>
+  <p:transition xmlns:p14="http://schemas.microsoft.com/office/powerpoint/2010/main">
     <p:random/>
   </p:transition>
   <p:timing>
     <p:tnLst>
       <p:par>
-        <p:cTn id="1" dur="indefinite" restart="never" nodeType="tmRoot"/>
+        <p:cTn xmlns:p14="http://schemas.microsoft.com/office/powerpoint/2010/main" id="1" dur="indefinite" restart="never" nodeType="tmRoot"/>
       </p:par>
     </p:tnLst>
   </p:timing>
 </p:sld>
 </file>
 
-<file path=ppt/slides/slide3.xml><?xml version="1.0" encoding="utf-8"?>
+<file path=ppt/slides/slide4.xml><?xml version="1.0" encoding="utf-8"?>
 <p:sld xmlns:a="http://schemas.openxmlformats.org/drawingml/2006/main" xmlns:r="http://schemas.openxmlformats.org/officeDocument/2006/relationships" xmlns:p="http://schemas.openxmlformats.org/presentationml/2006/main">
   <p:cSld>
     <p:spTree>
@@ -18033,7 +19277,7 @@
             <a:fld id="{EC305B49-3E3D-9447-B97D-DC64F9DE3BDB}" type="slidenum">
               <a:rPr lang="en-US"/>
               <a:pPr/>
-              <a:t>3</a:t>
+              <a:t>4</a:t>
             </a:fld>
             <a:endParaRPr lang="en-US"/>
           </a:p>
@@ -18143,12 +19387,12 @@
           <a:graphicData uri="http://schemas.openxmlformats.org/presentationml/2006/ole">
             <mc:AlternateContent xmlns:mc="http://schemas.openxmlformats.org/markup-compatibility/2006">
               <mc:Choice xmlns:v="urn:schemas-microsoft-com:vml" Requires="v">
-                <p:oleObj spid="_x0000_s4113" name="Chart" r:id="rId4" imgW="3486302" imgH="2124151" progId="Excel.Sheet.8">
+                <p:oleObj spid="_x0000_s4120" name="Chart" r:id="rId3" imgW="3486302" imgH="2124151" progId="Excel.Sheet.8">
                   <p:embed/>
                 </p:oleObj>
               </mc:Choice>
               <mc:Fallback>
-                <p:oleObj name="Chart" r:id="rId4" imgW="3486302" imgH="2124151" progId="Excel.Sheet.8">
+                <p:oleObj name="Chart" r:id="rId3" imgW="3486302" imgH="2124151" progId="Excel.Sheet.8">
                   <p:embed/>
                   <p:pic>
                     <p:nvPicPr>
@@ -18159,7 +19403,7 @@
                       <p:nvPr/>
                     </p:nvPicPr>
                     <p:blipFill>
-                      <a:blip r:embed="rId5">
+                      <a:blip r:embed="rId4">
                         <a:extLst>
                           <a:ext uri="{28A0092B-C50C-407E-A947-70E740481C1C}">
                             <a14:useLocalDpi xmlns:a14="http://schemas.microsoft.com/office/drawing/2010/main" val="0"/>
@@ -18181,7 +19425,7 @@
                       </a:prstGeom>
                       <a:noFill/>
                       <a:extLst>
-                        <a:ext uri="{909E8E84-426E-40DD-AFC4-6F175D3DCCD1}">
+                        <a:ext uri="{909E8E84-426E-40dd-AFC4-6F175D3DCCD1}">
                           <a14:hiddenFill xmlns:a14="http://schemas.microsoft.com/office/drawing/2010/main">
                             <a:solidFill>
                               <a:srgbClr val="FFFFFF"/>
@@ -18296,7 +19540,7 @@
           </p:nvPr>
         </p:nvPicPr>
         <p:blipFill>
-          <a:blip r:embed="rId6" cstate="print"/>
+          <a:blip r:embed="rId5" cstate="print"/>
           <a:srcRect/>
           <a:stretch>
             <a:fillRect/>
@@ -18319,7 +19563,7 @@
           <p:nvPr/>
         </p:nvPicPr>
         <p:blipFill>
-          <a:blip r:embed="rId6" cstate="print"/>
+          <a:blip r:embed="rId5" cstate="print"/>
           <a:srcRect/>
           <a:stretch>
             <a:fillRect/>
@@ -18351,7 +19595,7 @@
           <p:nvPr/>
         </p:nvPicPr>
         <p:blipFill>
-          <a:blip r:embed="rId6" cstate="print"/>
+          <a:blip r:embed="rId5" cstate="print"/>
           <a:srcRect/>
           <a:stretch>
             <a:fillRect/>
@@ -18383,7 +19627,7 @@
           <p:nvPr/>
         </p:nvPicPr>
         <p:blipFill>
-          <a:blip r:embed="rId6" cstate="print"/>
+          <a:blip r:embed="rId5" cstate="print"/>
           <a:srcRect/>
           <a:stretch>
             <a:fillRect/>
@@ -18652,7 +19896,7 @@
           <p:nvPr/>
         </p:nvPicPr>
         <p:blipFill>
-          <a:blip r:embed="rId7" cstate="print"/>
+          <a:blip r:embed="rId6" cstate="print"/>
           <a:srcRect/>
           <a:stretch>
             <a:fillRect/>
@@ -18898,12 +20142,12 @@
           <a:graphicData uri="http://schemas.openxmlformats.org/presentationml/2006/ole">
             <mc:AlternateContent xmlns:mc="http://schemas.openxmlformats.org/markup-compatibility/2006">
               <mc:Choice xmlns:v="urn:schemas-microsoft-com:vml" Requires="v">
-                <p:oleObj spid="_x0000_s4114" name="Equation" r:id="rId8" imgW="114120" imgH="215640" progId="Equation.3">
+                <p:oleObj spid="_x0000_s4121" name="Equation" r:id="rId7" imgW="114120" imgH="215640" progId="Equation.3">
                   <p:embed/>
                 </p:oleObj>
               </mc:Choice>
               <mc:Fallback>
-                <p:oleObj name="Equation" r:id="rId8" imgW="114120" imgH="215640" progId="Equation.3">
+                <p:oleObj name="Equation" r:id="rId7" imgW="114120" imgH="215640" progId="Equation.3">
                   <p:embed/>
                   <p:pic>
                     <p:nvPicPr>
@@ -18914,7 +20158,7 @@
                       <p:nvPr/>
                     </p:nvPicPr>
                     <p:blipFill>
-                      <a:blip r:embed="rId9">
+                      <a:blip r:embed="rId8">
                         <a:extLst>
                           <a:ext uri="{28A0092B-C50C-407E-A947-70E740481C1C}">
                             <a14:useLocalDpi xmlns:a14="http://schemas.microsoft.com/office/drawing/2010/main" val="0"/>
@@ -18936,7 +20180,7 @@
                       </a:prstGeom>
                       <a:noFill/>
                       <a:extLst>
-                        <a:ext uri="{909E8E84-426E-40DD-AFC4-6F175D3DCCD1}">
+                        <a:ext uri="{909E8E84-426E-40dd-AFC4-6F175D3DCCD1}">
                           <a14:hiddenFill xmlns:a14="http://schemas.microsoft.com/office/drawing/2010/main">
                             <a:solidFill>
                               <a:srgbClr val="FFFFFF"/>
@@ -18968,12 +20212,12 @@
           <a:graphicData uri="http://schemas.openxmlformats.org/presentationml/2006/ole">
             <mc:AlternateContent xmlns:mc="http://schemas.openxmlformats.org/markup-compatibility/2006">
               <mc:Choice xmlns:v="urn:schemas-microsoft-com:vml" Requires="v">
-                <p:oleObj spid="_x0000_s4115" name="Equation" r:id="rId10" imgW="2273040" imgH="317160" progId="Equation.DSMT4">
+                <p:oleObj spid="_x0000_s4122" name="Equation" r:id="rId9" imgW="2273040" imgH="317160" progId="Equation.DSMT4">
                   <p:embed/>
                 </p:oleObj>
               </mc:Choice>
               <mc:Fallback>
-                <p:oleObj name="Equation" r:id="rId10" imgW="2273040" imgH="317160" progId="Equation.DSMT4">
+                <p:oleObj name="Equation" r:id="rId9" imgW="2273040" imgH="317160" progId="Equation.DSMT4">
                   <p:embed/>
                   <p:pic>
                     <p:nvPicPr>
@@ -18984,7 +20228,7 @@
                       <p:nvPr/>
                     </p:nvPicPr>
                     <p:blipFill>
-                      <a:blip r:embed="rId11">
+                      <a:blip r:embed="rId10">
                         <a:extLst>
                           <a:ext uri="{28A0092B-C50C-407E-A947-70E740481C1C}">
                             <a14:useLocalDpi xmlns:a14="http://schemas.microsoft.com/office/drawing/2010/main" val="0"/>
@@ -19006,7 +20250,7 @@
                       </a:prstGeom>
                       <a:noFill/>
                       <a:extLst>
-                        <a:ext uri="{909E8E84-426E-40DD-AFC4-6F175D3DCCD1}">
+                        <a:ext uri="{909E8E84-426E-40dd-AFC4-6F175D3DCCD1}">
                           <a14:hiddenFill xmlns:a14="http://schemas.microsoft.com/office/drawing/2010/main">
                             <a:solidFill>
                               <a:srgbClr val="FFFFFF"/>
@@ -19092,7 +20336,7 @@
             <a:tailEnd type="triangle" w="med" len="med"/>
           </a:ln>
           <a:extLst>
-            <a:ext uri="{909E8E84-426E-40DD-AFC4-6F175D3DCCD1}">
+            <a:ext uri="{909E8E84-426E-40dd-AFC4-6F175D3DCCD1}">
               <a14:hiddenFill xmlns:a14="http://schemas.microsoft.com/office/drawing/2010/main">
                 <a:noFill/>
               </a14:hiddenFill>
@@ -19128,14 +20372,14 @@
             <a:noFill/>
           </a:ln>
           <a:extLst>
-            <a:ext uri="{909E8E84-426E-40DD-AFC4-6F175D3DCCD1}">
+            <a:ext uri="{909E8E84-426E-40dd-AFC4-6F175D3DCCD1}">
               <a14:hiddenFill xmlns:a14="http://schemas.microsoft.com/office/drawing/2010/main">
                 <a:solidFill>
                   <a:srgbClr val="FFFFFF"/>
                 </a:solidFill>
               </a14:hiddenFill>
             </a:ext>
-            <a:ext uri="{91240B29-F687-4F45-9708-019B960494DF}">
+            <a:ext uri="{91240B29-F687-4f45-9708-019B960494DF}">
               <a14:hiddenLine xmlns:a14="http://schemas.microsoft.com/office/drawing/2010/main" w="9525">
                 <a:solidFill>
                   <a:srgbClr val="000000"/>
@@ -19297,215 +20541,13 @@
   <p:clrMapOvr>
     <a:masterClrMapping/>
   </p:clrMapOvr>
-  <p:transition>
+  <p:transition xmlns:p14="http://schemas.microsoft.com/office/powerpoint/2010/main">
     <p:random/>
   </p:transition>
   <p:timing>
     <p:tnLst>
       <p:par>
-        <p:cTn id="1" dur="indefinite" restart="never" nodeType="tmRoot"/>
-      </p:par>
-    </p:tnLst>
-  </p:timing>
-</p:sld>
-</file>
-
-<file path=ppt/slides/slide4.xml><?xml version="1.0" encoding="utf-8"?>
-<p:sld xmlns:a="http://schemas.openxmlformats.org/drawingml/2006/main" xmlns:r="http://schemas.openxmlformats.org/officeDocument/2006/relationships" xmlns:p="http://schemas.openxmlformats.org/presentationml/2006/main">
-  <p:cSld>
-    <p:spTree>
-      <p:nvGrpSpPr>
-        <p:cNvPr id="1" name=""/>
-        <p:cNvGrpSpPr/>
-        <p:nvPr/>
-      </p:nvGrpSpPr>
-      <p:grpSpPr>
-        <a:xfrm>
-          <a:off x="0" y="0"/>
-          <a:ext cx="0" cy="0"/>
-          <a:chOff x="0" y="0"/>
-          <a:chExt cx="0" cy="0"/>
-        </a:xfrm>
-      </p:grpSpPr>
-      <p:sp>
-        <p:nvSpPr>
-          <p:cNvPr id="7171" name="Slide Number Placeholder 4"/>
-          <p:cNvSpPr>
-            <a:spLocks noGrp="1"/>
-          </p:cNvSpPr>
-          <p:nvPr>
-            <p:ph type="sldNum" sz="quarter" idx="11"/>
-          </p:nvPr>
-        </p:nvSpPr>
-        <p:spPr>
-          <a:noFill/>
-        </p:spPr>
-        <p:txBody>
-          <a:bodyPr/>
-          <a:lstStyle/>
-          <a:p>
-            <a:endParaRPr lang="en-US"/>
-          </a:p>
-          <a:p>
-            <a:fld id="{77BE521E-F091-D240-8325-9936F57C7597}" type="slidenum">
-              <a:rPr lang="en-US"/>
-              <a:pPr/>
-              <a:t>4</a:t>
-            </a:fld>
-            <a:endParaRPr lang="en-US"/>
-          </a:p>
-        </p:txBody>
-      </p:sp>
-      <p:sp>
-        <p:nvSpPr>
-          <p:cNvPr id="7172" name="Rectangle 2"/>
-          <p:cNvSpPr>
-            <a:spLocks noGrp="1" noChangeArrowheads="1"/>
-          </p:cNvSpPr>
-          <p:nvPr>
-            <p:ph type="title"/>
-          </p:nvPr>
-        </p:nvSpPr>
-        <p:spPr/>
-        <p:txBody>
-          <a:bodyPr/>
-          <a:lstStyle/>
-          <a:p>
-            <a:r>
-              <a:rPr lang="en-US"/>
-              <a:t>Location Problem Formulation</a:t>
-            </a:r>
-          </a:p>
-        </p:txBody>
-      </p:sp>
-      <p:sp>
-        <p:nvSpPr>
-          <p:cNvPr id="7173" name="Rectangle 3"/>
-          <p:cNvSpPr>
-            <a:spLocks noGrp="1" noChangeArrowheads="1"/>
-          </p:cNvSpPr>
-          <p:nvPr>
-            <p:ph type="body" idx="1"/>
-          </p:nvPr>
-        </p:nvSpPr>
-        <p:spPr/>
-        <p:txBody>
-          <a:bodyPr/>
-          <a:lstStyle/>
-          <a:p>
-            <a:r>
-              <a:rPr lang="en-US" b="1" dirty="0"/>
-              <a:t>Decision Variables</a:t>
-            </a:r>
-          </a:p>
-          <a:p>
-            <a:endParaRPr lang="en-US" dirty="0"/>
-          </a:p>
-          <a:p>
-            <a:endParaRPr lang="en-US" dirty="0"/>
-          </a:p>
-          <a:p>
-            <a:r>
-              <a:rPr lang="en-US" b="1" dirty="0"/>
-              <a:t>Objective function</a:t>
-            </a:r>
-          </a:p>
-          <a:p>
-            <a:pPr lvl="1">
-              <a:buFontTx/>
-              <a:buNone/>
-            </a:pPr>
-            <a:endParaRPr lang="en-US" dirty="0"/>
-          </a:p>
-          <a:p>
-            <a:endParaRPr lang="en-US" dirty="0"/>
-          </a:p>
-          <a:p>
-            <a:r>
-              <a:rPr lang="en-US" b="1" dirty="0"/>
-              <a:t>Constraints</a:t>
-            </a:r>
-          </a:p>
-        </p:txBody>
-      </p:sp>
-      <p:sp>
-        <p:nvSpPr>
-          <p:cNvPr id="6" name="Date Placeholder 5"/>
-          <p:cNvSpPr>
-            <a:spLocks noGrp="1"/>
-          </p:cNvSpPr>
-          <p:nvPr>
-            <p:ph type="dt" sz="half" idx="10"/>
-          </p:nvPr>
-        </p:nvSpPr>
-        <p:spPr/>
-        <p:txBody>
-          <a:bodyPr/>
-          <a:lstStyle/>
-          <a:p>
-            <a:r>
-              <a:rPr lang="en-US" smtClean="0"/>
-              <a:t>10/2/2013,           10/9/2013</a:t>
-            </a:r>
-            <a:endParaRPr lang="en-US"/>
-          </a:p>
-        </p:txBody>
-      </p:sp>
-      <p:sp>
-        <p:nvSpPr>
-          <p:cNvPr id="7" name="Footer Placeholder 4"/>
-          <p:cNvSpPr txBox="1">
-            <a:spLocks noGrp="1"/>
-          </p:cNvSpPr>
-          <p:nvPr/>
-        </p:nvSpPr>
-        <p:spPr bwMode="auto">
-          <a:xfrm>
-            <a:off x="1981200" y="6264275"/>
-            <a:ext cx="5410200" cy="457200"/>
-          </a:xfrm>
-          <a:prstGeom prst="rect">
-            <a:avLst/>
-          </a:prstGeom>
-          <a:noFill/>
-          <a:ln w="9525">
-            <a:noFill/>
-            <a:miter lim="800000"/>
-            <a:headEnd/>
-            <a:tailEnd/>
-          </a:ln>
-        </p:spPr>
-        <p:txBody>
-          <a:bodyPr/>
-          <a:lstStyle/>
-          <a:p>
-            <a:pPr>
-              <a:defRPr/>
-            </a:pPr>
-            <a:r>
-              <a:rPr lang="en-US" sz="1400" b="0" dirty="0">
-                <a:solidFill>
-                  <a:schemeClr val="tx1"/>
-                </a:solidFill>
-                <a:latin typeface="Century Gothic" pitchFamily="34" charset="0"/>
-              </a:rPr>
-              <a:t>Professor Dong, Washington University in St. Louis, MO</a:t>
-            </a:r>
-          </a:p>
-        </p:txBody>
-      </p:sp>
-    </p:spTree>
-  </p:cSld>
-  <p:clrMapOvr>
-    <a:masterClrMapping/>
-  </p:clrMapOvr>
-  <p:transition>
-    <p:random/>
-  </p:transition>
-  <p:timing>
-    <p:tnLst>
-      <p:par>
-        <p:cTn id="1" dur="indefinite" restart="never" nodeType="tmRoot"/>
+        <p:cTn xmlns:p14="http://schemas.microsoft.com/office/powerpoint/2010/main" id="1" dur="indefinite" restart="never" nodeType="tmRoot"/>
       </p:par>
     </p:tnLst>
   </p:timing>
@@ -19531,6 +20573,208 @@
       </p:grpSpPr>
       <p:sp>
         <p:nvSpPr>
+          <p:cNvPr id="7171" name="Slide Number Placeholder 4"/>
+          <p:cNvSpPr>
+            <a:spLocks noGrp="1"/>
+          </p:cNvSpPr>
+          <p:nvPr>
+            <p:ph type="sldNum" sz="quarter" idx="11"/>
+          </p:nvPr>
+        </p:nvSpPr>
+        <p:spPr>
+          <a:noFill/>
+        </p:spPr>
+        <p:txBody>
+          <a:bodyPr/>
+          <a:lstStyle/>
+          <a:p>
+            <a:endParaRPr lang="en-US"/>
+          </a:p>
+          <a:p>
+            <a:fld id="{77BE521E-F091-D240-8325-9936F57C7597}" type="slidenum">
+              <a:rPr lang="en-US"/>
+              <a:pPr/>
+              <a:t>5</a:t>
+            </a:fld>
+            <a:endParaRPr lang="en-US"/>
+          </a:p>
+        </p:txBody>
+      </p:sp>
+      <p:sp>
+        <p:nvSpPr>
+          <p:cNvPr id="7172" name="Rectangle 2"/>
+          <p:cNvSpPr>
+            <a:spLocks noGrp="1" noChangeArrowheads="1"/>
+          </p:cNvSpPr>
+          <p:nvPr>
+            <p:ph type="title"/>
+          </p:nvPr>
+        </p:nvSpPr>
+        <p:spPr/>
+        <p:txBody>
+          <a:bodyPr/>
+          <a:lstStyle/>
+          <a:p>
+            <a:r>
+              <a:rPr lang="en-US"/>
+              <a:t>Location Problem Formulation</a:t>
+            </a:r>
+          </a:p>
+        </p:txBody>
+      </p:sp>
+      <p:sp>
+        <p:nvSpPr>
+          <p:cNvPr id="7173" name="Rectangle 3"/>
+          <p:cNvSpPr>
+            <a:spLocks noGrp="1" noChangeArrowheads="1"/>
+          </p:cNvSpPr>
+          <p:nvPr>
+            <p:ph type="body" idx="1"/>
+          </p:nvPr>
+        </p:nvSpPr>
+        <p:spPr/>
+        <p:txBody>
+          <a:bodyPr/>
+          <a:lstStyle/>
+          <a:p>
+            <a:r>
+              <a:rPr lang="en-US" b="1" dirty="0"/>
+              <a:t>Decision Variables</a:t>
+            </a:r>
+          </a:p>
+          <a:p>
+            <a:endParaRPr lang="en-US" dirty="0"/>
+          </a:p>
+          <a:p>
+            <a:endParaRPr lang="en-US" dirty="0"/>
+          </a:p>
+          <a:p>
+            <a:r>
+              <a:rPr lang="en-US" b="1" dirty="0"/>
+              <a:t>Objective function</a:t>
+            </a:r>
+          </a:p>
+          <a:p>
+            <a:pPr lvl="1">
+              <a:buFontTx/>
+              <a:buNone/>
+            </a:pPr>
+            <a:endParaRPr lang="en-US" dirty="0"/>
+          </a:p>
+          <a:p>
+            <a:endParaRPr lang="en-US" dirty="0"/>
+          </a:p>
+          <a:p>
+            <a:r>
+              <a:rPr lang="en-US" b="1" dirty="0"/>
+              <a:t>Constraints</a:t>
+            </a:r>
+          </a:p>
+        </p:txBody>
+      </p:sp>
+      <p:sp>
+        <p:nvSpPr>
+          <p:cNvPr id="6" name="Date Placeholder 5"/>
+          <p:cNvSpPr>
+            <a:spLocks noGrp="1"/>
+          </p:cNvSpPr>
+          <p:nvPr>
+            <p:ph type="dt" sz="half" idx="10"/>
+          </p:nvPr>
+        </p:nvSpPr>
+        <p:spPr/>
+        <p:txBody>
+          <a:bodyPr/>
+          <a:lstStyle/>
+          <a:p>
+            <a:r>
+              <a:rPr lang="en-US" smtClean="0"/>
+              <a:t>10/2/2013,           10/9/2013</a:t>
+            </a:r>
+            <a:endParaRPr lang="en-US"/>
+          </a:p>
+        </p:txBody>
+      </p:sp>
+      <p:sp>
+        <p:nvSpPr>
+          <p:cNvPr id="7" name="Footer Placeholder 4"/>
+          <p:cNvSpPr txBox="1">
+            <a:spLocks noGrp="1"/>
+          </p:cNvSpPr>
+          <p:nvPr/>
+        </p:nvSpPr>
+        <p:spPr bwMode="auto">
+          <a:xfrm>
+            <a:off x="1981200" y="6264275"/>
+            <a:ext cx="5410200" cy="457200"/>
+          </a:xfrm>
+          <a:prstGeom prst="rect">
+            <a:avLst/>
+          </a:prstGeom>
+          <a:noFill/>
+          <a:ln w="9525">
+            <a:noFill/>
+            <a:miter lim="800000"/>
+            <a:headEnd/>
+            <a:tailEnd/>
+          </a:ln>
+        </p:spPr>
+        <p:txBody>
+          <a:bodyPr/>
+          <a:lstStyle/>
+          <a:p>
+            <a:pPr>
+              <a:defRPr/>
+            </a:pPr>
+            <a:r>
+              <a:rPr lang="en-US" sz="1400" b="0" dirty="0">
+                <a:solidFill>
+                  <a:schemeClr val="tx1"/>
+                </a:solidFill>
+                <a:latin typeface="Century Gothic" pitchFamily="34" charset="0"/>
+              </a:rPr>
+              <a:t>Professor Dong, Washington University in St. Louis, MO</a:t>
+            </a:r>
+          </a:p>
+        </p:txBody>
+      </p:sp>
+    </p:spTree>
+  </p:cSld>
+  <p:clrMapOvr>
+    <a:masterClrMapping/>
+  </p:clrMapOvr>
+  <p:transition xmlns:p14="http://schemas.microsoft.com/office/powerpoint/2010/main">
+    <p:random/>
+  </p:transition>
+  <p:timing>
+    <p:tnLst>
+      <p:par>
+        <p:cTn xmlns:p14="http://schemas.microsoft.com/office/powerpoint/2010/main" id="1" dur="indefinite" restart="never" nodeType="tmRoot"/>
+      </p:par>
+    </p:tnLst>
+  </p:timing>
+</p:sld>
+</file>
+
+<file path=ppt/slides/slide6.xml><?xml version="1.0" encoding="utf-8"?>
+<p:sld xmlns:a="http://schemas.openxmlformats.org/drawingml/2006/main" xmlns:r="http://schemas.openxmlformats.org/officeDocument/2006/relationships" xmlns:p="http://schemas.openxmlformats.org/presentationml/2006/main">
+  <p:cSld>
+    <p:spTree>
+      <p:nvGrpSpPr>
+        <p:cNvPr id="1" name=""/>
+        <p:cNvGrpSpPr/>
+        <p:nvPr/>
+      </p:nvGrpSpPr>
+      <p:grpSpPr>
+        <a:xfrm>
+          <a:off x="0" y="0"/>
+          <a:ext cx="0" cy="0"/>
+          <a:chOff x="0" y="0"/>
+          <a:chExt cx="0" cy="0"/>
+        </a:xfrm>
+      </p:grpSpPr>
+      <p:sp>
+        <p:nvSpPr>
           <p:cNvPr id="8195" name="Slide Number Placeholder 5"/>
           <p:cNvSpPr>
             <a:spLocks noGrp="1"/>
@@ -19552,7 +20796,7 @@
             <a:fld id="{2F7F1C0E-6C9C-1245-84FC-8A5326FBB09C}" type="slidenum">
               <a:rPr lang="en-US"/>
               <a:pPr/>
-              <a:t>5</a:t>
+              <a:t>6</a:t>
             </a:fld>
             <a:endParaRPr lang="en-US"/>
           </a:p>
@@ -19697,20 +20941,20 @@
   <p:clrMapOvr>
     <a:masterClrMapping/>
   </p:clrMapOvr>
-  <p:transition>
+  <p:transition xmlns:p14="http://schemas.microsoft.com/office/powerpoint/2010/main">
     <p:random/>
   </p:transition>
   <p:timing>
     <p:tnLst>
       <p:par>
-        <p:cTn id="1" dur="indefinite" restart="never" nodeType="tmRoot"/>
+        <p:cTn xmlns:p14="http://schemas.microsoft.com/office/powerpoint/2010/main" id="1" dur="indefinite" restart="never" nodeType="tmRoot"/>
       </p:par>
     </p:tnLst>
   </p:timing>
 </p:sld>
 </file>
 
-<file path=ppt/slides/slide6.xml><?xml version="1.0" encoding="utf-8"?>
+<file path=ppt/slides/slide7.xml><?xml version="1.0" encoding="utf-8"?>
 <p:sld xmlns:a="http://schemas.openxmlformats.org/drawingml/2006/main" xmlns:r="http://schemas.openxmlformats.org/officeDocument/2006/relationships" xmlns:p="http://schemas.openxmlformats.org/presentationml/2006/main">
   <p:cSld>
     <p:spTree>
@@ -19750,7 +20994,7 @@
             <a:fld id="{DE5B7D42-F8F5-6E45-901C-B194F1D94D9D}" type="slidenum">
               <a:rPr lang="en-US"/>
               <a:pPr/>
-              <a:t>6</a:t>
+              <a:t>7</a:t>
             </a:fld>
             <a:endParaRPr lang="en-US"/>
           </a:p>
@@ -20846,20 +22090,20 @@
   <p:clrMapOvr>
     <a:masterClrMapping/>
   </p:clrMapOvr>
-  <p:transition>
+  <p:transition xmlns:p14="http://schemas.microsoft.com/office/powerpoint/2010/main">
     <p:random/>
   </p:transition>
   <p:timing>
     <p:tnLst>
       <p:par>
-        <p:cTn id="1" dur="indefinite" restart="never" nodeType="tmRoot"/>
+        <p:cTn xmlns:p14="http://schemas.microsoft.com/office/powerpoint/2010/main" id="1" dur="indefinite" restart="never" nodeType="tmRoot"/>
       </p:par>
     </p:tnLst>
   </p:timing>
 </p:sld>
 </file>
 
-<file path=ppt/slides/slide7.xml><?xml version="1.0" encoding="utf-8"?>
+<file path=ppt/slides/slide8.xml><?xml version="1.0" encoding="utf-8"?>
 <p:sld xmlns:a="http://schemas.openxmlformats.org/drawingml/2006/main" xmlns:r="http://schemas.openxmlformats.org/officeDocument/2006/relationships" xmlns:p="http://schemas.openxmlformats.org/presentationml/2006/main">
   <p:cSld>
     <p:spTree>
@@ -20899,7 +22143,7 @@
             <a:fld id="{E338BECF-CCC6-8E4C-98A0-76333EF08363}" type="slidenum">
               <a:rPr lang="en-US"/>
               <a:pPr/>
-              <a:t>7</a:t>
+              <a:t>8</a:t>
             </a:fld>
             <a:endParaRPr lang="en-US"/>
           </a:p>
@@ -21687,13 +22931,13 @@
   <p:clrMapOvr>
     <a:masterClrMapping/>
   </p:clrMapOvr>
-  <p:transition>
+  <p:transition xmlns:p14="http://schemas.microsoft.com/office/powerpoint/2010/main">
     <p:random/>
   </p:transition>
   <p:timing>
     <p:tnLst>
       <p:par>
-        <p:cTn id="1" dur="indefinite" restart="never" nodeType="tmRoot">
+        <p:cTn xmlns:p14="http://schemas.microsoft.com/office/powerpoint/2010/main" id="1" dur="indefinite" restart="never" nodeType="tmRoot">
           <p:childTnLst>
             <p:seq concurrent="1" nextAc="seek">
               <p:cTn id="2" dur="indefinite" nodeType="mainSeq">
@@ -21905,7 +23149,7 @@
 </p:sld>
 </file>
 
-<file path=ppt/slides/slide8.xml><?xml version="1.0" encoding="utf-8"?>
+<file path=ppt/slides/slide9.xml><?xml version="1.0" encoding="utf-8"?>
 <p:sld xmlns:a="http://schemas.openxmlformats.org/drawingml/2006/main" xmlns:r="http://schemas.openxmlformats.org/officeDocument/2006/relationships" xmlns:p="http://schemas.openxmlformats.org/presentationml/2006/main">
   <p:cSld>
     <p:spTree>
@@ -21945,7 +23189,7 @@
             <a:fld id="{84391894-2672-A442-9E2A-169890B709FA}" type="slidenum">
               <a:rPr lang="en-US"/>
               <a:pPr/>
-              <a:t>8</a:t>
+              <a:t>9</a:t>
             </a:fld>
             <a:endParaRPr lang="en-US"/>
           </a:p>
@@ -22370,13 +23614,13 @@
   <p:clrMapOvr>
     <a:masterClrMapping/>
   </p:clrMapOvr>
-  <p:transition>
+  <p:transition xmlns:p14="http://schemas.microsoft.com/office/powerpoint/2010/main">
     <p:random/>
   </p:transition>
   <p:timing>
     <p:tnLst>
       <p:par>
-        <p:cTn id="1" dur="indefinite" restart="never" nodeType="tmRoot">
+        <p:cTn xmlns:p14="http://schemas.microsoft.com/office/powerpoint/2010/main" id="1" dur="indefinite" restart="never" nodeType="tmRoot">
           <p:childTnLst>
             <p:seq concurrent="1" nextAc="seek">
               <p:cTn id="2" dur="indefinite" nodeType="mainSeq">
@@ -22693,1019 +23937,6 @@
     <p:bldLst>
       <p:bldP spid="167953" grpId="0" animBg="1"/>
       <p:bldP spid="167973" grpId="0" animBg="1"/>
-    </p:bldLst>
-  </p:timing>
-</p:sld>
-</file>
-
-<file path=ppt/slides/slide9.xml><?xml version="1.0" encoding="utf-8"?>
-<p:sld xmlns:a="http://schemas.openxmlformats.org/drawingml/2006/main" xmlns:r="http://schemas.openxmlformats.org/officeDocument/2006/relationships" xmlns:p="http://schemas.openxmlformats.org/presentationml/2006/main">
-  <p:cSld>
-    <p:spTree>
-      <p:nvGrpSpPr>
-        <p:cNvPr id="1" name=""/>
-        <p:cNvGrpSpPr/>
-        <p:nvPr/>
-      </p:nvGrpSpPr>
-      <p:grpSpPr>
-        <a:xfrm>
-          <a:off x="0" y="0"/>
-          <a:ext cx="0" cy="0"/>
-          <a:chOff x="0" y="0"/>
-          <a:chExt cx="0" cy="0"/>
-        </a:xfrm>
-      </p:grpSpPr>
-      <p:sp>
-        <p:nvSpPr>
-          <p:cNvPr id="12291" name="Slide Number Placeholder 4"/>
-          <p:cNvSpPr>
-            <a:spLocks noGrp="1"/>
-          </p:cNvSpPr>
-          <p:nvPr>
-            <p:ph type="sldNum" sz="quarter" idx="11"/>
-          </p:nvPr>
-        </p:nvSpPr>
-        <p:spPr>
-          <a:noFill/>
-        </p:spPr>
-        <p:txBody>
-          <a:bodyPr/>
-          <a:lstStyle/>
-          <a:p>
-            <a:endParaRPr lang="en-US"/>
-          </a:p>
-          <a:p>
-            <a:fld id="{56495103-7B52-D240-B681-D92F4C90B338}" type="slidenum">
-              <a:rPr lang="en-US"/>
-              <a:pPr/>
-              <a:t>9</a:t>
-            </a:fld>
-            <a:endParaRPr lang="en-US"/>
-          </a:p>
-        </p:txBody>
-      </p:sp>
-      <p:pic>
-        <p:nvPicPr>
-          <p:cNvPr id="12292" name="Picture 12"/>
-          <p:cNvPicPr>
-            <a:picLocks noChangeAspect="1" noChangeArrowheads="1"/>
-          </p:cNvPicPr>
-          <p:nvPr/>
-        </p:nvPicPr>
-        <p:blipFill>
-          <a:blip r:embed="rId2" cstate="print"/>
-          <a:srcRect/>
-          <a:stretch>
-            <a:fillRect/>
-          </a:stretch>
-        </p:blipFill>
-        <p:spPr bwMode="auto">
-          <a:xfrm>
-            <a:off x="169863" y="4706938"/>
-            <a:ext cx="2867025" cy="2151062"/>
-          </a:xfrm>
-          <a:prstGeom prst="rect">
-            <a:avLst/>
-          </a:prstGeom>
-          <a:noFill/>
-          <a:ln w="9525">
-            <a:noFill/>
-            <a:miter lim="800000"/>
-            <a:headEnd/>
-            <a:tailEnd/>
-          </a:ln>
-        </p:spPr>
-      </p:pic>
-      <p:sp>
-        <p:nvSpPr>
-          <p:cNvPr id="12293" name="Rectangle 2"/>
-          <p:cNvSpPr>
-            <a:spLocks noGrp="1" noChangeArrowheads="1"/>
-          </p:cNvSpPr>
-          <p:nvPr>
-            <p:ph type="title"/>
-          </p:nvPr>
-        </p:nvSpPr>
-        <p:spPr/>
-        <p:txBody>
-          <a:bodyPr/>
-          <a:lstStyle/>
-          <a:p>
-            <a:r>
-              <a:rPr lang="en-US"/>
-              <a:t>Solution Strategies for NLP Problems</a:t>
-            </a:r>
-          </a:p>
-        </p:txBody>
-      </p:sp>
-      <p:sp>
-        <p:nvSpPr>
-          <p:cNvPr id="115715" name="Rectangle 3"/>
-          <p:cNvSpPr>
-            <a:spLocks noGrp="1" noChangeArrowheads="1"/>
-          </p:cNvSpPr>
-          <p:nvPr>
-            <p:ph type="body" idx="1"/>
-          </p:nvPr>
-        </p:nvSpPr>
-        <p:spPr/>
-        <p:txBody>
-          <a:bodyPr/>
-          <a:lstStyle/>
-          <a:p>
-            <a:pPr marL="457200" indent="-457200"/>
-            <a:r>
-              <a:rPr lang="en-US" sz="2000"/>
-              <a:t>Solver uses </a:t>
-            </a:r>
-            <a:r>
-              <a:rPr lang="en-US" sz="2000" b="1"/>
-              <a:t>generalized reduced gradient</a:t>
-            </a:r>
-            <a:r>
-              <a:rPr lang="en-US" sz="2000"/>
-              <a:t> (GRG) algorithm (</a:t>
-            </a:r>
-            <a:r>
-              <a:rPr lang="en-US" sz="2000" b="1"/>
-              <a:t>hill-climbing tactics</a:t>
-            </a:r>
-            <a:r>
-              <a:rPr lang="en-US" sz="2000"/>
-              <a:t>) to solve NLP problems</a:t>
-            </a:r>
-          </a:p>
-          <a:p>
-            <a:pPr marL="457200" indent="-457200"/>
-            <a:endParaRPr lang="en-US" sz="2000"/>
-          </a:p>
-          <a:p>
-            <a:pPr marL="838200" lvl="1" indent="-381000">
-              <a:buFontTx/>
-              <a:buAutoNum type="arabicPeriod"/>
-            </a:pPr>
-            <a:r>
-              <a:rPr lang="en-US" sz="1800"/>
-              <a:t>Begins at a feasible solution (starting point)</a:t>
-            </a:r>
-          </a:p>
-          <a:p>
-            <a:pPr marL="838200" lvl="1" indent="-381000">
-              <a:buFontTx/>
-              <a:buAutoNum type="arabicPeriod"/>
-            </a:pPr>
-            <a:r>
-              <a:rPr lang="en-US" sz="1800"/>
-              <a:t>Select direction in the feasible region that causes the objective function to improve</a:t>
-            </a:r>
-          </a:p>
-          <a:p>
-            <a:pPr marL="838200" lvl="1" indent="-381000">
-              <a:buFontTx/>
-              <a:buAutoNum type="arabicPeriod"/>
-            </a:pPr>
-            <a:r>
-              <a:rPr lang="en-US" sz="1800"/>
-              <a:t>Make some amount of movement (step size) in the selected direction</a:t>
-            </a:r>
-          </a:p>
-          <a:p>
-            <a:pPr marL="838200" lvl="1" indent="-381000">
-              <a:buFontTx/>
-              <a:buAutoNum type="arabicPeriod"/>
-            </a:pPr>
-            <a:r>
-              <a:rPr lang="en-US" sz="1800"/>
-              <a:t>Reach a </a:t>
-            </a:r>
-            <a:r>
-              <a:rPr lang="en-US" sz="1800" b="1"/>
-              <a:t>new</a:t>
-            </a:r>
-            <a:r>
-              <a:rPr lang="en-US" sz="1800"/>
-              <a:t>, and </a:t>
-            </a:r>
-            <a:r>
-              <a:rPr lang="en-US" sz="1800" b="1"/>
-              <a:t>better</a:t>
-            </a:r>
-            <a:r>
-              <a:rPr lang="en-US" sz="1800"/>
-              <a:t>, </a:t>
-            </a:r>
-            <a:r>
-              <a:rPr lang="en-US" sz="1800" b="1"/>
-              <a:t>feasible</a:t>
-            </a:r>
-            <a:r>
-              <a:rPr lang="en-US" sz="1800"/>
-              <a:t> solution</a:t>
-            </a:r>
-          </a:p>
-          <a:p>
-            <a:pPr marL="838200" lvl="1" indent="-381000">
-              <a:buFontTx/>
-              <a:buAutoNum type="arabicPeriod"/>
-            </a:pPr>
-            <a:r>
-              <a:rPr lang="en-US" sz="1800"/>
-              <a:t>Stops until there is no feasible direction in which to move that results in an improvement in the objective function.</a:t>
-            </a:r>
-          </a:p>
-          <a:p>
-            <a:pPr marL="838200" lvl="1" indent="-381000"/>
-            <a:endParaRPr lang="en-US" sz="1800"/>
-          </a:p>
-        </p:txBody>
-      </p:sp>
-      <p:grpSp>
-        <p:nvGrpSpPr>
-          <p:cNvPr id="2" name="Group 10"/>
-          <p:cNvGrpSpPr>
-            <a:grpSpLocks/>
-          </p:cNvGrpSpPr>
-          <p:nvPr/>
-        </p:nvGrpSpPr>
-        <p:grpSpPr bwMode="auto">
-          <a:xfrm>
-            <a:off x="685800" y="2895600"/>
-            <a:ext cx="609600" cy="1600200"/>
-            <a:chOff x="432" y="1824"/>
-            <a:chExt cx="384" cy="1008"/>
-          </a:xfrm>
-        </p:grpSpPr>
-        <p:sp>
-          <p:nvSpPr>
-            <p:cNvPr id="12297" name="Freeform 4"/>
-            <p:cNvSpPr>
-              <a:spLocks/>
-            </p:cNvSpPr>
-            <p:nvPr/>
-          </p:nvSpPr>
-          <p:spPr bwMode="auto">
-            <a:xfrm>
-              <a:off x="432" y="1824"/>
-              <a:ext cx="336" cy="1008"/>
-            </a:xfrm>
-            <a:custGeom>
-              <a:avLst/>
-              <a:gdLst>
-                <a:gd name="T0" fmla="*/ 334 w 336"/>
-                <a:gd name="T1" fmla="*/ 1008 h 1008"/>
-                <a:gd name="T2" fmla="*/ 96 w 336"/>
-                <a:gd name="T3" fmla="*/ 896 h 1008"/>
-                <a:gd name="T4" fmla="*/ 0 w 336"/>
-                <a:gd name="T5" fmla="*/ 480 h 1008"/>
-                <a:gd name="T6" fmla="*/ 96 w 336"/>
-                <a:gd name="T7" fmla="*/ 128 h 1008"/>
-                <a:gd name="T8" fmla="*/ 336 w 336"/>
-                <a:gd name="T9" fmla="*/ 0 h 1008"/>
-                <a:gd name="T10" fmla="*/ 0 60000 65536"/>
-                <a:gd name="T11" fmla="*/ 0 60000 65536"/>
-                <a:gd name="T12" fmla="*/ 0 60000 65536"/>
-                <a:gd name="T13" fmla="*/ 0 60000 65536"/>
-                <a:gd name="T14" fmla="*/ 0 60000 65536"/>
-                <a:gd name="T15" fmla="*/ 0 w 336"/>
-                <a:gd name="T16" fmla="*/ 0 h 1008"/>
-                <a:gd name="T17" fmla="*/ 336 w 336"/>
-                <a:gd name="T18" fmla="*/ 1008 h 1008"/>
-              </a:gdLst>
-              <a:ahLst/>
-              <a:cxnLst>
-                <a:cxn ang="T10">
-                  <a:pos x="T0" y="T1"/>
-                </a:cxn>
-                <a:cxn ang="T11">
-                  <a:pos x="T2" y="T3"/>
-                </a:cxn>
-                <a:cxn ang="T12">
-                  <a:pos x="T4" y="T5"/>
-                </a:cxn>
-                <a:cxn ang="T13">
-                  <a:pos x="T6" y="T7"/>
-                </a:cxn>
-                <a:cxn ang="T14">
-                  <a:pos x="T8" y="T9"/>
-                </a:cxn>
-              </a:cxnLst>
-              <a:rect l="T15" t="T16" r="T17" b="T18"/>
-              <a:pathLst>
-                <a:path w="336" h="1008">
-                  <a:moveTo>
-                    <a:pt x="334" y="1008"/>
-                  </a:moveTo>
-                  <a:cubicBezTo>
-                    <a:pt x="294" y="989"/>
-                    <a:pt x="152" y="984"/>
-                    <a:pt x="96" y="896"/>
-                  </a:cubicBezTo>
-                  <a:cubicBezTo>
-                    <a:pt x="40" y="808"/>
-                    <a:pt x="0" y="608"/>
-                    <a:pt x="0" y="480"/>
-                  </a:cubicBezTo>
-                  <a:cubicBezTo>
-                    <a:pt x="1" y="374"/>
-                    <a:pt x="40" y="208"/>
-                    <a:pt x="96" y="128"/>
-                  </a:cubicBezTo>
-                  <a:cubicBezTo>
-                    <a:pt x="152" y="48"/>
-                    <a:pt x="286" y="27"/>
-                    <a:pt x="336" y="0"/>
-                  </a:cubicBezTo>
-                </a:path>
-              </a:pathLst>
-            </a:custGeom>
-            <a:noFill/>
-            <a:ln w="38100">
-              <a:solidFill>
-                <a:srgbClr val="33CC33"/>
-              </a:solidFill>
-              <a:round/>
-              <a:headEnd/>
-              <a:tailEnd type="triangle" w="med" len="med"/>
-            </a:ln>
-          </p:spPr>
-          <p:txBody>
-            <a:bodyPr>
-              <a:prstTxWarp prst="textNoShape">
-                <a:avLst/>
-              </a:prstTxWarp>
-            </a:bodyPr>
-            <a:lstStyle/>
-            <a:p>
-              <a:endParaRPr lang="en-US"/>
-            </a:p>
-          </p:txBody>
-        </p:sp>
-        <p:sp>
-          <p:nvSpPr>
-            <p:cNvPr id="12298" name="Line 5"/>
-            <p:cNvSpPr>
-              <a:spLocks noChangeShapeType="1"/>
-            </p:cNvSpPr>
-            <p:nvPr/>
-          </p:nvSpPr>
-          <p:spPr bwMode="auto">
-            <a:xfrm>
-              <a:off x="816" y="1872"/>
-              <a:ext cx="0" cy="192"/>
-            </a:xfrm>
-            <a:prstGeom prst="line">
-              <a:avLst/>
-            </a:prstGeom>
-            <a:noFill/>
-            <a:ln w="28575">
-              <a:solidFill>
-                <a:srgbClr val="33CC33"/>
-              </a:solidFill>
-              <a:round/>
-              <a:headEnd/>
-              <a:tailEnd type="triangle" w="med" len="med"/>
-            </a:ln>
-          </p:spPr>
-          <p:txBody>
-            <a:bodyPr>
-              <a:prstTxWarp prst="textNoShape">
-                <a:avLst/>
-              </a:prstTxWarp>
-            </a:bodyPr>
-            <a:lstStyle/>
-            <a:p>
-              <a:endParaRPr lang="en-US"/>
-            </a:p>
-          </p:txBody>
-        </p:sp>
-        <p:sp>
-          <p:nvSpPr>
-            <p:cNvPr id="12299" name="Line 6"/>
-            <p:cNvSpPr>
-              <a:spLocks noChangeShapeType="1"/>
-            </p:cNvSpPr>
-            <p:nvPr/>
-          </p:nvSpPr>
-          <p:spPr bwMode="auto">
-            <a:xfrm>
-              <a:off x="816" y="2256"/>
-              <a:ext cx="0" cy="240"/>
-            </a:xfrm>
-            <a:prstGeom prst="line">
-              <a:avLst/>
-            </a:prstGeom>
-            <a:noFill/>
-            <a:ln w="28575">
-              <a:solidFill>
-                <a:srgbClr val="33CC33"/>
-              </a:solidFill>
-              <a:round/>
-              <a:headEnd/>
-              <a:tailEnd type="triangle" w="med" len="med"/>
-            </a:ln>
-          </p:spPr>
-          <p:txBody>
-            <a:bodyPr>
-              <a:prstTxWarp prst="textNoShape">
-                <a:avLst/>
-              </a:prstTxWarp>
-            </a:bodyPr>
-            <a:lstStyle/>
-            <a:p>
-              <a:endParaRPr lang="en-US"/>
-            </a:p>
-          </p:txBody>
-        </p:sp>
-        <p:sp>
-          <p:nvSpPr>
-            <p:cNvPr id="12300" name="Line 7"/>
-            <p:cNvSpPr>
-              <a:spLocks noChangeShapeType="1"/>
-            </p:cNvSpPr>
-            <p:nvPr/>
-          </p:nvSpPr>
-          <p:spPr bwMode="auto">
-            <a:xfrm>
-              <a:off x="816" y="2640"/>
-              <a:ext cx="0" cy="96"/>
-            </a:xfrm>
-            <a:prstGeom prst="line">
-              <a:avLst/>
-            </a:prstGeom>
-            <a:noFill/>
-            <a:ln w="28575">
-              <a:solidFill>
-                <a:srgbClr val="33CC33"/>
-              </a:solidFill>
-              <a:round/>
-              <a:headEnd/>
-              <a:tailEnd type="triangle" w="med" len="med"/>
-            </a:ln>
-          </p:spPr>
-          <p:txBody>
-            <a:bodyPr>
-              <a:prstTxWarp prst="textNoShape">
-                <a:avLst/>
-              </a:prstTxWarp>
-            </a:bodyPr>
-            <a:lstStyle/>
-            <a:p>
-              <a:endParaRPr lang="en-US"/>
-            </a:p>
-          </p:txBody>
-        </p:sp>
-      </p:grpSp>
-      <p:pic>
-        <p:nvPicPr>
-          <p:cNvPr id="12296" name="Picture 8" descr="j0121253[1]"/>
-          <p:cNvPicPr>
-            <a:picLocks noChangeAspect="1" noChangeArrowheads="1"/>
-          </p:cNvPicPr>
-          <p:nvPr/>
-        </p:nvPicPr>
-        <p:blipFill>
-          <a:blip r:embed="rId3" cstate="print"/>
-          <a:srcRect/>
-          <a:stretch>
-            <a:fillRect/>
-          </a:stretch>
-        </p:blipFill>
-        <p:spPr bwMode="auto">
-          <a:xfrm>
-            <a:off x="7315200" y="4724400"/>
-            <a:ext cx="1533525" cy="1687513"/>
-          </a:xfrm>
-          <a:prstGeom prst="rect">
-            <a:avLst/>
-          </a:prstGeom>
-          <a:noFill/>
-          <a:ln w="9525">
-            <a:noFill/>
-            <a:miter lim="800000"/>
-            <a:headEnd/>
-            <a:tailEnd/>
-          </a:ln>
-        </p:spPr>
-      </p:pic>
-      <p:sp>
-        <p:nvSpPr>
-          <p:cNvPr id="3" name="Date Placeholder 2"/>
-          <p:cNvSpPr>
-            <a:spLocks noGrp="1"/>
-          </p:cNvSpPr>
-          <p:nvPr>
-            <p:ph type="dt" sz="half" idx="10"/>
-          </p:nvPr>
-        </p:nvSpPr>
-        <p:spPr/>
-        <p:txBody>
-          <a:bodyPr/>
-          <a:lstStyle/>
-          <a:p>
-            <a:r>
-              <a:rPr lang="en-US" smtClean="0"/>
-              <a:t>10/2/2013,           10/9/2013</a:t>
-            </a:r>
-            <a:endParaRPr lang="en-US" dirty="0"/>
-          </a:p>
-        </p:txBody>
-      </p:sp>
-    </p:spTree>
-  </p:cSld>
-  <p:clrMapOvr>
-    <a:masterClrMapping/>
-  </p:clrMapOvr>
-  <p:transition>
-    <p:random/>
-  </p:transition>
-  <p:timing>
-    <p:tnLst>
-      <p:par>
-        <p:cTn id="1" dur="indefinite" restart="never" nodeType="tmRoot">
-          <p:childTnLst>
-            <p:seq concurrent="1" nextAc="seek">
-              <p:cTn id="2" dur="indefinite" nodeType="mainSeq">
-                <p:childTnLst>
-                  <p:par>
-                    <p:cTn id="3" fill="hold">
-                      <p:stCondLst>
-                        <p:cond delay="indefinite"/>
-                      </p:stCondLst>
-                      <p:childTnLst>
-                        <p:par>
-                          <p:cTn id="4" fill="hold">
-                            <p:stCondLst>
-                              <p:cond delay="0"/>
-                            </p:stCondLst>
-                            <p:childTnLst>
-                              <p:par>
-                                <p:cTn id="5" presetID="22" presetClass="entr" presetSubtype="1" fill="hold" grpId="0" nodeType="clickEffect">
-                                  <p:stCondLst>
-                                    <p:cond delay="0"/>
-                                  </p:stCondLst>
-                                  <p:childTnLst>
-                                    <p:set>
-                                      <p:cBhvr>
-                                        <p:cTn id="6" dur="1" fill="hold">
-                                          <p:stCondLst>
-                                            <p:cond delay="0"/>
-                                          </p:stCondLst>
-                                        </p:cTn>
-                                        <p:tgtEl>
-                                          <p:spTgt spid="115715">
-                                            <p:txEl>
-                                              <p:pRg st="0" end="0"/>
-                                            </p:txEl>
-                                          </p:spTgt>
-                                        </p:tgtEl>
-                                        <p:attrNameLst>
-                                          <p:attrName>style.visibility</p:attrName>
-                                        </p:attrNameLst>
-                                      </p:cBhvr>
-                                      <p:to>
-                                        <p:strVal val="visible"/>
-                                      </p:to>
-                                    </p:set>
-                                    <p:animEffect transition="in" filter="wipe(up)">
-                                      <p:cBhvr>
-                                        <p:cTn id="7" dur="2000"/>
-                                        <p:tgtEl>
-                                          <p:spTgt spid="115715">
-                                            <p:txEl>
-                                              <p:pRg st="0" end="0"/>
-                                            </p:txEl>
-                                          </p:spTgt>
-                                        </p:tgtEl>
-                                      </p:cBhvr>
-                                    </p:animEffect>
-                                  </p:childTnLst>
-                                </p:cTn>
-                              </p:par>
-                            </p:childTnLst>
-                          </p:cTn>
-                        </p:par>
-                      </p:childTnLst>
-                    </p:cTn>
-                  </p:par>
-                  <p:par>
-                    <p:cTn id="8" fill="hold">
-                      <p:stCondLst>
-                        <p:cond delay="indefinite"/>
-                      </p:stCondLst>
-                      <p:childTnLst>
-                        <p:par>
-                          <p:cTn id="9" fill="hold">
-                            <p:stCondLst>
-                              <p:cond delay="0"/>
-                            </p:stCondLst>
-                            <p:childTnLst>
-                              <p:par>
-                                <p:cTn id="10" presetID="22" presetClass="entr" presetSubtype="1" fill="hold" grpId="0" nodeType="clickEffect">
-                                  <p:stCondLst>
-                                    <p:cond delay="0"/>
-                                  </p:stCondLst>
-                                  <p:childTnLst>
-                                    <p:set>
-                                      <p:cBhvr>
-                                        <p:cTn id="11" dur="1" fill="hold">
-                                          <p:stCondLst>
-                                            <p:cond delay="0"/>
-                                          </p:stCondLst>
-                                        </p:cTn>
-                                        <p:tgtEl>
-                                          <p:spTgt spid="115715">
-                                            <p:txEl>
-                                              <p:pRg st="2" end="2"/>
-                                            </p:txEl>
-                                          </p:spTgt>
-                                        </p:tgtEl>
-                                        <p:attrNameLst>
-                                          <p:attrName>style.visibility</p:attrName>
-                                        </p:attrNameLst>
-                                      </p:cBhvr>
-                                      <p:to>
-                                        <p:strVal val="visible"/>
-                                      </p:to>
-                                    </p:set>
-                                    <p:animEffect transition="in" filter="wipe(up)">
-                                      <p:cBhvr>
-                                        <p:cTn id="12" dur="2000"/>
-                                        <p:tgtEl>
-                                          <p:spTgt spid="115715">
-                                            <p:txEl>
-                                              <p:pRg st="2" end="2"/>
-                                            </p:txEl>
-                                          </p:spTgt>
-                                        </p:tgtEl>
-                                      </p:cBhvr>
-                                    </p:animEffect>
-                                  </p:childTnLst>
-                                </p:cTn>
-                              </p:par>
-                            </p:childTnLst>
-                          </p:cTn>
-                        </p:par>
-                      </p:childTnLst>
-                    </p:cTn>
-                  </p:par>
-                  <p:par>
-                    <p:cTn id="13" fill="hold">
-                      <p:stCondLst>
-                        <p:cond delay="indefinite"/>
-                      </p:stCondLst>
-                      <p:childTnLst>
-                        <p:par>
-                          <p:cTn id="14" fill="hold">
-                            <p:stCondLst>
-                              <p:cond delay="0"/>
-                            </p:stCondLst>
-                            <p:childTnLst>
-                              <p:par>
-                                <p:cTn id="15" presetID="22" presetClass="entr" presetSubtype="1" fill="hold" grpId="0" nodeType="clickEffect">
-                                  <p:stCondLst>
-                                    <p:cond delay="0"/>
-                                  </p:stCondLst>
-                                  <p:childTnLst>
-                                    <p:set>
-                                      <p:cBhvr>
-                                        <p:cTn id="16" dur="1" fill="hold">
-                                          <p:stCondLst>
-                                            <p:cond delay="0"/>
-                                          </p:stCondLst>
-                                        </p:cTn>
-                                        <p:tgtEl>
-                                          <p:spTgt spid="115715">
-                                            <p:txEl>
-                                              <p:pRg st="3" end="3"/>
-                                            </p:txEl>
-                                          </p:spTgt>
-                                        </p:tgtEl>
-                                        <p:attrNameLst>
-                                          <p:attrName>style.visibility</p:attrName>
-                                        </p:attrNameLst>
-                                      </p:cBhvr>
-                                      <p:to>
-                                        <p:strVal val="visible"/>
-                                      </p:to>
-                                    </p:set>
-                                    <p:animEffect transition="in" filter="wipe(up)">
-                                      <p:cBhvr>
-                                        <p:cTn id="17" dur="2000"/>
-                                        <p:tgtEl>
-                                          <p:spTgt spid="115715">
-                                            <p:txEl>
-                                              <p:pRg st="3" end="3"/>
-                                            </p:txEl>
-                                          </p:spTgt>
-                                        </p:tgtEl>
-                                      </p:cBhvr>
-                                    </p:animEffect>
-                                  </p:childTnLst>
-                                </p:cTn>
-                              </p:par>
-                            </p:childTnLst>
-                          </p:cTn>
-                        </p:par>
-                      </p:childTnLst>
-                    </p:cTn>
-                  </p:par>
-                  <p:par>
-                    <p:cTn id="18" fill="hold">
-                      <p:stCondLst>
-                        <p:cond delay="indefinite"/>
-                      </p:stCondLst>
-                      <p:childTnLst>
-                        <p:par>
-                          <p:cTn id="19" fill="hold">
-                            <p:stCondLst>
-                              <p:cond delay="0"/>
-                            </p:stCondLst>
-                            <p:childTnLst>
-                              <p:par>
-                                <p:cTn id="20" presetID="22" presetClass="entr" presetSubtype="1" fill="hold" grpId="0" nodeType="clickEffect">
-                                  <p:stCondLst>
-                                    <p:cond delay="0"/>
-                                  </p:stCondLst>
-                                  <p:childTnLst>
-                                    <p:set>
-                                      <p:cBhvr>
-                                        <p:cTn id="21" dur="1" fill="hold">
-                                          <p:stCondLst>
-                                            <p:cond delay="0"/>
-                                          </p:stCondLst>
-                                        </p:cTn>
-                                        <p:tgtEl>
-                                          <p:spTgt spid="115715">
-                                            <p:txEl>
-                                              <p:pRg st="4" end="4"/>
-                                            </p:txEl>
-                                          </p:spTgt>
-                                        </p:tgtEl>
-                                        <p:attrNameLst>
-                                          <p:attrName>style.visibility</p:attrName>
-                                        </p:attrNameLst>
-                                      </p:cBhvr>
-                                      <p:to>
-                                        <p:strVal val="visible"/>
-                                      </p:to>
-                                    </p:set>
-                                    <p:animEffect transition="in" filter="wipe(up)">
-                                      <p:cBhvr>
-                                        <p:cTn id="22" dur="2000"/>
-                                        <p:tgtEl>
-                                          <p:spTgt spid="115715">
-                                            <p:txEl>
-                                              <p:pRg st="4" end="4"/>
-                                            </p:txEl>
-                                          </p:spTgt>
-                                        </p:tgtEl>
-                                      </p:cBhvr>
-                                    </p:animEffect>
-                                  </p:childTnLst>
-                                </p:cTn>
-                              </p:par>
-                            </p:childTnLst>
-                          </p:cTn>
-                        </p:par>
-                      </p:childTnLst>
-                    </p:cTn>
-                  </p:par>
-                  <p:par>
-                    <p:cTn id="23" fill="hold">
-                      <p:stCondLst>
-                        <p:cond delay="indefinite"/>
-                      </p:stCondLst>
-                      <p:childTnLst>
-                        <p:par>
-                          <p:cTn id="24" fill="hold">
-                            <p:stCondLst>
-                              <p:cond delay="0"/>
-                            </p:stCondLst>
-                            <p:childTnLst>
-                              <p:par>
-                                <p:cTn id="25" presetID="22" presetClass="entr" presetSubtype="1" fill="hold" grpId="0" nodeType="clickEffect">
-                                  <p:stCondLst>
-                                    <p:cond delay="0"/>
-                                  </p:stCondLst>
-                                  <p:childTnLst>
-                                    <p:set>
-                                      <p:cBhvr>
-                                        <p:cTn id="26" dur="1" fill="hold">
-                                          <p:stCondLst>
-                                            <p:cond delay="0"/>
-                                          </p:stCondLst>
-                                        </p:cTn>
-                                        <p:tgtEl>
-                                          <p:spTgt spid="115715">
-                                            <p:txEl>
-                                              <p:pRg st="5" end="5"/>
-                                            </p:txEl>
-                                          </p:spTgt>
-                                        </p:tgtEl>
-                                        <p:attrNameLst>
-                                          <p:attrName>style.visibility</p:attrName>
-                                        </p:attrNameLst>
-                                      </p:cBhvr>
-                                      <p:to>
-                                        <p:strVal val="visible"/>
-                                      </p:to>
-                                    </p:set>
-                                    <p:animEffect transition="in" filter="wipe(up)">
-                                      <p:cBhvr>
-                                        <p:cTn id="27" dur="2000"/>
-                                        <p:tgtEl>
-                                          <p:spTgt spid="115715">
-                                            <p:txEl>
-                                              <p:pRg st="5" end="5"/>
-                                            </p:txEl>
-                                          </p:spTgt>
-                                        </p:tgtEl>
-                                      </p:cBhvr>
-                                    </p:animEffect>
-                                  </p:childTnLst>
-                                </p:cTn>
-                              </p:par>
-                            </p:childTnLst>
-                          </p:cTn>
-                        </p:par>
-                      </p:childTnLst>
-                    </p:cTn>
-                  </p:par>
-                  <p:par>
-                    <p:cTn id="28" fill="hold">
-                      <p:stCondLst>
-                        <p:cond delay="indefinite"/>
-                      </p:stCondLst>
-                      <p:childTnLst>
-                        <p:par>
-                          <p:cTn id="29" fill="hold">
-                            <p:stCondLst>
-                              <p:cond delay="0"/>
-                            </p:stCondLst>
-                            <p:childTnLst>
-                              <p:par>
-                                <p:cTn id="30" presetID="22" presetClass="entr" presetSubtype="1" fill="hold" grpId="0" nodeType="clickEffect">
-                                  <p:stCondLst>
-                                    <p:cond delay="0"/>
-                                  </p:stCondLst>
-                                  <p:childTnLst>
-                                    <p:set>
-                                      <p:cBhvr>
-                                        <p:cTn id="31" dur="1" fill="hold">
-                                          <p:stCondLst>
-                                            <p:cond delay="0"/>
-                                          </p:stCondLst>
-                                        </p:cTn>
-                                        <p:tgtEl>
-                                          <p:spTgt spid="115715">
-                                            <p:txEl>
-                                              <p:pRg st="6" end="6"/>
-                                            </p:txEl>
-                                          </p:spTgt>
-                                        </p:tgtEl>
-                                        <p:attrNameLst>
-                                          <p:attrName>style.visibility</p:attrName>
-                                        </p:attrNameLst>
-                                      </p:cBhvr>
-                                      <p:to>
-                                        <p:strVal val="visible"/>
-                                      </p:to>
-                                    </p:set>
-                                    <p:animEffect transition="in" filter="wipe(up)">
-                                      <p:cBhvr>
-                                        <p:cTn id="32" dur="2000"/>
-                                        <p:tgtEl>
-                                          <p:spTgt spid="115715">
-                                            <p:txEl>
-                                              <p:pRg st="6" end="6"/>
-                                            </p:txEl>
-                                          </p:spTgt>
-                                        </p:tgtEl>
-                                      </p:cBhvr>
-                                    </p:animEffect>
-                                  </p:childTnLst>
-                                </p:cTn>
-                              </p:par>
-                            </p:childTnLst>
-                          </p:cTn>
-                        </p:par>
-                      </p:childTnLst>
-                    </p:cTn>
-                  </p:par>
-                  <p:par>
-                    <p:cTn id="33" fill="hold">
-                      <p:stCondLst>
-                        <p:cond delay="indefinite"/>
-                      </p:stCondLst>
-                      <p:childTnLst>
-                        <p:par>
-                          <p:cTn id="34" fill="hold">
-                            <p:stCondLst>
-                              <p:cond delay="0"/>
-                            </p:stCondLst>
-                            <p:childTnLst>
-                              <p:par>
-                                <p:cTn id="35" presetID="23" presetClass="entr" presetSubtype="16" fill="hold" nodeType="clickEffect">
-                                  <p:stCondLst>
-                                    <p:cond delay="0"/>
-                                  </p:stCondLst>
-                                  <p:childTnLst>
-                                    <p:set>
-                                      <p:cBhvr>
-                                        <p:cTn id="36" dur="1" fill="hold">
-                                          <p:stCondLst>
-                                            <p:cond delay="0"/>
-                                          </p:stCondLst>
-                                        </p:cTn>
-                                        <p:tgtEl>
-                                          <p:spTgt spid="2"/>
-                                        </p:tgtEl>
-                                        <p:attrNameLst>
-                                          <p:attrName>style.visibility</p:attrName>
-                                        </p:attrNameLst>
-                                      </p:cBhvr>
-                                      <p:to>
-                                        <p:strVal val="visible"/>
-                                      </p:to>
-                                    </p:set>
-                                    <p:anim calcmode="lin" valueType="num">
-                                      <p:cBhvr>
-                                        <p:cTn id="37" dur="500" fill="hold"/>
-                                        <p:tgtEl>
-                                          <p:spTgt spid="2"/>
-                                        </p:tgtEl>
-                                        <p:attrNameLst>
-                                          <p:attrName>ppt_w</p:attrName>
-                                        </p:attrNameLst>
-                                      </p:cBhvr>
-                                      <p:tavLst>
-                                        <p:tav tm="0">
-                                          <p:val>
-                                            <p:fltVal val="0"/>
-                                          </p:val>
-                                        </p:tav>
-                                        <p:tav tm="100000">
-                                          <p:val>
-                                            <p:strVal val="#ppt_w"/>
-                                          </p:val>
-                                        </p:tav>
-                                      </p:tavLst>
-                                    </p:anim>
-                                    <p:anim calcmode="lin" valueType="num">
-                                      <p:cBhvr>
-                                        <p:cTn id="38" dur="500" fill="hold"/>
-                                        <p:tgtEl>
-                                          <p:spTgt spid="2"/>
-                                        </p:tgtEl>
-                                        <p:attrNameLst>
-                                          <p:attrName>ppt_h</p:attrName>
-                                        </p:attrNameLst>
-                                      </p:cBhvr>
-                                      <p:tavLst>
-                                        <p:tav tm="0">
-                                          <p:val>
-                                            <p:fltVal val="0"/>
-                                          </p:val>
-                                        </p:tav>
-                                        <p:tav tm="100000">
-                                          <p:val>
-                                            <p:strVal val="#ppt_h"/>
-                                          </p:val>
-                                        </p:tav>
-                                      </p:tavLst>
-                                    </p:anim>
-                                  </p:childTnLst>
-                                </p:cTn>
-                              </p:par>
-                            </p:childTnLst>
-                          </p:cTn>
-                        </p:par>
-                      </p:childTnLst>
-                    </p:cTn>
-                  </p:par>
-                </p:childTnLst>
-              </p:cTn>
-              <p:prevCondLst>
-                <p:cond evt="onPrev" delay="0">
-                  <p:tgtEl>
-                    <p:sldTgt/>
-                  </p:tgtEl>
-                </p:cond>
-              </p:prevCondLst>
-              <p:nextCondLst>
-                <p:cond evt="onNext" delay="0">
-                  <p:tgtEl>
-                    <p:sldTgt/>
-                  </p:tgtEl>
-                </p:cond>
-              </p:nextCondLst>
-            </p:seq>
-          </p:childTnLst>
-        </p:cTn>
-      </p:par>
-    </p:tnLst>
-    <p:bldLst>
-      <p:bldP spid="115715" grpId="0" build="p"/>
     </p:bldLst>
   </p:timing>
 </p:sld>
